--- a/React2627.pptx
+++ b/React2627.pptx
@@ -4,11 +4,23 @@
   <p:sldMasterIdLst>
     <p:sldMasterId id="2147483648" r:id="rId1"/>
   </p:sldMasterIdLst>
+  <p:notesMasterIdLst>
+    <p:notesMasterId r:id="rId15"/>
+  </p:notesMasterIdLst>
   <p:sldIdLst>
     <p:sldId id="256" r:id="rId2"/>
-    <p:sldId id="257" r:id="rId3"/>
-    <p:sldId id="258" r:id="rId4"/>
-    <p:sldId id="259" r:id="rId5"/>
+    <p:sldId id="264" r:id="rId3"/>
+    <p:sldId id="266" r:id="rId4"/>
+    <p:sldId id="268" r:id="rId5"/>
+    <p:sldId id="267" r:id="rId6"/>
+    <p:sldId id="265" r:id="rId7"/>
+    <p:sldId id="263" r:id="rId8"/>
+    <p:sldId id="260" r:id="rId9"/>
+    <p:sldId id="257" r:id="rId10"/>
+    <p:sldId id="261" r:id="rId11"/>
+    <p:sldId id="258" r:id="rId12"/>
+    <p:sldId id="262" r:id="rId13"/>
+    <p:sldId id="259" r:id="rId14"/>
   </p:sldIdLst>
   <p:sldSz cx="12192000" cy="6858000"/>
   <p:notesSz cx="6858000" cy="9144000"/>
@@ -113,6 +125,460 @@
     </p:ext>
   </p:extLst>
 </p:presentation>
+</file>
+
+<file path=ppt/notesMasters/notesMaster1.xml><?xml version="1.0" encoding="utf-8"?>
+<p:notesMaster xmlns:a="http://schemas.openxmlformats.org/drawingml/2006/main" xmlns:r="http://schemas.openxmlformats.org/officeDocument/2006/relationships" xmlns:p="http://schemas.openxmlformats.org/presentationml/2006/main">
+  <p:cSld>
+    <p:bg>
+      <p:bgRef idx="1001">
+        <a:schemeClr val="bg1"/>
+      </p:bgRef>
+    </p:bg>
+    <p:spTree>
+      <p:nvGrpSpPr>
+        <p:cNvPr id="1" name=""/>
+        <p:cNvGrpSpPr/>
+        <p:nvPr/>
+      </p:nvGrpSpPr>
+      <p:grpSpPr>
+        <a:xfrm>
+          <a:off x="0" y="0"/>
+          <a:ext cx="0" cy="0"/>
+          <a:chOff x="0" y="0"/>
+          <a:chExt cx="0" cy="0"/>
+        </a:xfrm>
+      </p:grpSpPr>
+      <p:sp>
+        <p:nvSpPr>
+          <p:cNvPr id="2" name="頁首版面配置區 1"/>
+          <p:cNvSpPr>
+            <a:spLocks noGrp="1"/>
+          </p:cNvSpPr>
+          <p:nvPr>
+            <p:ph type="hdr" sz="quarter"/>
+          </p:nvPr>
+        </p:nvSpPr>
+        <p:spPr>
+          <a:xfrm>
+            <a:off x="0" y="0"/>
+            <a:ext cx="2971800" cy="458788"/>
+          </a:xfrm>
+          <a:prstGeom prst="rect">
+            <a:avLst/>
+          </a:prstGeom>
+        </p:spPr>
+        <p:txBody>
+          <a:bodyPr vert="horz" lIns="91440" tIns="45720" rIns="91440" bIns="45720" rtlCol="0"/>
+          <a:lstStyle>
+            <a:lvl1pPr algn="l">
+              <a:defRPr sz="1200"/>
+            </a:lvl1pPr>
+          </a:lstStyle>
+          <a:p>
+            <a:endParaRPr lang="zh-TW" altLang="en-US"/>
+          </a:p>
+        </p:txBody>
+      </p:sp>
+      <p:sp>
+        <p:nvSpPr>
+          <p:cNvPr id="3" name="日期版面配置區 2"/>
+          <p:cNvSpPr>
+            <a:spLocks noGrp="1"/>
+          </p:cNvSpPr>
+          <p:nvPr>
+            <p:ph type="dt" idx="1"/>
+          </p:nvPr>
+        </p:nvSpPr>
+        <p:spPr>
+          <a:xfrm>
+            <a:off x="3884613" y="0"/>
+            <a:ext cx="2971800" cy="458788"/>
+          </a:xfrm>
+          <a:prstGeom prst="rect">
+            <a:avLst/>
+          </a:prstGeom>
+        </p:spPr>
+        <p:txBody>
+          <a:bodyPr vert="horz" lIns="91440" tIns="45720" rIns="91440" bIns="45720" rtlCol="0"/>
+          <a:lstStyle>
+            <a:lvl1pPr algn="r">
+              <a:defRPr sz="1200"/>
+            </a:lvl1pPr>
+          </a:lstStyle>
+          <a:p>
+            <a:fld id="{0C3CD62D-C9F9-45C1-A3B6-18FC8A0A20DA}" type="datetimeFigureOut">
+              <a:rPr lang="zh-TW" altLang="en-US" smtClean="0"/>
+              <a:t>2020/11/3</a:t>
+            </a:fld>
+            <a:endParaRPr lang="zh-TW" altLang="en-US"/>
+          </a:p>
+        </p:txBody>
+      </p:sp>
+      <p:sp>
+        <p:nvSpPr>
+          <p:cNvPr id="4" name="投影片圖像版面配置區 3"/>
+          <p:cNvSpPr>
+            <a:spLocks noGrp="1" noRot="1" noChangeAspect="1"/>
+          </p:cNvSpPr>
+          <p:nvPr>
+            <p:ph type="sldImg" idx="2"/>
+          </p:nvPr>
+        </p:nvSpPr>
+        <p:spPr>
+          <a:xfrm>
+            <a:off x="685800" y="1143000"/>
+            <a:ext cx="5486400" cy="3086100"/>
+          </a:xfrm>
+          <a:prstGeom prst="rect">
+            <a:avLst/>
+          </a:prstGeom>
+          <a:noFill/>
+          <a:ln w="12700">
+            <a:solidFill>
+              <a:prstClr val="black"/>
+            </a:solidFill>
+          </a:ln>
+        </p:spPr>
+        <p:txBody>
+          <a:bodyPr vert="horz" lIns="91440" tIns="45720" rIns="91440" bIns="45720" rtlCol="0" anchor="ctr"/>
+          <a:lstStyle/>
+          <a:p>
+            <a:endParaRPr lang="zh-TW" altLang="en-US"/>
+          </a:p>
+        </p:txBody>
+      </p:sp>
+      <p:sp>
+        <p:nvSpPr>
+          <p:cNvPr id="5" name="備忘稿版面配置區 4"/>
+          <p:cNvSpPr>
+            <a:spLocks noGrp="1"/>
+          </p:cNvSpPr>
+          <p:nvPr>
+            <p:ph type="body" sz="quarter" idx="3"/>
+          </p:nvPr>
+        </p:nvSpPr>
+        <p:spPr>
+          <a:xfrm>
+            <a:off x="685800" y="4400550"/>
+            <a:ext cx="5486400" cy="3600450"/>
+          </a:xfrm>
+          <a:prstGeom prst="rect">
+            <a:avLst/>
+          </a:prstGeom>
+        </p:spPr>
+        <p:txBody>
+          <a:bodyPr vert="horz" lIns="91440" tIns="45720" rIns="91440" bIns="45720" rtlCol="0"/>
+          <a:lstStyle/>
+          <a:p>
+            <a:pPr lvl="0"/>
+            <a:r>
+              <a:rPr lang="zh-TW" altLang="en-US" smtClean="0"/>
+              <a:t>按一下以編輯母片文字樣式</a:t>
+            </a:r>
+          </a:p>
+          <a:p>
+            <a:pPr lvl="1"/>
+            <a:r>
+              <a:rPr lang="zh-TW" altLang="en-US" smtClean="0"/>
+              <a:t>第二層</a:t>
+            </a:r>
+          </a:p>
+          <a:p>
+            <a:pPr lvl="2"/>
+            <a:r>
+              <a:rPr lang="zh-TW" altLang="en-US" smtClean="0"/>
+              <a:t>第三層</a:t>
+            </a:r>
+          </a:p>
+          <a:p>
+            <a:pPr lvl="3"/>
+            <a:r>
+              <a:rPr lang="zh-TW" altLang="en-US" smtClean="0"/>
+              <a:t>第四層</a:t>
+            </a:r>
+          </a:p>
+          <a:p>
+            <a:pPr lvl="4"/>
+            <a:r>
+              <a:rPr lang="zh-TW" altLang="en-US" smtClean="0"/>
+              <a:t>第五層</a:t>
+            </a:r>
+            <a:endParaRPr lang="zh-TW" altLang="en-US"/>
+          </a:p>
+        </p:txBody>
+      </p:sp>
+      <p:sp>
+        <p:nvSpPr>
+          <p:cNvPr id="6" name="頁尾版面配置區 5"/>
+          <p:cNvSpPr>
+            <a:spLocks noGrp="1"/>
+          </p:cNvSpPr>
+          <p:nvPr>
+            <p:ph type="ftr" sz="quarter" idx="4"/>
+          </p:nvPr>
+        </p:nvSpPr>
+        <p:spPr>
+          <a:xfrm>
+            <a:off x="0" y="8685213"/>
+            <a:ext cx="2971800" cy="458787"/>
+          </a:xfrm>
+          <a:prstGeom prst="rect">
+            <a:avLst/>
+          </a:prstGeom>
+        </p:spPr>
+        <p:txBody>
+          <a:bodyPr vert="horz" lIns="91440" tIns="45720" rIns="91440" bIns="45720" rtlCol="0" anchor="b"/>
+          <a:lstStyle>
+            <a:lvl1pPr algn="l">
+              <a:defRPr sz="1200"/>
+            </a:lvl1pPr>
+          </a:lstStyle>
+          <a:p>
+            <a:endParaRPr lang="zh-TW" altLang="en-US"/>
+          </a:p>
+        </p:txBody>
+      </p:sp>
+      <p:sp>
+        <p:nvSpPr>
+          <p:cNvPr id="7" name="投影片編號版面配置區 6"/>
+          <p:cNvSpPr>
+            <a:spLocks noGrp="1"/>
+          </p:cNvSpPr>
+          <p:nvPr>
+            <p:ph type="sldNum" sz="quarter" idx="5"/>
+          </p:nvPr>
+        </p:nvSpPr>
+        <p:spPr>
+          <a:xfrm>
+            <a:off x="3884613" y="8685213"/>
+            <a:ext cx="2971800" cy="458787"/>
+          </a:xfrm>
+          <a:prstGeom prst="rect">
+            <a:avLst/>
+          </a:prstGeom>
+        </p:spPr>
+        <p:txBody>
+          <a:bodyPr vert="horz" lIns="91440" tIns="45720" rIns="91440" bIns="45720" rtlCol="0" anchor="b"/>
+          <a:lstStyle>
+            <a:lvl1pPr algn="r">
+              <a:defRPr sz="1200"/>
+            </a:lvl1pPr>
+          </a:lstStyle>
+          <a:p>
+            <a:fld id="{9D362653-C266-4B5C-9E5A-EA028D0F00AC}" type="slidenum">
+              <a:rPr lang="zh-TW" altLang="en-US" smtClean="0"/>
+              <a:t>‹#›</a:t>
+            </a:fld>
+            <a:endParaRPr lang="zh-TW" altLang="en-US"/>
+          </a:p>
+        </p:txBody>
+      </p:sp>
+    </p:spTree>
+    <p:extLst>
+      <p:ext uri="{BB962C8B-B14F-4D97-AF65-F5344CB8AC3E}">
+        <p14:creationId xmlns:p14="http://schemas.microsoft.com/office/powerpoint/2010/main" val="107404207"/>
+      </p:ext>
+    </p:extLst>
+  </p:cSld>
+  <p:clrMap bg1="lt1" tx1="dk1" bg2="lt2" tx2="dk2" accent1="accent1" accent2="accent2" accent3="accent3" accent4="accent4" accent5="accent5" accent6="accent6" hlink="hlink" folHlink="folHlink"/>
+  <p:notesStyle>
+    <a:lvl1pPr marL="0" algn="l" defTabSz="914400" rtl="0" eaLnBrk="1" latinLnBrk="0" hangingPunct="1">
+      <a:defRPr sz="1200" kern="1200">
+        <a:solidFill>
+          <a:schemeClr val="tx1"/>
+        </a:solidFill>
+        <a:latin typeface="+mn-lt"/>
+        <a:ea typeface="+mn-ea"/>
+        <a:cs typeface="+mn-cs"/>
+      </a:defRPr>
+    </a:lvl1pPr>
+    <a:lvl2pPr marL="457200" algn="l" defTabSz="914400" rtl="0" eaLnBrk="1" latinLnBrk="0" hangingPunct="1">
+      <a:defRPr sz="1200" kern="1200">
+        <a:solidFill>
+          <a:schemeClr val="tx1"/>
+        </a:solidFill>
+        <a:latin typeface="+mn-lt"/>
+        <a:ea typeface="+mn-ea"/>
+        <a:cs typeface="+mn-cs"/>
+      </a:defRPr>
+    </a:lvl2pPr>
+    <a:lvl3pPr marL="914400" algn="l" defTabSz="914400" rtl="0" eaLnBrk="1" latinLnBrk="0" hangingPunct="1">
+      <a:defRPr sz="1200" kern="1200">
+        <a:solidFill>
+          <a:schemeClr val="tx1"/>
+        </a:solidFill>
+        <a:latin typeface="+mn-lt"/>
+        <a:ea typeface="+mn-ea"/>
+        <a:cs typeface="+mn-cs"/>
+      </a:defRPr>
+    </a:lvl3pPr>
+    <a:lvl4pPr marL="1371600" algn="l" defTabSz="914400" rtl="0" eaLnBrk="1" latinLnBrk="0" hangingPunct="1">
+      <a:defRPr sz="1200" kern="1200">
+        <a:solidFill>
+          <a:schemeClr val="tx1"/>
+        </a:solidFill>
+        <a:latin typeface="+mn-lt"/>
+        <a:ea typeface="+mn-ea"/>
+        <a:cs typeface="+mn-cs"/>
+      </a:defRPr>
+    </a:lvl4pPr>
+    <a:lvl5pPr marL="1828800" algn="l" defTabSz="914400" rtl="0" eaLnBrk="1" latinLnBrk="0" hangingPunct="1">
+      <a:defRPr sz="1200" kern="1200">
+        <a:solidFill>
+          <a:schemeClr val="tx1"/>
+        </a:solidFill>
+        <a:latin typeface="+mn-lt"/>
+        <a:ea typeface="+mn-ea"/>
+        <a:cs typeface="+mn-cs"/>
+      </a:defRPr>
+    </a:lvl5pPr>
+    <a:lvl6pPr marL="2286000" algn="l" defTabSz="914400" rtl="0" eaLnBrk="1" latinLnBrk="0" hangingPunct="1">
+      <a:defRPr sz="1200" kern="1200">
+        <a:solidFill>
+          <a:schemeClr val="tx1"/>
+        </a:solidFill>
+        <a:latin typeface="+mn-lt"/>
+        <a:ea typeface="+mn-ea"/>
+        <a:cs typeface="+mn-cs"/>
+      </a:defRPr>
+    </a:lvl6pPr>
+    <a:lvl7pPr marL="2743200" algn="l" defTabSz="914400" rtl="0" eaLnBrk="1" latinLnBrk="0" hangingPunct="1">
+      <a:defRPr sz="1200" kern="1200">
+        <a:solidFill>
+          <a:schemeClr val="tx1"/>
+        </a:solidFill>
+        <a:latin typeface="+mn-lt"/>
+        <a:ea typeface="+mn-ea"/>
+        <a:cs typeface="+mn-cs"/>
+      </a:defRPr>
+    </a:lvl7pPr>
+    <a:lvl8pPr marL="3200400" algn="l" defTabSz="914400" rtl="0" eaLnBrk="1" latinLnBrk="0" hangingPunct="1">
+      <a:defRPr sz="1200" kern="1200">
+        <a:solidFill>
+          <a:schemeClr val="tx1"/>
+        </a:solidFill>
+        <a:latin typeface="+mn-lt"/>
+        <a:ea typeface="+mn-ea"/>
+        <a:cs typeface="+mn-cs"/>
+      </a:defRPr>
+    </a:lvl8pPr>
+    <a:lvl9pPr marL="3657600" algn="l" defTabSz="914400" rtl="0" eaLnBrk="1" latinLnBrk="0" hangingPunct="1">
+      <a:defRPr sz="1200" kern="1200">
+        <a:solidFill>
+          <a:schemeClr val="tx1"/>
+        </a:solidFill>
+        <a:latin typeface="+mn-lt"/>
+        <a:ea typeface="+mn-ea"/>
+        <a:cs typeface="+mn-cs"/>
+      </a:defRPr>
+    </a:lvl9pPr>
+  </p:notesStyle>
+</p:notesMaster>
+</file>
+
+<file path=ppt/notesSlides/notesSlide1.xml><?xml version="1.0" encoding="utf-8"?>
+<p:notes xmlns:a="http://schemas.openxmlformats.org/drawingml/2006/main" xmlns:r="http://schemas.openxmlformats.org/officeDocument/2006/relationships" xmlns:p="http://schemas.openxmlformats.org/presentationml/2006/main">
+  <p:cSld>
+    <p:spTree>
+      <p:nvGrpSpPr>
+        <p:cNvPr id="1" name=""/>
+        <p:cNvGrpSpPr/>
+        <p:nvPr/>
+      </p:nvGrpSpPr>
+      <p:grpSpPr>
+        <a:xfrm>
+          <a:off x="0" y="0"/>
+          <a:ext cx="0" cy="0"/>
+          <a:chOff x="0" y="0"/>
+          <a:chExt cx="0" cy="0"/>
+        </a:xfrm>
+      </p:grpSpPr>
+      <p:sp>
+        <p:nvSpPr>
+          <p:cNvPr id="2" name="投影片圖像版面配置區 1"/>
+          <p:cNvSpPr>
+            <a:spLocks noGrp="1" noRot="1" noChangeAspect="1"/>
+          </p:cNvSpPr>
+          <p:nvPr>
+            <p:ph type="sldImg"/>
+          </p:nvPr>
+        </p:nvSpPr>
+        <p:spPr/>
+      </p:sp>
+      <p:sp>
+        <p:nvSpPr>
+          <p:cNvPr id="3" name="備忘稿版面配置區 2"/>
+          <p:cNvSpPr>
+            <a:spLocks noGrp="1"/>
+          </p:cNvSpPr>
+          <p:nvPr>
+            <p:ph type="body" idx="1"/>
+          </p:nvPr>
+        </p:nvSpPr>
+        <p:spPr/>
+        <p:txBody>
+          <a:bodyPr/>
+          <a:lstStyle/>
+          <a:p>
+            <a:r>
+              <a:rPr lang="zh-TW" altLang="en-US" dirty="0" smtClean="0"/>
+              <a:t>下載完後 可以在</a:t>
+            </a:r>
+            <a:r>
+              <a:rPr lang="en-US" altLang="zh-TW" dirty="0" smtClean="0"/>
+              <a:t>terminal</a:t>
+            </a:r>
+            <a:r>
+              <a:rPr lang="zh-TW" altLang="en-US" dirty="0" smtClean="0"/>
+              <a:t>下</a:t>
+            </a:r>
+            <a:r>
+              <a:rPr lang="en-US" altLang="zh-TW" dirty="0" err="1" smtClean="0"/>
+              <a:t>heroku</a:t>
+            </a:r>
+            <a:r>
+              <a:rPr lang="zh-TW" altLang="en-US" dirty="0" smtClean="0"/>
+              <a:t>的指令</a:t>
+            </a:r>
+            <a:endParaRPr lang="zh-TW" altLang="en-US" dirty="0"/>
+          </a:p>
+        </p:txBody>
+      </p:sp>
+      <p:sp>
+        <p:nvSpPr>
+          <p:cNvPr id="4" name="投影片編號版面配置區 3"/>
+          <p:cNvSpPr>
+            <a:spLocks noGrp="1"/>
+          </p:cNvSpPr>
+          <p:nvPr>
+            <p:ph type="sldNum" sz="quarter" idx="10"/>
+          </p:nvPr>
+        </p:nvSpPr>
+        <p:spPr/>
+        <p:txBody>
+          <a:bodyPr/>
+          <a:lstStyle/>
+          <a:p>
+            <a:fld id="{9D362653-C266-4B5C-9E5A-EA028D0F00AC}" type="slidenum">
+              <a:rPr lang="zh-TW" altLang="en-US" smtClean="0"/>
+              <a:t>10</a:t>
+            </a:fld>
+            <a:endParaRPr lang="zh-TW" altLang="en-US"/>
+          </a:p>
+        </p:txBody>
+      </p:sp>
+    </p:spTree>
+    <p:extLst>
+      <p:ext uri="{BB962C8B-B14F-4D97-AF65-F5344CB8AC3E}">
+        <p14:creationId xmlns:p14="http://schemas.microsoft.com/office/powerpoint/2010/main" val="1045458315"/>
+      </p:ext>
+    </p:extLst>
+  </p:cSld>
+  <p:clrMapOvr>
+    <a:masterClrMapping/>
+  </p:clrMapOvr>
+</p:notes>
 </file>
 
 <file path=ppt/slideLayouts/slideLayout1.xml><?xml version="1.0" encoding="utf-8"?>
@@ -2987,7 +3453,11 @@
           <a:bodyPr/>
           <a:lstStyle/>
           <a:p>
-            <a:endParaRPr lang="zh-TW" altLang="en-US"/>
+            <a:r>
+              <a:rPr lang="zh-TW" altLang="en-US" dirty="0" smtClean="0"/>
+              <a:t>登入</a:t>
+            </a:r>
+            <a:endParaRPr lang="zh-TW" altLang="en-US" dirty="0"/>
           </a:p>
         </p:txBody>
       </p:sp>
@@ -3014,6 +3484,674 @@
     <p:extLst>
       <p:ext uri="{BB962C8B-B14F-4D97-AF65-F5344CB8AC3E}">
         <p14:creationId xmlns:p14="http://schemas.microsoft.com/office/powerpoint/2010/main" val="1735363974"/>
+      </p:ext>
+    </p:extLst>
+  </p:cSld>
+  <p:clrMapOvr>
+    <a:masterClrMapping/>
+  </p:clrMapOvr>
+</p:sld>
+</file>
+
+<file path=ppt/slides/slide10.xml><?xml version="1.0" encoding="utf-8"?>
+<p:sld xmlns:a="http://schemas.openxmlformats.org/drawingml/2006/main" xmlns:r="http://schemas.openxmlformats.org/officeDocument/2006/relationships" xmlns:p="http://schemas.openxmlformats.org/presentationml/2006/main">
+  <p:cSld>
+    <p:spTree>
+      <p:nvGrpSpPr>
+        <p:cNvPr id="1" name=""/>
+        <p:cNvGrpSpPr/>
+        <p:nvPr/>
+      </p:nvGrpSpPr>
+      <p:grpSpPr>
+        <a:xfrm>
+          <a:off x="0" y="0"/>
+          <a:ext cx="0" cy="0"/>
+          <a:chOff x="0" y="0"/>
+          <a:chExt cx="0" cy="0"/>
+        </a:xfrm>
+      </p:grpSpPr>
+      <p:sp>
+        <p:nvSpPr>
+          <p:cNvPr id="2" name="標題 1"/>
+          <p:cNvSpPr>
+            <a:spLocks noGrp="1"/>
+          </p:cNvSpPr>
+          <p:nvPr>
+            <p:ph type="title"/>
+          </p:nvPr>
+        </p:nvSpPr>
+        <p:spPr/>
+        <p:txBody>
+          <a:bodyPr/>
+          <a:lstStyle/>
+          <a:p>
+            <a:r>
+              <a:rPr lang="zh-TW" altLang="en-US" dirty="0" smtClean="0"/>
+              <a:t>下載</a:t>
+            </a:r>
+            <a:r>
+              <a:rPr lang="en-US" altLang="zh-TW" dirty="0" err="1" smtClean="0"/>
+              <a:t>Heroku</a:t>
+            </a:r>
+            <a:r>
+              <a:rPr lang="en-US" altLang="zh-TW" dirty="0" smtClean="0"/>
+              <a:t>-cli</a:t>
+            </a:r>
+            <a:endParaRPr lang="zh-TW" altLang="en-US" dirty="0"/>
+          </a:p>
+        </p:txBody>
+      </p:sp>
+      <p:sp>
+        <p:nvSpPr>
+          <p:cNvPr id="3" name="內容版面配置區 2"/>
+          <p:cNvSpPr>
+            <a:spLocks noGrp="1"/>
+          </p:cNvSpPr>
+          <p:nvPr>
+            <p:ph idx="1"/>
+          </p:nvPr>
+        </p:nvSpPr>
+        <p:spPr/>
+        <p:txBody>
+          <a:bodyPr/>
+          <a:lstStyle/>
+          <a:p>
+            <a:r>
+              <a:rPr lang="en-US" altLang="zh-TW" dirty="0">
+                <a:hlinkClick r:id="rId3"/>
+              </a:rPr>
+              <a:t>https://</a:t>
+            </a:r>
+            <a:r>
+              <a:rPr lang="en-US" altLang="zh-TW" dirty="0" smtClean="0">
+                <a:hlinkClick r:id="rId3"/>
+              </a:rPr>
+              <a:t>devcenter.heroku.com/articles/heroku-cli</a:t>
+            </a:r>
+            <a:endParaRPr lang="en-US" altLang="zh-TW" dirty="0" smtClean="0"/>
+          </a:p>
+          <a:p>
+            <a:endParaRPr lang="zh-TW" altLang="en-US" dirty="0"/>
+          </a:p>
+        </p:txBody>
+      </p:sp>
+      <p:pic>
+        <p:nvPicPr>
+          <p:cNvPr id="4" name="圖片 3"/>
+          <p:cNvPicPr>
+            <a:picLocks noChangeAspect="1"/>
+          </p:cNvPicPr>
+          <p:nvPr/>
+        </p:nvPicPr>
+        <p:blipFill>
+          <a:blip r:embed="rId4"/>
+          <a:stretch>
+            <a:fillRect/>
+          </a:stretch>
+        </p:blipFill>
+        <p:spPr>
+          <a:xfrm>
+            <a:off x="838200" y="2395961"/>
+            <a:ext cx="4626278" cy="3210666"/>
+          </a:xfrm>
+          <a:prstGeom prst="rect">
+            <a:avLst/>
+          </a:prstGeom>
+        </p:spPr>
+      </p:pic>
+      <p:pic>
+        <p:nvPicPr>
+          <p:cNvPr id="5" name="圖片 4"/>
+          <p:cNvPicPr>
+            <a:picLocks noChangeAspect="1"/>
+          </p:cNvPicPr>
+          <p:nvPr/>
+        </p:nvPicPr>
+        <p:blipFill>
+          <a:blip r:embed="rId5"/>
+          <a:stretch>
+            <a:fillRect/>
+          </a:stretch>
+        </p:blipFill>
+        <p:spPr>
+          <a:xfrm>
+            <a:off x="5244746" y="3303244"/>
+            <a:ext cx="6947254" cy="1396099"/>
+          </a:xfrm>
+          <a:prstGeom prst="rect">
+            <a:avLst/>
+          </a:prstGeom>
+        </p:spPr>
+      </p:pic>
+    </p:spTree>
+    <p:extLst>
+      <p:ext uri="{BB962C8B-B14F-4D97-AF65-F5344CB8AC3E}">
+        <p14:creationId xmlns:p14="http://schemas.microsoft.com/office/powerpoint/2010/main" val="2662892143"/>
+      </p:ext>
+    </p:extLst>
+  </p:cSld>
+  <p:clrMapOvr>
+    <a:masterClrMapping/>
+  </p:clrMapOvr>
+</p:sld>
+</file>
+
+<file path=ppt/slides/slide11.xml><?xml version="1.0" encoding="utf-8"?>
+<p:sld xmlns:a="http://schemas.openxmlformats.org/drawingml/2006/main" xmlns:r="http://schemas.openxmlformats.org/officeDocument/2006/relationships" xmlns:p="http://schemas.openxmlformats.org/presentationml/2006/main">
+  <p:cSld>
+    <p:spTree>
+      <p:nvGrpSpPr>
+        <p:cNvPr id="1" name=""/>
+        <p:cNvGrpSpPr/>
+        <p:nvPr/>
+      </p:nvGrpSpPr>
+      <p:grpSpPr>
+        <a:xfrm>
+          <a:off x="0" y="0"/>
+          <a:ext cx="0" cy="0"/>
+          <a:chOff x="0" y="0"/>
+          <a:chExt cx="0" cy="0"/>
+        </a:xfrm>
+      </p:grpSpPr>
+      <p:sp>
+        <p:nvSpPr>
+          <p:cNvPr id="2" name="標題 1"/>
+          <p:cNvSpPr>
+            <a:spLocks noGrp="1"/>
+          </p:cNvSpPr>
+          <p:nvPr>
+            <p:ph type="title"/>
+          </p:nvPr>
+        </p:nvSpPr>
+        <p:spPr/>
+        <p:txBody>
+          <a:bodyPr/>
+          <a:lstStyle/>
+          <a:p>
+            <a:r>
+              <a:rPr lang="zh-TW" altLang="en-US" dirty="0" smtClean="0"/>
+              <a:t>上傳專案至</a:t>
+            </a:r>
+            <a:r>
+              <a:rPr lang="en-US" altLang="zh-TW" dirty="0" err="1" smtClean="0"/>
+              <a:t>Heroku</a:t>
+            </a:r>
+            <a:r>
+              <a:rPr lang="zh-TW" altLang="en-US" dirty="0" smtClean="0"/>
+              <a:t> </a:t>
+            </a:r>
+            <a:endParaRPr lang="zh-TW" altLang="en-US" dirty="0"/>
+          </a:p>
+        </p:txBody>
+      </p:sp>
+      <p:sp>
+        <p:nvSpPr>
+          <p:cNvPr id="3" name="內容版面配置區 2"/>
+          <p:cNvSpPr>
+            <a:spLocks noGrp="1"/>
+          </p:cNvSpPr>
+          <p:nvPr>
+            <p:ph idx="1"/>
+          </p:nvPr>
+        </p:nvSpPr>
+        <p:spPr/>
+        <p:txBody>
+          <a:bodyPr/>
+          <a:lstStyle/>
+          <a:p>
+            <a:r>
+              <a:rPr lang="en-US" altLang="zh-TW" dirty="0" err="1"/>
+              <a:t>heroku</a:t>
+            </a:r>
+            <a:r>
+              <a:rPr lang="en-US" altLang="zh-TW" dirty="0"/>
+              <a:t> </a:t>
+            </a:r>
+            <a:r>
+              <a:rPr lang="en-US" altLang="zh-TW" dirty="0" smtClean="0"/>
+              <a:t>login</a:t>
+            </a:r>
+          </a:p>
+          <a:p>
+            <a:pPr lvl="1"/>
+            <a:r>
+              <a:rPr lang="zh-TW" altLang="en-US" dirty="0" smtClean="0"/>
+              <a:t>登入</a:t>
+            </a:r>
+            <a:r>
+              <a:rPr lang="en-US" altLang="zh-TW" dirty="0" err="1" smtClean="0"/>
+              <a:t>heroku</a:t>
+            </a:r>
+            <a:r>
+              <a:rPr lang="zh-TW" altLang="en-US" dirty="0" smtClean="0"/>
+              <a:t> </a:t>
+            </a:r>
+            <a:r>
+              <a:rPr lang="en-US" altLang="zh-TW" dirty="0" smtClean="0"/>
+              <a:t>(</a:t>
+            </a:r>
+            <a:r>
+              <a:rPr lang="zh-TW" altLang="en-US" dirty="0" smtClean="0"/>
+              <a:t>每次重開</a:t>
+            </a:r>
+            <a:r>
+              <a:rPr lang="zh-TW" altLang="en-US" dirty="0"/>
+              <a:t>機</a:t>
+            </a:r>
+            <a:r>
+              <a:rPr lang="en-US" altLang="zh-TW" dirty="0" smtClean="0"/>
+              <a:t>)</a:t>
+            </a:r>
+          </a:p>
+          <a:p>
+            <a:pPr lvl="1"/>
+            <a:endParaRPr lang="en-US" altLang="zh-TW" dirty="0" smtClean="0"/>
+          </a:p>
+          <a:p>
+            <a:r>
+              <a:rPr lang="en-US" altLang="zh-TW" dirty="0" err="1" smtClean="0"/>
+              <a:t>heroku</a:t>
+            </a:r>
+            <a:r>
+              <a:rPr lang="en-US" altLang="zh-TW" dirty="0" smtClean="0"/>
+              <a:t> </a:t>
+            </a:r>
+            <a:r>
+              <a:rPr lang="en-US" altLang="zh-TW" dirty="0" err="1"/>
+              <a:t>git:remote</a:t>
+            </a:r>
+            <a:r>
+              <a:rPr lang="en-US" altLang="zh-TW" dirty="0"/>
+              <a:t> -a </a:t>
+            </a:r>
+            <a:r>
+              <a:rPr lang="en-US" altLang="zh-TW" dirty="0" err="1" smtClean="0"/>
+              <a:t>herokuApp</a:t>
+            </a:r>
+            <a:r>
+              <a:rPr lang="zh-TW" altLang="en-US" dirty="0" smtClean="0"/>
+              <a:t>名稱</a:t>
+            </a:r>
+            <a:endParaRPr lang="en-US" altLang="zh-TW" dirty="0"/>
+          </a:p>
+          <a:p>
+            <a:pPr lvl="1"/>
+            <a:r>
+              <a:rPr lang="zh-TW" altLang="en-US" dirty="0" smtClean="0"/>
+              <a:t>連接</a:t>
+            </a:r>
+            <a:r>
+              <a:rPr lang="en-US" altLang="zh-TW" dirty="0" err="1" smtClean="0"/>
+              <a:t>Heroku</a:t>
+            </a:r>
+            <a:r>
+              <a:rPr lang="zh-TW" altLang="en-US" dirty="0" smtClean="0"/>
+              <a:t>專案與</a:t>
+            </a:r>
+            <a:r>
+              <a:rPr lang="en-US" altLang="zh-TW" dirty="0" err="1" smtClean="0"/>
+              <a:t>Git</a:t>
+            </a:r>
+            <a:r>
+              <a:rPr lang="zh-TW" altLang="en-US" dirty="0"/>
+              <a:t> </a:t>
+            </a:r>
+            <a:r>
+              <a:rPr lang="en-US" altLang="zh-TW" dirty="0" smtClean="0"/>
+              <a:t>(1</a:t>
+            </a:r>
+            <a:r>
+              <a:rPr lang="zh-TW" altLang="en-US" dirty="0" smtClean="0"/>
+              <a:t>次</a:t>
+            </a:r>
+            <a:r>
+              <a:rPr lang="en-US" altLang="zh-TW" dirty="0" smtClean="0"/>
+              <a:t>)</a:t>
+            </a:r>
+          </a:p>
+          <a:p>
+            <a:pPr lvl="1"/>
+            <a:endParaRPr lang="en-US" altLang="zh-TW" dirty="0"/>
+          </a:p>
+          <a:p>
+            <a:r>
+              <a:rPr lang="en-US" altLang="zh-TW" dirty="0" err="1"/>
+              <a:t>git</a:t>
+            </a:r>
+            <a:r>
+              <a:rPr lang="en-US" altLang="zh-TW" dirty="0"/>
+              <a:t> push </a:t>
+            </a:r>
+            <a:r>
+              <a:rPr lang="en-US" altLang="zh-TW" dirty="0" err="1"/>
+              <a:t>heroku</a:t>
+            </a:r>
+            <a:r>
+              <a:rPr lang="en-US" altLang="zh-TW" dirty="0"/>
+              <a:t> </a:t>
+            </a:r>
+            <a:r>
+              <a:rPr lang="en-US" altLang="zh-TW" dirty="0" err="1" smtClean="0"/>
+              <a:t>HEAD:master</a:t>
+            </a:r>
+            <a:endParaRPr lang="en-US" altLang="zh-TW" dirty="0" smtClean="0"/>
+          </a:p>
+          <a:p>
+            <a:pPr lvl="1"/>
+            <a:r>
+              <a:rPr lang="en-US" altLang="zh-TW" dirty="0" smtClean="0"/>
+              <a:t>push</a:t>
+            </a:r>
+            <a:r>
+              <a:rPr lang="zh-TW" altLang="en-US" dirty="0" smtClean="0"/>
+              <a:t> </a:t>
+            </a:r>
+            <a:r>
+              <a:rPr lang="en-US" altLang="zh-TW" dirty="0" smtClean="0"/>
+              <a:t>master</a:t>
+            </a:r>
+            <a:r>
+              <a:rPr lang="zh-TW" altLang="en-US" dirty="0" smtClean="0"/>
+              <a:t>到</a:t>
+            </a:r>
+            <a:r>
+              <a:rPr lang="en-US" altLang="zh-TW" dirty="0" err="1" smtClean="0"/>
+              <a:t>heroku</a:t>
+            </a:r>
+            <a:r>
+              <a:rPr lang="zh-TW" altLang="en-US" dirty="0" smtClean="0"/>
+              <a:t> </a:t>
+            </a:r>
+            <a:r>
+              <a:rPr lang="en-US" altLang="zh-TW" dirty="0" smtClean="0"/>
+              <a:t>(push</a:t>
+            </a:r>
+            <a:r>
+              <a:rPr lang="zh-TW" altLang="en-US" dirty="0" smtClean="0"/>
+              <a:t>新專案</a:t>
+            </a:r>
+            <a:r>
+              <a:rPr lang="en-US" altLang="zh-TW" dirty="0" smtClean="0"/>
+              <a:t>)</a:t>
+            </a:r>
+            <a:endParaRPr lang="en-US" altLang="zh-TW" dirty="0"/>
+          </a:p>
+        </p:txBody>
+      </p:sp>
+    </p:spTree>
+    <p:extLst>
+      <p:ext uri="{BB962C8B-B14F-4D97-AF65-F5344CB8AC3E}">
+        <p14:creationId xmlns:p14="http://schemas.microsoft.com/office/powerpoint/2010/main" val="2918132142"/>
+      </p:ext>
+    </p:extLst>
+  </p:cSld>
+  <p:clrMapOvr>
+    <a:masterClrMapping/>
+  </p:clrMapOvr>
+</p:sld>
+</file>
+
+<file path=ppt/slides/slide12.xml><?xml version="1.0" encoding="utf-8"?>
+<p:sld xmlns:a="http://schemas.openxmlformats.org/drawingml/2006/main" xmlns:r="http://schemas.openxmlformats.org/officeDocument/2006/relationships" xmlns:p="http://schemas.openxmlformats.org/presentationml/2006/main">
+  <p:cSld>
+    <p:spTree>
+      <p:nvGrpSpPr>
+        <p:cNvPr id="1" name=""/>
+        <p:cNvGrpSpPr/>
+        <p:nvPr/>
+      </p:nvGrpSpPr>
+      <p:grpSpPr>
+        <a:xfrm>
+          <a:off x="0" y="0"/>
+          <a:ext cx="0" cy="0"/>
+          <a:chOff x="0" y="0"/>
+          <a:chExt cx="0" cy="0"/>
+        </a:xfrm>
+      </p:grpSpPr>
+      <p:sp>
+        <p:nvSpPr>
+          <p:cNvPr id="2" name="標題 1"/>
+          <p:cNvSpPr>
+            <a:spLocks noGrp="1"/>
+          </p:cNvSpPr>
+          <p:nvPr>
+            <p:ph type="title"/>
+          </p:nvPr>
+        </p:nvSpPr>
+        <p:spPr/>
+        <p:txBody>
+          <a:bodyPr/>
+          <a:lstStyle/>
+          <a:p>
+            <a:r>
+              <a:rPr lang="zh-TW" altLang="en-US" dirty="0"/>
+              <a:t>上傳專案至</a:t>
+            </a:r>
+            <a:r>
+              <a:rPr lang="en-US" altLang="zh-TW" dirty="0" err="1"/>
+              <a:t>Heroku</a:t>
+            </a:r>
+            <a:r>
+              <a:rPr lang="zh-TW" altLang="en-US" dirty="0"/>
+              <a:t> </a:t>
+            </a:r>
+          </a:p>
+        </p:txBody>
+      </p:sp>
+      <p:sp>
+        <p:nvSpPr>
+          <p:cNvPr id="3" name="內容版面配置區 2"/>
+          <p:cNvSpPr>
+            <a:spLocks noGrp="1"/>
+          </p:cNvSpPr>
+          <p:nvPr>
+            <p:ph idx="1"/>
+          </p:nvPr>
+        </p:nvSpPr>
+        <p:spPr/>
+        <p:txBody>
+          <a:bodyPr/>
+          <a:lstStyle/>
+          <a:p>
+            <a:r>
+              <a:rPr lang="en-US" altLang="zh-TW" dirty="0" smtClean="0"/>
+              <a:t>1. </a:t>
+            </a:r>
+            <a:r>
+              <a:rPr lang="en-US" altLang="zh-TW" dirty="0" err="1" smtClean="0"/>
+              <a:t>heroku</a:t>
+            </a:r>
+            <a:r>
+              <a:rPr lang="en-US" altLang="zh-TW" dirty="0" smtClean="0"/>
+              <a:t> open</a:t>
+            </a:r>
+          </a:p>
+          <a:p>
+            <a:r>
+              <a:rPr lang="en-US" altLang="zh-TW" dirty="0" smtClean="0"/>
+              <a:t>2. </a:t>
+            </a:r>
+            <a:r>
+              <a:rPr lang="en-US" altLang="zh-TW" dirty="0" err="1" smtClean="0"/>
+              <a:t>Heroku</a:t>
+            </a:r>
+            <a:r>
+              <a:rPr lang="zh-TW" altLang="en-US" dirty="0" smtClean="0"/>
+              <a:t>網頁</a:t>
+            </a:r>
+            <a:r>
+              <a:rPr lang="en-US" altLang="zh-TW" dirty="0" smtClean="0"/>
+              <a:t>, App&gt;setting&gt;domain</a:t>
+            </a:r>
+          </a:p>
+          <a:p>
+            <a:endParaRPr lang="zh-TW" altLang="en-US" dirty="0"/>
+          </a:p>
+        </p:txBody>
+      </p:sp>
+      <p:pic>
+        <p:nvPicPr>
+          <p:cNvPr id="4" name="圖片 3"/>
+          <p:cNvPicPr>
+            <a:picLocks noChangeAspect="1"/>
+          </p:cNvPicPr>
+          <p:nvPr/>
+        </p:nvPicPr>
+        <p:blipFill>
+          <a:blip r:embed="rId2"/>
+          <a:stretch>
+            <a:fillRect/>
+          </a:stretch>
+        </p:blipFill>
+        <p:spPr>
+          <a:xfrm>
+            <a:off x="2071712" y="2933657"/>
+            <a:ext cx="7932278" cy="1337479"/>
+          </a:xfrm>
+          <a:prstGeom prst="rect">
+            <a:avLst/>
+          </a:prstGeom>
+        </p:spPr>
+      </p:pic>
+      <p:pic>
+        <p:nvPicPr>
+          <p:cNvPr id="5" name="圖片 4"/>
+          <p:cNvPicPr>
+            <a:picLocks noChangeAspect="1"/>
+          </p:cNvPicPr>
+          <p:nvPr/>
+        </p:nvPicPr>
+        <p:blipFill>
+          <a:blip r:embed="rId3"/>
+          <a:stretch>
+            <a:fillRect/>
+          </a:stretch>
+        </p:blipFill>
+        <p:spPr>
+          <a:xfrm>
+            <a:off x="75304" y="4406073"/>
+            <a:ext cx="12192000" cy="1252603"/>
+          </a:xfrm>
+          <a:prstGeom prst="rect">
+            <a:avLst/>
+          </a:prstGeom>
+        </p:spPr>
+      </p:pic>
+    </p:spTree>
+    <p:extLst>
+      <p:ext uri="{BB962C8B-B14F-4D97-AF65-F5344CB8AC3E}">
+        <p14:creationId xmlns:p14="http://schemas.microsoft.com/office/powerpoint/2010/main" val="3506411360"/>
+      </p:ext>
+    </p:extLst>
+  </p:cSld>
+  <p:clrMapOvr>
+    <a:masterClrMapping/>
+  </p:clrMapOvr>
+</p:sld>
+</file>
+
+<file path=ppt/slides/slide13.xml><?xml version="1.0" encoding="utf-8"?>
+<p:sld xmlns:a="http://schemas.openxmlformats.org/drawingml/2006/main" xmlns:r="http://schemas.openxmlformats.org/officeDocument/2006/relationships" xmlns:p="http://schemas.openxmlformats.org/presentationml/2006/main">
+  <p:cSld>
+    <p:spTree>
+      <p:nvGrpSpPr>
+        <p:cNvPr id="1" name=""/>
+        <p:cNvGrpSpPr/>
+        <p:nvPr/>
+      </p:nvGrpSpPr>
+      <p:grpSpPr>
+        <a:xfrm>
+          <a:off x="0" y="0"/>
+          <a:ext cx="0" cy="0"/>
+          <a:chOff x="0" y="0"/>
+          <a:chExt cx="0" cy="0"/>
+        </a:xfrm>
+      </p:grpSpPr>
+      <p:sp>
+        <p:nvSpPr>
+          <p:cNvPr id="2" name="標題 1"/>
+          <p:cNvSpPr>
+            <a:spLocks noGrp="1"/>
+          </p:cNvSpPr>
+          <p:nvPr>
+            <p:ph type="title"/>
+          </p:nvPr>
+        </p:nvSpPr>
+        <p:spPr/>
+        <p:txBody>
+          <a:bodyPr/>
+          <a:lstStyle/>
+          <a:p>
+            <a:r>
+              <a:rPr lang="zh-TW" altLang="en-US" dirty="0" smtClean="0"/>
+              <a:t>參考資</a:t>
+            </a:r>
+            <a:r>
+              <a:rPr lang="zh-TW" altLang="en-US" dirty="0"/>
+              <a:t>料</a:t>
+            </a:r>
+          </a:p>
+        </p:txBody>
+      </p:sp>
+      <p:sp>
+        <p:nvSpPr>
+          <p:cNvPr id="3" name="內容版面配置區 2"/>
+          <p:cNvSpPr>
+            <a:spLocks noGrp="1"/>
+          </p:cNvSpPr>
+          <p:nvPr>
+            <p:ph idx="1"/>
+          </p:nvPr>
+        </p:nvSpPr>
+        <p:spPr/>
+        <p:txBody>
+          <a:bodyPr/>
+          <a:lstStyle/>
+          <a:p>
+            <a:r>
+              <a:rPr lang="en-US" altLang="zh-TW" dirty="0">
+                <a:hlinkClick r:id="rId2"/>
+              </a:rPr>
+              <a:t>https://</a:t>
+            </a:r>
+            <a:r>
+              <a:rPr lang="en-US" altLang="zh-TW" dirty="0" smtClean="0">
+                <a:hlinkClick r:id="rId2"/>
+              </a:rPr>
+              <a:t>github.com/chyingp/nodejs-learning-guide/tree/master/examples/2016.12.06-session</a:t>
+            </a:r>
+            <a:endParaRPr lang="en-US" altLang="zh-TW" dirty="0" smtClean="0"/>
+          </a:p>
+          <a:p>
+            <a:endParaRPr lang="en-US" altLang="zh-TW" dirty="0"/>
+          </a:p>
+          <a:p>
+            <a:r>
+              <a:rPr lang="en-US" altLang="zh-TW" dirty="0">
+                <a:hlinkClick r:id="rId3"/>
+              </a:rPr>
+              <a:t>https://medium.com/enjoy-life-enjoy-coding/heroku-%E6%90%AD%E9%85%8D-git-%E5%9C%A8-heroku-%</a:t>
+            </a:r>
+            <a:r>
+              <a:rPr lang="en-US" altLang="zh-TW" dirty="0" smtClean="0">
+                <a:hlinkClick r:id="rId3"/>
+              </a:rPr>
+              <a:t>E4%B8%8A%E9%83%A8%E7%BD%B2%E7%B6%B2%E7%AB%99%E7%9A%84%E6%89%8B%E6%8A%8A%E6%89%8B%E6%95%99%E5%AD%B8-bf4fd6f998b8</a:t>
+            </a:r>
+            <a:endParaRPr lang="en-US" altLang="zh-TW" dirty="0" smtClean="0"/>
+          </a:p>
+          <a:p>
+            <a:endParaRPr lang="en-US" altLang="zh-TW" dirty="0" smtClean="0"/>
+          </a:p>
+          <a:p>
+            <a:endParaRPr lang="zh-TW" altLang="en-US" dirty="0"/>
+          </a:p>
+        </p:txBody>
+      </p:sp>
+    </p:spTree>
+    <p:extLst>
+      <p:ext uri="{BB962C8B-B14F-4D97-AF65-F5344CB8AC3E}">
+        <p14:creationId xmlns:p14="http://schemas.microsoft.com/office/powerpoint/2010/main" val="2205693101"/>
       </p:ext>
     </p:extLst>
   </p:cSld>
@@ -3056,6 +4194,807 @@
           <a:lstStyle/>
           <a:p>
             <a:r>
+              <a:rPr lang="en-US" altLang="zh-TW" dirty="0" smtClean="0"/>
+              <a:t>Index.js</a:t>
+            </a:r>
+            <a:endParaRPr lang="zh-TW" altLang="en-US" dirty="0"/>
+          </a:p>
+        </p:txBody>
+      </p:sp>
+      <p:sp>
+        <p:nvSpPr>
+          <p:cNvPr id="3" name="內容版面配置區 2"/>
+          <p:cNvSpPr>
+            <a:spLocks noGrp="1"/>
+          </p:cNvSpPr>
+          <p:nvPr>
+            <p:ph idx="1"/>
+          </p:nvPr>
+        </p:nvSpPr>
+        <p:spPr/>
+        <p:txBody>
+          <a:bodyPr/>
+          <a:lstStyle/>
+          <a:p>
+            <a:endParaRPr lang="zh-TW" altLang="en-US"/>
+          </a:p>
+        </p:txBody>
+      </p:sp>
+    </p:spTree>
+    <p:extLst>
+      <p:ext uri="{BB962C8B-B14F-4D97-AF65-F5344CB8AC3E}">
+        <p14:creationId xmlns:p14="http://schemas.microsoft.com/office/powerpoint/2010/main" val="1582938015"/>
+      </p:ext>
+    </p:extLst>
+  </p:cSld>
+  <p:clrMapOvr>
+    <a:masterClrMapping/>
+  </p:clrMapOvr>
+</p:sld>
+</file>
+
+<file path=ppt/slides/slide3.xml><?xml version="1.0" encoding="utf-8"?>
+<p:sld xmlns:a="http://schemas.openxmlformats.org/drawingml/2006/main" xmlns:r="http://schemas.openxmlformats.org/officeDocument/2006/relationships" xmlns:p="http://schemas.openxmlformats.org/presentationml/2006/main">
+  <p:cSld>
+    <p:spTree>
+      <p:nvGrpSpPr>
+        <p:cNvPr id="1" name=""/>
+        <p:cNvGrpSpPr/>
+        <p:nvPr/>
+      </p:nvGrpSpPr>
+      <p:grpSpPr>
+        <a:xfrm>
+          <a:off x="0" y="0"/>
+          <a:ext cx="0" cy="0"/>
+          <a:chOff x="0" y="0"/>
+          <a:chExt cx="0" cy="0"/>
+        </a:xfrm>
+      </p:grpSpPr>
+      <p:sp>
+        <p:nvSpPr>
+          <p:cNvPr id="2" name="標題 1"/>
+          <p:cNvSpPr>
+            <a:spLocks noGrp="1"/>
+          </p:cNvSpPr>
+          <p:nvPr>
+            <p:ph type="title"/>
+          </p:nvPr>
+        </p:nvSpPr>
+        <p:spPr/>
+        <p:txBody>
+          <a:bodyPr/>
+          <a:lstStyle/>
+          <a:p>
+            <a:r>
+              <a:rPr lang="en-US" altLang="zh-TW" dirty="0" smtClean="0"/>
+              <a:t>App.js</a:t>
+            </a:r>
+            <a:endParaRPr lang="zh-TW" altLang="en-US" dirty="0"/>
+          </a:p>
+        </p:txBody>
+      </p:sp>
+      <p:sp>
+        <p:nvSpPr>
+          <p:cNvPr id="3" name="內容版面配置區 2"/>
+          <p:cNvSpPr>
+            <a:spLocks noGrp="1"/>
+          </p:cNvSpPr>
+          <p:nvPr>
+            <p:ph idx="1"/>
+          </p:nvPr>
+        </p:nvSpPr>
+        <p:spPr/>
+        <p:txBody>
+          <a:bodyPr/>
+          <a:lstStyle/>
+          <a:p>
+            <a:endParaRPr lang="zh-TW" altLang="en-US"/>
+          </a:p>
+        </p:txBody>
+      </p:sp>
+    </p:spTree>
+    <p:extLst>
+      <p:ext uri="{BB962C8B-B14F-4D97-AF65-F5344CB8AC3E}">
+        <p14:creationId xmlns:p14="http://schemas.microsoft.com/office/powerpoint/2010/main" val="3904368050"/>
+      </p:ext>
+    </p:extLst>
+  </p:cSld>
+  <p:clrMapOvr>
+    <a:masterClrMapping/>
+  </p:clrMapOvr>
+</p:sld>
+</file>
+
+<file path=ppt/slides/slide4.xml><?xml version="1.0" encoding="utf-8"?>
+<p:sld xmlns:a="http://schemas.openxmlformats.org/drawingml/2006/main" xmlns:r="http://schemas.openxmlformats.org/officeDocument/2006/relationships" xmlns:p="http://schemas.openxmlformats.org/presentationml/2006/main">
+  <p:cSld>
+    <p:spTree>
+      <p:nvGrpSpPr>
+        <p:cNvPr id="1" name=""/>
+        <p:cNvGrpSpPr/>
+        <p:nvPr/>
+      </p:nvGrpSpPr>
+      <p:grpSpPr>
+        <a:xfrm>
+          <a:off x="0" y="0"/>
+          <a:ext cx="0" cy="0"/>
+          <a:chOff x="0" y="0"/>
+          <a:chExt cx="0" cy="0"/>
+        </a:xfrm>
+      </p:grpSpPr>
+      <p:sp>
+        <p:nvSpPr>
+          <p:cNvPr id="2" name="標題 1"/>
+          <p:cNvSpPr>
+            <a:spLocks noGrp="1"/>
+          </p:cNvSpPr>
+          <p:nvPr>
+            <p:ph type="title"/>
+          </p:nvPr>
+        </p:nvSpPr>
+        <p:spPr/>
+        <p:txBody>
+          <a:bodyPr/>
+          <a:lstStyle/>
+          <a:p>
+            <a:r>
+              <a:rPr lang="en-US" altLang="zh-TW" dirty="0" smtClean="0"/>
+              <a:t>User.js</a:t>
+            </a:r>
+            <a:endParaRPr lang="zh-TW" altLang="en-US" dirty="0"/>
+          </a:p>
+        </p:txBody>
+      </p:sp>
+      <p:sp>
+        <p:nvSpPr>
+          <p:cNvPr id="3" name="內容版面配置區 2"/>
+          <p:cNvSpPr>
+            <a:spLocks noGrp="1"/>
+          </p:cNvSpPr>
+          <p:nvPr>
+            <p:ph idx="1"/>
+          </p:nvPr>
+        </p:nvSpPr>
+        <p:spPr/>
+        <p:txBody>
+          <a:bodyPr/>
+          <a:lstStyle/>
+          <a:p>
+            <a:endParaRPr lang="zh-TW" altLang="en-US"/>
+          </a:p>
+        </p:txBody>
+      </p:sp>
+    </p:spTree>
+    <p:extLst>
+      <p:ext uri="{BB962C8B-B14F-4D97-AF65-F5344CB8AC3E}">
+        <p14:creationId xmlns:p14="http://schemas.microsoft.com/office/powerpoint/2010/main" val="2401919127"/>
+      </p:ext>
+    </p:extLst>
+  </p:cSld>
+  <p:clrMapOvr>
+    <a:masterClrMapping/>
+  </p:clrMapOvr>
+</p:sld>
+</file>
+
+<file path=ppt/slides/slide5.xml><?xml version="1.0" encoding="utf-8"?>
+<p:sld xmlns:a="http://schemas.openxmlformats.org/drawingml/2006/main" xmlns:r="http://schemas.openxmlformats.org/officeDocument/2006/relationships" xmlns:p="http://schemas.openxmlformats.org/presentationml/2006/main">
+  <p:cSld>
+    <p:spTree>
+      <p:nvGrpSpPr>
+        <p:cNvPr id="1" name=""/>
+        <p:cNvGrpSpPr/>
+        <p:nvPr/>
+      </p:nvGrpSpPr>
+      <p:grpSpPr>
+        <a:xfrm>
+          <a:off x="0" y="0"/>
+          <a:ext cx="0" cy="0"/>
+          <a:chOff x="0" y="0"/>
+          <a:chExt cx="0" cy="0"/>
+        </a:xfrm>
+      </p:grpSpPr>
+      <p:sp>
+        <p:nvSpPr>
+          <p:cNvPr id="2" name="標題 1"/>
+          <p:cNvSpPr>
+            <a:spLocks noGrp="1"/>
+          </p:cNvSpPr>
+          <p:nvPr>
+            <p:ph type="title"/>
+          </p:nvPr>
+        </p:nvSpPr>
+        <p:spPr/>
+        <p:txBody>
+          <a:bodyPr/>
+          <a:lstStyle/>
+          <a:p>
+            <a:r>
+              <a:rPr lang="en-US" altLang="zh-TW" dirty="0" err="1" smtClean="0"/>
+              <a:t>Package.json</a:t>
+            </a:r>
+            <a:endParaRPr lang="zh-TW" altLang="en-US" dirty="0"/>
+          </a:p>
+        </p:txBody>
+      </p:sp>
+      <p:sp>
+        <p:nvSpPr>
+          <p:cNvPr id="3" name="內容版面配置區 2"/>
+          <p:cNvSpPr>
+            <a:spLocks noGrp="1"/>
+          </p:cNvSpPr>
+          <p:nvPr>
+            <p:ph idx="1"/>
+          </p:nvPr>
+        </p:nvSpPr>
+        <p:spPr/>
+        <p:txBody>
+          <a:bodyPr/>
+          <a:lstStyle/>
+          <a:p>
+            <a:endParaRPr lang="zh-TW" altLang="en-US"/>
+          </a:p>
+        </p:txBody>
+      </p:sp>
+    </p:spTree>
+    <p:extLst>
+      <p:ext uri="{BB962C8B-B14F-4D97-AF65-F5344CB8AC3E}">
+        <p14:creationId xmlns:p14="http://schemas.microsoft.com/office/powerpoint/2010/main" val="4175561279"/>
+      </p:ext>
+    </p:extLst>
+  </p:cSld>
+  <p:clrMapOvr>
+    <a:masterClrMapping/>
+  </p:clrMapOvr>
+</p:sld>
+</file>
+
+<file path=ppt/slides/slide6.xml><?xml version="1.0" encoding="utf-8"?>
+<p:sld xmlns:a="http://schemas.openxmlformats.org/drawingml/2006/main" xmlns:r="http://schemas.openxmlformats.org/officeDocument/2006/relationships" xmlns:p="http://schemas.openxmlformats.org/presentationml/2006/main">
+  <p:cSld>
+    <p:spTree>
+      <p:nvGrpSpPr>
+        <p:cNvPr id="1" name=""/>
+        <p:cNvGrpSpPr/>
+        <p:nvPr/>
+      </p:nvGrpSpPr>
+      <p:grpSpPr>
+        <a:xfrm>
+          <a:off x="0" y="0"/>
+          <a:ext cx="0" cy="0"/>
+          <a:chOff x="0" y="0"/>
+          <a:chExt cx="0" cy="0"/>
+        </a:xfrm>
+      </p:grpSpPr>
+      <p:sp>
+        <p:nvSpPr>
+          <p:cNvPr id="2" name="標題 1"/>
+          <p:cNvSpPr>
+            <a:spLocks noGrp="1"/>
+          </p:cNvSpPr>
+          <p:nvPr>
+            <p:ph type="ctrTitle"/>
+          </p:nvPr>
+        </p:nvSpPr>
+        <p:spPr/>
+        <p:txBody>
+          <a:bodyPr/>
+          <a:lstStyle/>
+          <a:p>
+            <a:r>
+              <a:rPr lang="zh-TW" altLang="en-US" dirty="0" smtClean="0"/>
+              <a:t>部屬專</a:t>
+            </a:r>
+            <a:r>
+              <a:rPr lang="zh-TW" altLang="en-US" dirty="0"/>
+              <a:t>案</a:t>
+            </a:r>
+          </a:p>
+        </p:txBody>
+      </p:sp>
+      <p:sp>
+        <p:nvSpPr>
+          <p:cNvPr id="3" name="副標題 2"/>
+          <p:cNvSpPr>
+            <a:spLocks noGrp="1"/>
+          </p:cNvSpPr>
+          <p:nvPr>
+            <p:ph type="subTitle" idx="1"/>
+          </p:nvPr>
+        </p:nvSpPr>
+        <p:spPr/>
+        <p:txBody>
+          <a:bodyPr/>
+          <a:lstStyle/>
+          <a:p>
+            <a:endParaRPr lang="zh-TW" altLang="en-US"/>
+          </a:p>
+        </p:txBody>
+      </p:sp>
+    </p:spTree>
+    <p:extLst>
+      <p:ext uri="{BB962C8B-B14F-4D97-AF65-F5344CB8AC3E}">
+        <p14:creationId xmlns:p14="http://schemas.microsoft.com/office/powerpoint/2010/main" val="2248987333"/>
+      </p:ext>
+    </p:extLst>
+  </p:cSld>
+  <p:clrMapOvr>
+    <a:masterClrMapping/>
+  </p:clrMapOvr>
+</p:sld>
+</file>
+
+<file path=ppt/slides/slide7.xml><?xml version="1.0" encoding="utf-8"?>
+<p:sld xmlns:a="http://schemas.openxmlformats.org/drawingml/2006/main" xmlns:r="http://schemas.openxmlformats.org/officeDocument/2006/relationships" xmlns:p="http://schemas.openxmlformats.org/presentationml/2006/main">
+  <p:cSld>
+    <p:spTree>
+      <p:nvGrpSpPr>
+        <p:cNvPr id="1" name=""/>
+        <p:cNvGrpSpPr/>
+        <p:nvPr/>
+      </p:nvGrpSpPr>
+      <p:grpSpPr>
+        <a:xfrm>
+          <a:off x="0" y="0"/>
+          <a:ext cx="0" cy="0"/>
+          <a:chOff x="0" y="0"/>
+          <a:chExt cx="0" cy="0"/>
+        </a:xfrm>
+      </p:grpSpPr>
+      <p:sp>
+        <p:nvSpPr>
+          <p:cNvPr id="2" name="標題 1"/>
+          <p:cNvSpPr>
+            <a:spLocks noGrp="1"/>
+          </p:cNvSpPr>
+          <p:nvPr>
+            <p:ph type="title"/>
+          </p:nvPr>
+        </p:nvSpPr>
+        <p:spPr/>
+        <p:txBody>
+          <a:bodyPr/>
+          <a:lstStyle/>
+          <a:p>
+            <a:r>
+              <a:rPr lang="en-US" altLang="zh-TW" dirty="0" err="1" smtClean="0"/>
+              <a:t>Heroku</a:t>
+            </a:r>
+            <a:endParaRPr lang="zh-TW" altLang="en-US" dirty="0"/>
+          </a:p>
+        </p:txBody>
+      </p:sp>
+      <p:sp>
+        <p:nvSpPr>
+          <p:cNvPr id="3" name="內容版面配置區 2"/>
+          <p:cNvSpPr>
+            <a:spLocks noGrp="1"/>
+          </p:cNvSpPr>
+          <p:nvPr>
+            <p:ph idx="1"/>
+          </p:nvPr>
+        </p:nvSpPr>
+        <p:spPr/>
+        <p:txBody>
+          <a:bodyPr>
+            <a:normAutofit lnSpcReduction="10000"/>
+          </a:bodyPr>
+          <a:lstStyle/>
+          <a:p>
+            <a:r>
+              <a:rPr lang="en-US" altLang="zh-TW" dirty="0" err="1"/>
+              <a:t>Heroku</a:t>
+            </a:r>
+            <a:r>
+              <a:rPr lang="zh-TW" altLang="en-US" dirty="0"/>
+              <a:t>是一個支援多種程式語言的雲平台即服務。在</a:t>
+            </a:r>
+            <a:r>
+              <a:rPr lang="en-US" altLang="zh-TW" dirty="0"/>
+              <a:t>2010</a:t>
+            </a:r>
+            <a:r>
+              <a:rPr lang="zh-TW" altLang="en-US" dirty="0"/>
+              <a:t>年被</a:t>
+            </a:r>
+            <a:r>
+              <a:rPr lang="en-US" altLang="zh-TW" dirty="0"/>
+              <a:t>Salesforce.com</a:t>
+            </a:r>
+            <a:r>
+              <a:rPr lang="zh-TW" altLang="en-US" dirty="0"/>
+              <a:t>收購。</a:t>
+            </a:r>
+            <a:r>
+              <a:rPr lang="en-US" altLang="zh-TW" dirty="0" err="1"/>
+              <a:t>Heroku</a:t>
+            </a:r>
+            <a:r>
+              <a:rPr lang="zh-TW" altLang="en-US" dirty="0"/>
+              <a:t>作為最元祖的雲平台之一</a:t>
+            </a:r>
+            <a:r>
+              <a:rPr lang="en-US" altLang="zh-TW" dirty="0"/>
+              <a:t>[1]</a:t>
+            </a:r>
+            <a:r>
+              <a:rPr lang="zh-TW" altLang="en-US" dirty="0"/>
+              <a:t>，從</a:t>
+            </a:r>
+            <a:r>
+              <a:rPr lang="en-US" altLang="zh-TW" dirty="0"/>
+              <a:t>2007</a:t>
+            </a:r>
+            <a:r>
+              <a:rPr lang="zh-TW" altLang="en-US" dirty="0"/>
+              <a:t>年</a:t>
+            </a:r>
+            <a:r>
+              <a:rPr lang="en-US" altLang="zh-TW" dirty="0"/>
+              <a:t>6</a:t>
+            </a:r>
+            <a:r>
+              <a:rPr lang="zh-TW" altLang="en-US" dirty="0"/>
+              <a:t>月起開發，當時它僅支援</a:t>
+            </a:r>
+            <a:r>
+              <a:rPr lang="en-US" altLang="zh-TW" dirty="0"/>
+              <a:t>Ruby</a:t>
+            </a:r>
+            <a:r>
+              <a:rPr lang="zh-TW" altLang="en-US" dirty="0"/>
+              <a:t>，但後來增加了對</a:t>
+            </a:r>
+            <a:r>
+              <a:rPr lang="en-US" altLang="zh-TW" dirty="0"/>
+              <a:t>Java</a:t>
+            </a:r>
+            <a:r>
+              <a:rPr lang="zh-TW" altLang="en-US" dirty="0"/>
+              <a:t>、</a:t>
+            </a:r>
+            <a:r>
+              <a:rPr lang="en-US" altLang="zh-TW" dirty="0"/>
+              <a:t>Node.js</a:t>
+            </a:r>
+            <a:r>
+              <a:rPr lang="zh-TW" altLang="en-US" dirty="0"/>
+              <a:t>、</a:t>
+            </a:r>
+            <a:r>
+              <a:rPr lang="en-US" altLang="zh-TW" dirty="0"/>
+              <a:t>Scala</a:t>
+            </a:r>
+            <a:r>
+              <a:rPr lang="zh-TW" altLang="en-US" dirty="0"/>
+              <a:t>、</a:t>
+            </a:r>
+            <a:r>
+              <a:rPr lang="en-US" altLang="zh-TW" dirty="0" err="1"/>
+              <a:t>Clojure</a:t>
+            </a:r>
+            <a:r>
+              <a:rPr lang="zh-TW" altLang="en-US" dirty="0"/>
+              <a:t>、</a:t>
+            </a:r>
+            <a:r>
+              <a:rPr lang="en-US" altLang="zh-TW" dirty="0"/>
+              <a:t>Python</a:t>
+            </a:r>
+            <a:r>
+              <a:rPr lang="zh-TW" altLang="en-US" dirty="0"/>
+              <a:t>以及（未記錄在正式檔案上）</a:t>
+            </a:r>
+            <a:r>
+              <a:rPr lang="en-US" altLang="zh-TW" dirty="0"/>
+              <a:t>PHP</a:t>
+            </a:r>
+            <a:r>
+              <a:rPr lang="zh-TW" altLang="en-US" dirty="0"/>
+              <a:t>和</a:t>
+            </a:r>
+            <a:r>
+              <a:rPr lang="en-US" altLang="zh-TW" dirty="0"/>
+              <a:t>Perl</a:t>
+            </a:r>
+            <a:r>
+              <a:rPr lang="zh-TW" altLang="en-US" dirty="0"/>
+              <a:t>的支援。基礎作業系統是</a:t>
+            </a:r>
+            <a:r>
+              <a:rPr lang="en-US" altLang="zh-TW" dirty="0" err="1"/>
+              <a:t>Debian</a:t>
+            </a:r>
+            <a:r>
+              <a:rPr lang="zh-TW" altLang="en-US" dirty="0"/>
+              <a:t>，在最新的技術堆疊則是基於</a:t>
+            </a:r>
+            <a:r>
+              <a:rPr lang="en-US" altLang="zh-TW" dirty="0" err="1"/>
+              <a:t>Debian</a:t>
+            </a:r>
+            <a:r>
+              <a:rPr lang="zh-TW" altLang="en-US" dirty="0"/>
+              <a:t>的</a:t>
+            </a:r>
+            <a:r>
+              <a:rPr lang="en-US" altLang="zh-TW" dirty="0"/>
+              <a:t>Ubuntu[2]</a:t>
+            </a:r>
+            <a:r>
+              <a:rPr lang="zh-TW" altLang="en-US" dirty="0" smtClean="0"/>
+              <a:t>。 </a:t>
+            </a:r>
+            <a:r>
+              <a:rPr lang="en-US" altLang="zh-TW" dirty="0" smtClean="0"/>
+              <a:t>-- wiki</a:t>
+            </a:r>
+          </a:p>
+          <a:p>
+            <a:endParaRPr lang="en-US" altLang="zh-TW" dirty="0"/>
+          </a:p>
+          <a:p>
+            <a:r>
+              <a:rPr lang="zh-TW" altLang="en-US" dirty="0"/>
+              <a:t> </a:t>
+            </a:r>
+            <a:r>
+              <a:rPr lang="en-US" altLang="zh-TW" dirty="0" err="1"/>
+              <a:t>Heroku</a:t>
+            </a:r>
+            <a:r>
+              <a:rPr lang="en-US" altLang="zh-TW" dirty="0"/>
+              <a:t> </a:t>
+            </a:r>
+            <a:r>
+              <a:rPr lang="zh-TW" altLang="en-US" dirty="0"/>
+              <a:t>會提供免費帳戶每個月 </a:t>
+            </a:r>
+            <a:r>
+              <a:rPr lang="en-US" altLang="zh-TW" dirty="0"/>
+              <a:t>450 </a:t>
+            </a:r>
+            <a:r>
+              <a:rPr lang="zh-TW" altLang="en-US" dirty="0"/>
+              <a:t>個</a:t>
+            </a:r>
+            <a:r>
+              <a:rPr lang="zh-TW" altLang="en-US" dirty="0" smtClean="0"/>
+              <a:t>小時</a:t>
+            </a:r>
+            <a:endParaRPr lang="en-US" altLang="zh-TW" dirty="0" smtClean="0"/>
+          </a:p>
+          <a:p>
+            <a:r>
+              <a:rPr lang="zh-TW" altLang="en-US" dirty="0"/>
+              <a:t>每 </a:t>
+            </a:r>
+            <a:r>
+              <a:rPr lang="en-US" altLang="zh-TW" dirty="0"/>
+              <a:t>30 </a:t>
+            </a:r>
+            <a:r>
+              <a:rPr lang="zh-TW" altLang="en-US" dirty="0"/>
+              <a:t>分鐘未使用都會休眠</a:t>
+            </a:r>
+            <a:r>
+              <a:rPr lang="zh-TW" altLang="en-US" dirty="0" smtClean="0"/>
+              <a:t>一次</a:t>
+            </a:r>
+            <a:endParaRPr lang="en-US" altLang="zh-TW" dirty="0" smtClean="0"/>
+          </a:p>
+          <a:p>
+            <a:r>
+              <a:rPr lang="zh-TW" altLang="en-US" dirty="0"/>
+              <a:t>休眠時間中甦醒，時間大約 </a:t>
+            </a:r>
+            <a:r>
+              <a:rPr lang="en-US" altLang="zh-TW" dirty="0"/>
+              <a:t>30 </a:t>
+            </a:r>
+            <a:r>
+              <a:rPr lang="zh-TW" altLang="en-US" dirty="0"/>
+              <a:t>秒左右。</a:t>
+            </a:r>
+            <a:endParaRPr lang="zh-TW" altLang="en-US" dirty="0"/>
+          </a:p>
+        </p:txBody>
+      </p:sp>
+    </p:spTree>
+    <p:extLst>
+      <p:ext uri="{BB962C8B-B14F-4D97-AF65-F5344CB8AC3E}">
+        <p14:creationId xmlns:p14="http://schemas.microsoft.com/office/powerpoint/2010/main" val="970599647"/>
+      </p:ext>
+    </p:extLst>
+  </p:cSld>
+  <p:clrMapOvr>
+    <a:masterClrMapping/>
+  </p:clrMapOvr>
+</p:sld>
+</file>
+
+<file path=ppt/slides/slide8.xml><?xml version="1.0" encoding="utf-8"?>
+<p:sld xmlns:a="http://schemas.openxmlformats.org/drawingml/2006/main" xmlns:r="http://schemas.openxmlformats.org/officeDocument/2006/relationships" xmlns:p="http://schemas.openxmlformats.org/presentationml/2006/main">
+  <p:cSld>
+    <p:spTree>
+      <p:nvGrpSpPr>
+        <p:cNvPr id="1" name=""/>
+        <p:cNvGrpSpPr/>
+        <p:nvPr/>
+      </p:nvGrpSpPr>
+      <p:grpSpPr>
+        <a:xfrm>
+          <a:off x="0" y="0"/>
+          <a:ext cx="0" cy="0"/>
+          <a:chOff x="0" y="0"/>
+          <a:chExt cx="0" cy="0"/>
+        </a:xfrm>
+      </p:grpSpPr>
+      <p:sp>
+        <p:nvSpPr>
+          <p:cNvPr id="2" name="標題 1"/>
+          <p:cNvSpPr>
+            <a:spLocks noGrp="1"/>
+          </p:cNvSpPr>
+          <p:nvPr>
+            <p:ph type="title"/>
+          </p:nvPr>
+        </p:nvSpPr>
+        <p:spPr/>
+        <p:txBody>
+          <a:bodyPr/>
+          <a:lstStyle/>
+          <a:p>
+            <a:r>
+              <a:rPr lang="zh-TW" altLang="en-US" dirty="0" smtClean="0"/>
+              <a:t>設定</a:t>
+            </a:r>
+            <a:r>
+              <a:rPr lang="en-US" altLang="zh-TW" dirty="0" smtClean="0"/>
+              <a:t>Port</a:t>
+            </a:r>
+            <a:r>
+              <a:rPr lang="zh-TW" altLang="en-US" dirty="0" smtClean="0"/>
+              <a:t>讀取環境變數</a:t>
+            </a:r>
+            <a:endParaRPr lang="zh-TW" altLang="en-US" dirty="0"/>
+          </a:p>
+        </p:txBody>
+      </p:sp>
+      <p:pic>
+        <p:nvPicPr>
+          <p:cNvPr id="4" name="圖片 3"/>
+          <p:cNvPicPr>
+            <a:picLocks noChangeAspect="1"/>
+          </p:cNvPicPr>
+          <p:nvPr/>
+        </p:nvPicPr>
+        <p:blipFill>
+          <a:blip r:embed="rId2"/>
+          <a:stretch>
+            <a:fillRect/>
+          </a:stretch>
+        </p:blipFill>
+        <p:spPr>
+          <a:xfrm>
+            <a:off x="1714080" y="1788367"/>
+            <a:ext cx="7689016" cy="2718677"/>
+          </a:xfrm>
+          <a:prstGeom prst="rect">
+            <a:avLst/>
+          </a:prstGeom>
+        </p:spPr>
+      </p:pic>
+      <p:pic>
+        <p:nvPicPr>
+          <p:cNvPr id="5" name="圖片 4"/>
+          <p:cNvPicPr>
+            <a:picLocks noChangeAspect="1"/>
+          </p:cNvPicPr>
+          <p:nvPr/>
+        </p:nvPicPr>
+        <p:blipFill>
+          <a:blip r:embed="rId3"/>
+          <a:stretch>
+            <a:fillRect/>
+          </a:stretch>
+        </p:blipFill>
+        <p:spPr>
+          <a:xfrm>
+            <a:off x="1345730" y="5399031"/>
+            <a:ext cx="8425715" cy="743446"/>
+          </a:xfrm>
+          <a:prstGeom prst="rect">
+            <a:avLst/>
+          </a:prstGeom>
+        </p:spPr>
+      </p:pic>
+      <p:sp>
+        <p:nvSpPr>
+          <p:cNvPr id="6" name="向下箭號 5"/>
+          <p:cNvSpPr/>
+          <p:nvPr/>
+        </p:nvSpPr>
+        <p:spPr>
+          <a:xfrm>
+            <a:off x="5228668" y="4604723"/>
+            <a:ext cx="478971" cy="696629"/>
+          </a:xfrm>
+          <a:prstGeom prst="downArrow">
+            <a:avLst/>
+          </a:prstGeom>
+        </p:spPr>
+        <p:style>
+          <a:lnRef idx="2">
+            <a:schemeClr val="accent1">
+              <a:shade val="50000"/>
+            </a:schemeClr>
+          </a:lnRef>
+          <a:fillRef idx="1">
+            <a:schemeClr val="accent1"/>
+          </a:fillRef>
+          <a:effectRef idx="0">
+            <a:schemeClr val="accent1"/>
+          </a:effectRef>
+          <a:fontRef idx="minor">
+            <a:schemeClr val="lt1"/>
+          </a:fontRef>
+        </p:style>
+        <p:txBody>
+          <a:bodyPr rtlCol="0" anchor="ctr"/>
+          <a:lstStyle/>
+          <a:p>
+            <a:pPr algn="ctr"/>
+            <a:endParaRPr lang="zh-TW" altLang="en-US"/>
+          </a:p>
+        </p:txBody>
+      </p:sp>
+    </p:spTree>
+    <p:extLst>
+      <p:ext uri="{BB962C8B-B14F-4D97-AF65-F5344CB8AC3E}">
+        <p14:creationId xmlns:p14="http://schemas.microsoft.com/office/powerpoint/2010/main" val="3626421679"/>
+      </p:ext>
+    </p:extLst>
+  </p:cSld>
+  <p:clrMapOvr>
+    <a:masterClrMapping/>
+  </p:clrMapOvr>
+</p:sld>
+</file>
+
+<file path=ppt/slides/slide9.xml><?xml version="1.0" encoding="utf-8"?>
+<p:sld xmlns:a="http://schemas.openxmlformats.org/drawingml/2006/main" xmlns:r="http://schemas.openxmlformats.org/officeDocument/2006/relationships" xmlns:p="http://schemas.openxmlformats.org/presentationml/2006/main">
+  <p:cSld>
+    <p:spTree>
+      <p:nvGrpSpPr>
+        <p:cNvPr id="1" name=""/>
+        <p:cNvGrpSpPr/>
+        <p:nvPr/>
+      </p:nvGrpSpPr>
+      <p:grpSpPr>
+        <a:xfrm>
+          <a:off x="0" y="0"/>
+          <a:ext cx="0" cy="0"/>
+          <a:chOff x="0" y="0"/>
+          <a:chExt cx="0" cy="0"/>
+        </a:xfrm>
+      </p:grpSpPr>
+      <p:sp>
+        <p:nvSpPr>
+          <p:cNvPr id="2" name="標題 1"/>
+          <p:cNvSpPr>
+            <a:spLocks noGrp="1"/>
+          </p:cNvSpPr>
+          <p:nvPr>
+            <p:ph type="title"/>
+          </p:nvPr>
+        </p:nvSpPr>
+        <p:spPr/>
+        <p:txBody>
+          <a:bodyPr/>
+          <a:lstStyle/>
+          <a:p>
+            <a:r>
               <a:rPr lang="zh-TW" altLang="en-US" dirty="0" smtClean="0"/>
               <a:t>建立</a:t>
             </a:r>
@@ -3065,7 +5004,11 @@
             </a:r>
             <a:r>
               <a:rPr lang="zh-TW" altLang="en-US" dirty="0" smtClean="0"/>
-              <a:t>專案</a:t>
+              <a:t> </a:t>
+            </a:r>
+            <a:r>
+              <a:rPr lang="en-US" altLang="zh-TW" dirty="0" smtClean="0"/>
+              <a:t>App</a:t>
             </a:r>
             <a:endParaRPr lang="zh-TW" altLang="en-US" dirty="0"/>
           </a:p>
@@ -3127,178 +5070,6 @@
     <p:extLst>
       <p:ext uri="{BB962C8B-B14F-4D97-AF65-F5344CB8AC3E}">
         <p14:creationId xmlns:p14="http://schemas.microsoft.com/office/powerpoint/2010/main" val="1783651677"/>
-      </p:ext>
-    </p:extLst>
-  </p:cSld>
-  <p:clrMapOvr>
-    <a:masterClrMapping/>
-  </p:clrMapOvr>
-</p:sld>
-</file>
-
-<file path=ppt/slides/slide3.xml><?xml version="1.0" encoding="utf-8"?>
-<p:sld xmlns:a="http://schemas.openxmlformats.org/drawingml/2006/main" xmlns:r="http://schemas.openxmlformats.org/officeDocument/2006/relationships" xmlns:p="http://schemas.openxmlformats.org/presentationml/2006/main">
-  <p:cSld>
-    <p:spTree>
-      <p:nvGrpSpPr>
-        <p:cNvPr id="1" name=""/>
-        <p:cNvGrpSpPr/>
-        <p:nvPr/>
-      </p:nvGrpSpPr>
-      <p:grpSpPr>
-        <a:xfrm>
-          <a:off x="0" y="0"/>
-          <a:ext cx="0" cy="0"/>
-          <a:chOff x="0" y="0"/>
-          <a:chExt cx="0" cy="0"/>
-        </a:xfrm>
-      </p:grpSpPr>
-      <p:sp>
-        <p:nvSpPr>
-          <p:cNvPr id="2" name="標題 1"/>
-          <p:cNvSpPr>
-            <a:spLocks noGrp="1"/>
-          </p:cNvSpPr>
-          <p:nvPr>
-            <p:ph type="title"/>
-          </p:nvPr>
-        </p:nvSpPr>
-        <p:spPr/>
-        <p:txBody>
-          <a:bodyPr/>
-          <a:lstStyle/>
-          <a:p>
-            <a:r>
-              <a:rPr lang="zh-TW" altLang="en-US" dirty="0" smtClean="0"/>
-              <a:t>上傳專案至</a:t>
-            </a:r>
-            <a:r>
-              <a:rPr lang="en-US" altLang="zh-TW" dirty="0" err="1" smtClean="0"/>
-              <a:t>Heroku</a:t>
-            </a:r>
-            <a:endParaRPr lang="zh-TW" altLang="en-US" dirty="0"/>
-          </a:p>
-        </p:txBody>
-      </p:sp>
-      <p:sp>
-        <p:nvSpPr>
-          <p:cNvPr id="3" name="內容版面配置區 2"/>
-          <p:cNvSpPr>
-            <a:spLocks noGrp="1"/>
-          </p:cNvSpPr>
-          <p:nvPr>
-            <p:ph idx="1"/>
-          </p:nvPr>
-        </p:nvSpPr>
-        <p:spPr/>
-        <p:txBody>
-          <a:bodyPr/>
-          <a:lstStyle/>
-          <a:p>
-            <a:endParaRPr lang="zh-TW" altLang="en-US"/>
-          </a:p>
-        </p:txBody>
-      </p:sp>
-    </p:spTree>
-    <p:extLst>
-      <p:ext uri="{BB962C8B-B14F-4D97-AF65-F5344CB8AC3E}">
-        <p14:creationId xmlns:p14="http://schemas.microsoft.com/office/powerpoint/2010/main" val="2918132142"/>
-      </p:ext>
-    </p:extLst>
-  </p:cSld>
-  <p:clrMapOvr>
-    <a:masterClrMapping/>
-  </p:clrMapOvr>
-</p:sld>
-</file>
-
-<file path=ppt/slides/slide4.xml><?xml version="1.0" encoding="utf-8"?>
-<p:sld xmlns:a="http://schemas.openxmlformats.org/drawingml/2006/main" xmlns:r="http://schemas.openxmlformats.org/officeDocument/2006/relationships" xmlns:p="http://schemas.openxmlformats.org/presentationml/2006/main">
-  <p:cSld>
-    <p:spTree>
-      <p:nvGrpSpPr>
-        <p:cNvPr id="1" name=""/>
-        <p:cNvGrpSpPr/>
-        <p:nvPr/>
-      </p:nvGrpSpPr>
-      <p:grpSpPr>
-        <a:xfrm>
-          <a:off x="0" y="0"/>
-          <a:ext cx="0" cy="0"/>
-          <a:chOff x="0" y="0"/>
-          <a:chExt cx="0" cy="0"/>
-        </a:xfrm>
-      </p:grpSpPr>
-      <p:sp>
-        <p:nvSpPr>
-          <p:cNvPr id="2" name="標題 1"/>
-          <p:cNvSpPr>
-            <a:spLocks noGrp="1"/>
-          </p:cNvSpPr>
-          <p:nvPr>
-            <p:ph type="title"/>
-          </p:nvPr>
-        </p:nvSpPr>
-        <p:spPr/>
-        <p:txBody>
-          <a:bodyPr/>
-          <a:lstStyle/>
-          <a:p>
-            <a:r>
-              <a:rPr lang="zh-TW" altLang="en-US" dirty="0" smtClean="0"/>
-              <a:t>參考資</a:t>
-            </a:r>
-            <a:r>
-              <a:rPr lang="zh-TW" altLang="en-US" dirty="0"/>
-              <a:t>料</a:t>
-            </a:r>
-          </a:p>
-        </p:txBody>
-      </p:sp>
-      <p:sp>
-        <p:nvSpPr>
-          <p:cNvPr id="3" name="內容版面配置區 2"/>
-          <p:cNvSpPr>
-            <a:spLocks noGrp="1"/>
-          </p:cNvSpPr>
-          <p:nvPr>
-            <p:ph idx="1"/>
-          </p:nvPr>
-        </p:nvSpPr>
-        <p:spPr/>
-        <p:txBody>
-          <a:bodyPr/>
-          <a:lstStyle/>
-          <a:p>
-            <a:r>
-              <a:rPr lang="en-US" altLang="zh-TW">
-                <a:hlinkClick r:id="rId2"/>
-              </a:rPr>
-              <a:t>https</a:t>
-            </a:r>
-            <a:r>
-              <a:rPr lang="en-US" altLang="zh-TW">
-                <a:hlinkClick r:id="rId2"/>
-              </a:rPr>
-              <a:t>://</a:t>
-            </a:r>
-            <a:r>
-              <a:rPr lang="en-US" altLang="zh-TW" smtClean="0">
-                <a:hlinkClick r:id="rId2"/>
-              </a:rPr>
-              <a:t>github.com/chyingp/nodejs-learning-guide/tree/master/examples/2016.12.06-session</a:t>
-            </a:r>
-            <a:endParaRPr lang="en-US" altLang="zh-TW" smtClean="0"/>
-          </a:p>
-          <a:p>
-            <a:endParaRPr lang="zh-TW" altLang="en-US"/>
-          </a:p>
-        </p:txBody>
-      </p:sp>
-    </p:spTree>
-    <p:extLst>
-      <p:ext uri="{BB962C8B-B14F-4D97-AF65-F5344CB8AC3E}">
-        <p14:creationId xmlns:p14="http://schemas.microsoft.com/office/powerpoint/2010/main" val="2205693101"/>
       </p:ext>
     </p:extLst>
   </p:cSld>
@@ -3567,4 +5338,265 @@
     </a:ext>
   </a:extLst>
 </a:theme>
+</file>
+
+<file path=ppt/theme/theme2.xml><?xml version="1.0" encoding="utf-8"?>
+<a:theme xmlns:a="http://schemas.openxmlformats.org/drawingml/2006/main" name="Office 佈景主題">
+  <a:themeElements>
+    <a:clrScheme name="Office">
+      <a:dk1>
+        <a:sysClr val="windowText" lastClr="000000"/>
+      </a:dk1>
+      <a:lt1>
+        <a:sysClr val="window" lastClr="FFFFFF"/>
+      </a:lt1>
+      <a:dk2>
+        <a:srgbClr val="44546A"/>
+      </a:dk2>
+      <a:lt2>
+        <a:srgbClr val="E7E6E6"/>
+      </a:lt2>
+      <a:accent1>
+        <a:srgbClr val="5B9BD5"/>
+      </a:accent1>
+      <a:accent2>
+        <a:srgbClr val="ED7D31"/>
+      </a:accent2>
+      <a:accent3>
+        <a:srgbClr val="A5A5A5"/>
+      </a:accent3>
+      <a:accent4>
+        <a:srgbClr val="FFC000"/>
+      </a:accent4>
+      <a:accent5>
+        <a:srgbClr val="4472C4"/>
+      </a:accent5>
+      <a:accent6>
+        <a:srgbClr val="70AD47"/>
+      </a:accent6>
+      <a:hlink>
+        <a:srgbClr val="0563C1"/>
+      </a:hlink>
+      <a:folHlink>
+        <a:srgbClr val="954F72"/>
+      </a:folHlink>
+    </a:clrScheme>
+    <a:fontScheme name="Office">
+      <a:majorFont>
+        <a:latin typeface="Calibri Light" panose="020F0302020204030204"/>
+        <a:ea typeface=""/>
+        <a:cs typeface=""/>
+        <a:font script="Jpan" typeface="ＭＳ Ｐゴシック"/>
+        <a:font script="Hang" typeface="맑은 고딕"/>
+        <a:font script="Hans" typeface="宋体"/>
+        <a:font script="Hant" typeface="新細明體"/>
+        <a:font script="Arab" typeface="Times New Roman"/>
+        <a:font script="Hebr" typeface="Times New Roman"/>
+        <a:font script="Thai" typeface="Angsana New"/>
+        <a:font script="Ethi" typeface="Nyala"/>
+        <a:font script="Beng" typeface="Vrinda"/>
+        <a:font script="Gujr" typeface="Shruti"/>
+        <a:font script="Khmr" typeface="MoolBoran"/>
+        <a:font script="Knda" typeface="Tunga"/>
+        <a:font script="Guru" typeface="Raavi"/>
+        <a:font script="Cans" typeface="Euphemia"/>
+        <a:font script="Cher" typeface="Plantagenet Cherokee"/>
+        <a:font script="Yiii" typeface="Microsoft Yi Baiti"/>
+        <a:font script="Tibt" typeface="Microsoft Himalaya"/>
+        <a:font script="Thaa" typeface="MV Boli"/>
+        <a:font script="Deva" typeface="Mangal"/>
+        <a:font script="Telu" typeface="Gautami"/>
+        <a:font script="Taml" typeface="Latha"/>
+        <a:font script="Syrc" typeface="Estrangelo Edessa"/>
+        <a:font script="Orya" typeface="Kalinga"/>
+        <a:font script="Mlym" typeface="Kartika"/>
+        <a:font script="Laoo" typeface="DokChampa"/>
+        <a:font script="Sinh" typeface="Iskoola Pota"/>
+        <a:font script="Mong" typeface="Mongolian Baiti"/>
+        <a:font script="Viet" typeface="Times New Roman"/>
+        <a:font script="Uigh" typeface="Microsoft Uighur"/>
+        <a:font script="Geor" typeface="Sylfaen"/>
+      </a:majorFont>
+      <a:minorFont>
+        <a:latin typeface="Calibri" panose="020F0502020204030204"/>
+        <a:ea typeface=""/>
+        <a:cs typeface=""/>
+        <a:font script="Jpan" typeface="ＭＳ Ｐゴシック"/>
+        <a:font script="Hang" typeface="맑은 고딕"/>
+        <a:font script="Hans" typeface="宋体"/>
+        <a:font script="Hant" typeface="新細明體"/>
+        <a:font script="Arab" typeface="Arial"/>
+        <a:font script="Hebr" typeface="Arial"/>
+        <a:font script="Thai" typeface="Cordia New"/>
+        <a:font script="Ethi" typeface="Nyala"/>
+        <a:font script="Beng" typeface="Vrinda"/>
+        <a:font script="Gujr" typeface="Shruti"/>
+        <a:font script="Khmr" typeface="DaunPenh"/>
+        <a:font script="Knda" typeface="Tunga"/>
+        <a:font script="Guru" typeface="Raavi"/>
+        <a:font script="Cans" typeface="Euphemia"/>
+        <a:font script="Cher" typeface="Plantagenet Cherokee"/>
+        <a:font script="Yiii" typeface="Microsoft Yi Baiti"/>
+        <a:font script="Tibt" typeface="Microsoft Himalaya"/>
+        <a:font script="Thaa" typeface="MV Boli"/>
+        <a:font script="Deva" typeface="Mangal"/>
+        <a:font script="Telu" typeface="Gautami"/>
+        <a:font script="Taml" typeface="Latha"/>
+        <a:font script="Syrc" typeface="Estrangelo Edessa"/>
+        <a:font script="Orya" typeface="Kalinga"/>
+        <a:font script="Mlym" typeface="Kartika"/>
+        <a:font script="Laoo" typeface="DokChampa"/>
+        <a:font script="Sinh" typeface="Iskoola Pota"/>
+        <a:font script="Mong" typeface="Mongolian Baiti"/>
+        <a:font script="Viet" typeface="Arial"/>
+        <a:font script="Uigh" typeface="Microsoft Uighur"/>
+        <a:font script="Geor" typeface="Sylfaen"/>
+      </a:minorFont>
+    </a:fontScheme>
+    <a:fmtScheme name="Office">
+      <a:fillStyleLst>
+        <a:solidFill>
+          <a:schemeClr val="phClr"/>
+        </a:solidFill>
+        <a:gradFill rotWithShape="1">
+          <a:gsLst>
+            <a:gs pos="0">
+              <a:schemeClr val="phClr">
+                <a:lumMod val="110000"/>
+                <a:satMod val="105000"/>
+                <a:tint val="67000"/>
+              </a:schemeClr>
+            </a:gs>
+            <a:gs pos="50000">
+              <a:schemeClr val="phClr">
+                <a:lumMod val="105000"/>
+                <a:satMod val="103000"/>
+                <a:tint val="73000"/>
+              </a:schemeClr>
+            </a:gs>
+            <a:gs pos="100000">
+              <a:schemeClr val="phClr">
+                <a:lumMod val="105000"/>
+                <a:satMod val="109000"/>
+                <a:tint val="81000"/>
+              </a:schemeClr>
+            </a:gs>
+          </a:gsLst>
+          <a:lin ang="5400000" scaled="0"/>
+        </a:gradFill>
+        <a:gradFill rotWithShape="1">
+          <a:gsLst>
+            <a:gs pos="0">
+              <a:schemeClr val="phClr">
+                <a:satMod val="103000"/>
+                <a:lumMod val="102000"/>
+                <a:tint val="94000"/>
+              </a:schemeClr>
+            </a:gs>
+            <a:gs pos="50000">
+              <a:schemeClr val="phClr">
+                <a:satMod val="110000"/>
+                <a:lumMod val="100000"/>
+                <a:shade val="100000"/>
+              </a:schemeClr>
+            </a:gs>
+            <a:gs pos="100000">
+              <a:schemeClr val="phClr">
+                <a:lumMod val="99000"/>
+                <a:satMod val="120000"/>
+                <a:shade val="78000"/>
+              </a:schemeClr>
+            </a:gs>
+          </a:gsLst>
+          <a:lin ang="5400000" scaled="0"/>
+        </a:gradFill>
+      </a:fillStyleLst>
+      <a:lnStyleLst>
+        <a:ln w="6350" cap="flat" cmpd="sng" algn="ctr">
+          <a:solidFill>
+            <a:schemeClr val="phClr"/>
+          </a:solidFill>
+          <a:prstDash val="solid"/>
+          <a:miter lim="800000"/>
+        </a:ln>
+        <a:ln w="12700" cap="flat" cmpd="sng" algn="ctr">
+          <a:solidFill>
+            <a:schemeClr val="phClr"/>
+          </a:solidFill>
+          <a:prstDash val="solid"/>
+          <a:miter lim="800000"/>
+        </a:ln>
+        <a:ln w="19050" cap="flat" cmpd="sng" algn="ctr">
+          <a:solidFill>
+            <a:schemeClr val="phClr"/>
+          </a:solidFill>
+          <a:prstDash val="solid"/>
+          <a:miter lim="800000"/>
+        </a:ln>
+      </a:lnStyleLst>
+      <a:effectStyleLst>
+        <a:effectStyle>
+          <a:effectLst/>
+        </a:effectStyle>
+        <a:effectStyle>
+          <a:effectLst/>
+        </a:effectStyle>
+        <a:effectStyle>
+          <a:effectLst>
+            <a:outerShdw blurRad="57150" dist="19050" dir="5400000" algn="ctr" rotWithShape="0">
+              <a:srgbClr val="000000">
+                <a:alpha val="63000"/>
+              </a:srgbClr>
+            </a:outerShdw>
+          </a:effectLst>
+        </a:effectStyle>
+      </a:effectStyleLst>
+      <a:bgFillStyleLst>
+        <a:solidFill>
+          <a:schemeClr val="phClr"/>
+        </a:solidFill>
+        <a:solidFill>
+          <a:schemeClr val="phClr">
+            <a:tint val="95000"/>
+            <a:satMod val="170000"/>
+          </a:schemeClr>
+        </a:solidFill>
+        <a:gradFill rotWithShape="1">
+          <a:gsLst>
+            <a:gs pos="0">
+              <a:schemeClr val="phClr">
+                <a:tint val="93000"/>
+                <a:satMod val="150000"/>
+                <a:shade val="98000"/>
+                <a:lumMod val="102000"/>
+              </a:schemeClr>
+            </a:gs>
+            <a:gs pos="50000">
+              <a:schemeClr val="phClr">
+                <a:tint val="98000"/>
+                <a:satMod val="130000"/>
+                <a:shade val="90000"/>
+                <a:lumMod val="103000"/>
+              </a:schemeClr>
+            </a:gs>
+            <a:gs pos="100000">
+              <a:schemeClr val="phClr">
+                <a:shade val="63000"/>
+                <a:satMod val="120000"/>
+              </a:schemeClr>
+            </a:gs>
+          </a:gsLst>
+          <a:lin ang="5400000" scaled="0"/>
+        </a:gradFill>
+      </a:bgFillStyleLst>
+    </a:fmtScheme>
+  </a:themeElements>
+  <a:objectDefaults/>
+  <a:extraClrSchemeLst/>
+  <a:extLst>
+    <a:ext uri="{05A4C25C-085E-4340-85A3-A5531E510DB2}">
+      <thm15:themeFamily xmlns:thm15="http://schemas.microsoft.com/office/thememl/2012/main" name="Office Theme" id="{62F939B6-93AF-4DB8-9C6B-D6C7DFDC589F}" vid="{4A3C46E8-61CC-4603-A589-7422A47A8E4A}"/>
+    </a:ext>
+  </a:extLst>
+</a:theme>
 </file>
--- a/React2627.pptx
+++ b/React2627.pptx
@@ -209,7 +209,7 @@
           <a:p>
             <a:fld id="{0C3CD62D-C9F9-45C1-A3B6-18FC8A0A20DA}" type="datetimeFigureOut">
               <a:rPr lang="zh-TW" altLang="en-US" smtClean="0"/>
-              <a:t>2020/11/3</a:t>
+              <a:t>2020/11/4</a:t>
             </a:fld>
             <a:endParaRPr lang="zh-TW" altLang="en-US"/>
           </a:p>
@@ -712,7 +712,7 @@
           <a:p>
             <a:fld id="{A2B36E5F-F18F-475A-A238-0F2AC704FEDF}" type="datetimeFigureOut">
               <a:rPr lang="zh-TW" altLang="en-US" smtClean="0"/>
-              <a:t>2020/11/3</a:t>
+              <a:t>2020/11/4</a:t>
             </a:fld>
             <a:endParaRPr lang="zh-TW" altLang="en-US"/>
           </a:p>
@@ -882,7 +882,7 @@
           <a:p>
             <a:fld id="{A2B36E5F-F18F-475A-A238-0F2AC704FEDF}" type="datetimeFigureOut">
               <a:rPr lang="zh-TW" altLang="en-US" smtClean="0"/>
-              <a:t>2020/11/3</a:t>
+              <a:t>2020/11/4</a:t>
             </a:fld>
             <a:endParaRPr lang="zh-TW" altLang="en-US"/>
           </a:p>
@@ -1062,7 +1062,7 @@
           <a:p>
             <a:fld id="{A2B36E5F-F18F-475A-A238-0F2AC704FEDF}" type="datetimeFigureOut">
               <a:rPr lang="zh-TW" altLang="en-US" smtClean="0"/>
-              <a:t>2020/11/3</a:t>
+              <a:t>2020/11/4</a:t>
             </a:fld>
             <a:endParaRPr lang="zh-TW" altLang="en-US"/>
           </a:p>
@@ -1232,7 +1232,7 @@
           <a:p>
             <a:fld id="{A2B36E5F-F18F-475A-A238-0F2AC704FEDF}" type="datetimeFigureOut">
               <a:rPr lang="zh-TW" altLang="en-US" smtClean="0"/>
-              <a:t>2020/11/3</a:t>
+              <a:t>2020/11/4</a:t>
             </a:fld>
             <a:endParaRPr lang="zh-TW" altLang="en-US"/>
           </a:p>
@@ -1478,7 +1478,7 @@
           <a:p>
             <a:fld id="{A2B36E5F-F18F-475A-A238-0F2AC704FEDF}" type="datetimeFigureOut">
               <a:rPr lang="zh-TW" altLang="en-US" smtClean="0"/>
-              <a:t>2020/11/3</a:t>
+              <a:t>2020/11/4</a:t>
             </a:fld>
             <a:endParaRPr lang="zh-TW" altLang="en-US"/>
           </a:p>
@@ -1710,7 +1710,7 @@
           <a:p>
             <a:fld id="{A2B36E5F-F18F-475A-A238-0F2AC704FEDF}" type="datetimeFigureOut">
               <a:rPr lang="zh-TW" altLang="en-US" smtClean="0"/>
-              <a:t>2020/11/3</a:t>
+              <a:t>2020/11/4</a:t>
             </a:fld>
             <a:endParaRPr lang="zh-TW" altLang="en-US"/>
           </a:p>
@@ -2077,7 +2077,7 @@
           <a:p>
             <a:fld id="{A2B36E5F-F18F-475A-A238-0F2AC704FEDF}" type="datetimeFigureOut">
               <a:rPr lang="zh-TW" altLang="en-US" smtClean="0"/>
-              <a:t>2020/11/3</a:t>
+              <a:t>2020/11/4</a:t>
             </a:fld>
             <a:endParaRPr lang="zh-TW" altLang="en-US"/>
           </a:p>
@@ -2195,7 +2195,7 @@
           <a:p>
             <a:fld id="{A2B36E5F-F18F-475A-A238-0F2AC704FEDF}" type="datetimeFigureOut">
               <a:rPr lang="zh-TW" altLang="en-US" smtClean="0"/>
-              <a:t>2020/11/3</a:t>
+              <a:t>2020/11/4</a:t>
             </a:fld>
             <a:endParaRPr lang="zh-TW" altLang="en-US"/>
           </a:p>
@@ -2290,7 +2290,7 @@
           <a:p>
             <a:fld id="{A2B36E5F-F18F-475A-A238-0F2AC704FEDF}" type="datetimeFigureOut">
               <a:rPr lang="zh-TW" altLang="en-US" smtClean="0"/>
-              <a:t>2020/11/3</a:t>
+              <a:t>2020/11/4</a:t>
             </a:fld>
             <a:endParaRPr lang="zh-TW" altLang="en-US"/>
           </a:p>
@@ -2567,7 +2567,7 @@
           <a:p>
             <a:fld id="{A2B36E5F-F18F-475A-A238-0F2AC704FEDF}" type="datetimeFigureOut">
               <a:rPr lang="zh-TW" altLang="en-US" smtClean="0"/>
-              <a:t>2020/11/3</a:t>
+              <a:t>2020/11/4</a:t>
             </a:fld>
             <a:endParaRPr lang="zh-TW" altLang="en-US"/>
           </a:p>
@@ -2820,7 +2820,7 @@
           <a:p>
             <a:fld id="{A2B36E5F-F18F-475A-A238-0F2AC704FEDF}" type="datetimeFigureOut">
               <a:rPr lang="zh-TW" altLang="en-US" smtClean="0"/>
-              <a:t>2020/11/3</a:t>
+              <a:t>2020/11/4</a:t>
             </a:fld>
             <a:endParaRPr lang="zh-TW" altLang="en-US"/>
           </a:p>
@@ -3033,7 +3033,7 @@
           <a:p>
             <a:fld id="{A2B36E5F-F18F-475A-A238-0F2AC704FEDF}" type="datetimeFigureOut">
               <a:rPr lang="zh-TW" altLang="en-US" smtClean="0"/>
-              <a:t>2020/11/3</a:t>
+              <a:t>2020/11/4</a:t>
             </a:fld>
             <a:endParaRPr lang="zh-TW" altLang="en-US"/>
           </a:p>
@@ -4105,7 +4105,9 @@
         </p:nvSpPr>
         <p:spPr/>
         <p:txBody>
-          <a:bodyPr/>
+          <a:bodyPr>
+            <a:normAutofit fontScale="92500" lnSpcReduction="10000"/>
+          </a:bodyPr>
           <a:lstStyle/>
           <a:p>
             <a:r>
@@ -4138,6 +4140,27 @@
               </a:rPr>
               <a:t>E4%B8%8A%E9%83%A8%E7%BD%B2%E7%B6%B2%E7%AB%99%E7%9A%84%E6%89%8B%E6%8A%8A%E6%89%8B%E6%95%99%E5%AD%B8-bf4fd6f998b8</a:t>
             </a:r>
+            <a:endParaRPr lang="en-US" altLang="zh-TW" dirty="0" smtClean="0"/>
+          </a:p>
+          <a:p>
+            <a:endParaRPr lang="en-US" altLang="zh-TW" dirty="0"/>
+          </a:p>
+          <a:p>
+            <a:r>
+              <a:rPr lang="en-US" altLang="zh-TW" dirty="0">
+                <a:hlinkClick r:id="rId4"/>
+              </a:rPr>
+              <a:t>https://blog.techbridge.cc/2019/09/07/session-and-cookie-implementation</a:t>
+            </a:r>
+            <a:r>
+              <a:rPr lang="en-US" altLang="zh-TW" dirty="0" smtClean="0">
+                <a:hlinkClick r:id="rId4"/>
+              </a:rPr>
+              <a:t>/</a:t>
+            </a:r>
+            <a:endParaRPr lang="en-US" altLang="zh-TW" dirty="0" smtClean="0"/>
+          </a:p>
+          <a:p>
             <a:endParaRPr lang="en-US" altLang="zh-TW" dirty="0" smtClean="0"/>
           </a:p>
           <a:p>
@@ -4360,10 +4383,76 @@
           <a:bodyPr/>
           <a:lstStyle/>
           <a:p>
-            <a:endParaRPr lang="zh-TW" altLang="en-US"/>
-          </a:p>
-        </p:txBody>
-      </p:sp>
+            <a:r>
+              <a:rPr lang="en-US" altLang="zh-TW" dirty="0" err="1"/>
+              <a:t>module.exports</a:t>
+            </a:r>
+            <a:r>
+              <a:rPr lang="en-US" altLang="zh-TW" dirty="0"/>
+              <a:t> = {</a:t>
+            </a:r>
+          </a:p>
+          <a:p>
+            <a:r>
+              <a:rPr lang="en-US" altLang="zh-TW" dirty="0"/>
+              <a:t>    items: [</a:t>
+            </a:r>
+          </a:p>
+          <a:p>
+            <a:r>
+              <a:rPr lang="en-US" altLang="zh-TW" dirty="0"/>
+              <a:t>        {name: '</a:t>
+            </a:r>
+            <a:r>
+              <a:rPr lang="en-US" altLang="zh-TW" dirty="0" err="1"/>
+              <a:t>testAct</a:t>
+            </a:r>
+            <a:r>
+              <a:rPr lang="en-US" altLang="zh-TW" dirty="0"/>
+              <a:t>', password: '123456'}</a:t>
+            </a:r>
+          </a:p>
+          <a:p>
+            <a:r>
+              <a:rPr lang="en-US" altLang="zh-TW" dirty="0"/>
+              <a:t>    ]</a:t>
+            </a:r>
+          </a:p>
+          <a:p>
+            <a:r>
+              <a:rPr lang="en-US" altLang="zh-TW" dirty="0"/>
+              <a:t>};</a:t>
+            </a:r>
+          </a:p>
+          <a:p>
+            <a:endParaRPr lang="zh-TW" altLang="en-US" dirty="0"/>
+          </a:p>
+        </p:txBody>
+      </p:sp>
+      <p:pic>
+        <p:nvPicPr>
+          <p:cNvPr id="4" name="圖片 3"/>
+          <p:cNvPicPr>
+            <a:picLocks noChangeAspect="1"/>
+          </p:cNvPicPr>
+          <p:nvPr/>
+        </p:nvPicPr>
+        <p:blipFill>
+          <a:blip r:embed="rId2"/>
+          <a:stretch>
+            <a:fillRect/>
+          </a:stretch>
+        </p:blipFill>
+        <p:spPr>
+          <a:xfrm>
+            <a:off x="746779" y="1690688"/>
+            <a:ext cx="8234658" cy="2687238"/>
+          </a:xfrm>
+          <a:prstGeom prst="rect">
+            <a:avLst/>
+          </a:prstGeom>
+        </p:spPr>
+      </p:pic>
     </p:spTree>
     <p:extLst>
       <p:ext uri="{BB962C8B-B14F-4D97-AF65-F5344CB8AC3E}">
@@ -4796,7 +4885,6 @@
               <a:rPr lang="zh-TW" altLang="en-US" dirty="0"/>
               <a:t>秒左右。</a:t>
             </a:r>
-            <a:endParaRPr lang="zh-TW" altLang="en-US" dirty="0"/>
           </a:p>
         </p:txBody>
       </p:sp>

--- a/React2627.pptx
+++ b/React2627.pptx
@@ -5,24 +5,26 @@
     <p:sldMasterId id="2147483660" r:id="rId1"/>
   </p:sldMasterIdLst>
   <p:notesMasterIdLst>
-    <p:notesMasterId r:id="rId17"/>
+    <p:notesMasterId r:id="rId19"/>
   </p:notesMasterIdLst>
   <p:sldIdLst>
     <p:sldId id="256" r:id="rId2"/>
-    <p:sldId id="269" r:id="rId3"/>
-    <p:sldId id="278" r:id="rId4"/>
-    <p:sldId id="266" r:id="rId5"/>
-    <p:sldId id="275" r:id="rId6"/>
-    <p:sldId id="272" r:id="rId7"/>
-    <p:sldId id="265" r:id="rId8"/>
-    <p:sldId id="263" r:id="rId9"/>
-    <p:sldId id="260" r:id="rId10"/>
-    <p:sldId id="274" r:id="rId11"/>
-    <p:sldId id="257" r:id="rId12"/>
-    <p:sldId id="261" r:id="rId13"/>
-    <p:sldId id="258" r:id="rId14"/>
-    <p:sldId id="262" r:id="rId15"/>
-    <p:sldId id="259" r:id="rId16"/>
+    <p:sldId id="279" r:id="rId3"/>
+    <p:sldId id="269" r:id="rId4"/>
+    <p:sldId id="278" r:id="rId5"/>
+    <p:sldId id="280" r:id="rId6"/>
+    <p:sldId id="266" r:id="rId7"/>
+    <p:sldId id="275" r:id="rId8"/>
+    <p:sldId id="272" r:id="rId9"/>
+    <p:sldId id="265" r:id="rId10"/>
+    <p:sldId id="263" r:id="rId11"/>
+    <p:sldId id="260" r:id="rId12"/>
+    <p:sldId id="274" r:id="rId13"/>
+    <p:sldId id="257" r:id="rId14"/>
+    <p:sldId id="261" r:id="rId15"/>
+    <p:sldId id="258" r:id="rId16"/>
+    <p:sldId id="262" r:id="rId17"/>
+    <p:sldId id="259" r:id="rId18"/>
   </p:sldIdLst>
   <p:sldSz cx="12192000" cy="6858000"/>
   <p:notesSz cx="6858000" cy="9144000"/>
@@ -211,7 +213,7 @@
           <a:p>
             <a:fld id="{0C3CD62D-C9F9-45C1-A3B6-18FC8A0A20DA}" type="datetimeFigureOut">
               <a:rPr lang="zh-TW" altLang="en-US" smtClean="0"/>
-              <a:t>2020/11/11</a:t>
+              <a:t>2020/11/12</a:t>
             </a:fld>
             <a:endParaRPr lang="zh-TW" altLang="en-US"/>
           </a:p>
@@ -497,6 +499,90 @@
       </p:grpSpPr>
       <p:sp>
         <p:nvSpPr>
+          <p:cNvPr id="2" name="投影片圖像版面配置區 1"/>
+          <p:cNvSpPr>
+            <a:spLocks noGrp="1" noRot="1" noChangeAspect="1"/>
+          </p:cNvSpPr>
+          <p:nvPr>
+            <p:ph type="sldImg"/>
+          </p:nvPr>
+        </p:nvSpPr>
+        <p:spPr/>
+      </p:sp>
+      <p:sp>
+        <p:nvSpPr>
+          <p:cNvPr id="3" name="備忘稿版面配置區 2"/>
+          <p:cNvSpPr>
+            <a:spLocks noGrp="1"/>
+          </p:cNvSpPr>
+          <p:nvPr>
+            <p:ph type="body" idx="1"/>
+          </p:nvPr>
+        </p:nvSpPr>
+        <p:spPr/>
+        <p:txBody>
+          <a:bodyPr/>
+          <a:lstStyle/>
+          <a:p>
+            <a:endParaRPr lang="zh-TW" altLang="en-US" dirty="0"/>
+          </a:p>
+        </p:txBody>
+      </p:sp>
+      <p:sp>
+        <p:nvSpPr>
+          <p:cNvPr id="4" name="投影片編號版面配置區 3"/>
+          <p:cNvSpPr>
+            <a:spLocks noGrp="1"/>
+          </p:cNvSpPr>
+          <p:nvPr>
+            <p:ph type="sldNum" sz="quarter" idx="10"/>
+          </p:nvPr>
+        </p:nvSpPr>
+        <p:spPr/>
+        <p:txBody>
+          <a:bodyPr/>
+          <a:lstStyle/>
+          <a:p>
+            <a:fld id="{9D362653-C266-4B5C-9E5A-EA028D0F00AC}" type="slidenum">
+              <a:rPr lang="zh-TW" altLang="en-US" smtClean="0"/>
+              <a:t>2</a:t>
+            </a:fld>
+            <a:endParaRPr lang="zh-TW" altLang="en-US"/>
+          </a:p>
+        </p:txBody>
+      </p:sp>
+    </p:spTree>
+    <p:extLst>
+      <p:ext uri="{BB962C8B-B14F-4D97-AF65-F5344CB8AC3E}">
+        <p14:creationId xmlns:p14="http://schemas.microsoft.com/office/powerpoint/2010/main" val="2573605437"/>
+      </p:ext>
+    </p:extLst>
+  </p:cSld>
+  <p:clrMapOvr>
+    <a:masterClrMapping/>
+  </p:clrMapOvr>
+</p:notes>
+</file>
+
+<file path=ppt/notesSlides/notesSlide2.xml><?xml version="1.0" encoding="utf-8"?>
+<p:notes xmlns:a="http://schemas.openxmlformats.org/drawingml/2006/main" xmlns:r="http://schemas.openxmlformats.org/officeDocument/2006/relationships" xmlns:p="http://schemas.openxmlformats.org/presentationml/2006/main">
+  <p:cSld>
+    <p:spTree>
+      <p:nvGrpSpPr>
+        <p:cNvPr id="1" name=""/>
+        <p:cNvGrpSpPr/>
+        <p:nvPr/>
+      </p:nvGrpSpPr>
+      <p:grpSpPr>
+        <a:xfrm>
+          <a:off x="0" y="0"/>
+          <a:ext cx="0" cy="0"/>
+          <a:chOff x="0" y="0"/>
+          <a:chExt cx="0" cy="0"/>
+        </a:xfrm>
+      </p:grpSpPr>
+      <p:sp>
+        <p:nvSpPr>
           <p:cNvPr id="2" name="投影片影像版面配置區 1"/>
           <p:cNvSpPr>
             <a:spLocks noGrp="1" noRot="1" noChangeAspect="1"/>
@@ -546,7 +632,7 @@
           <a:p>
             <a:fld id="{9D362653-C266-4B5C-9E5A-EA028D0F00AC}" type="slidenum">
               <a:rPr lang="zh-TW" altLang="en-US" smtClean="0"/>
-              <a:t>6</a:t>
+              <a:t>8</a:t>
             </a:fld>
             <a:endParaRPr lang="zh-TW" altLang="en-US"/>
           </a:p>
@@ -565,7 +651,7 @@
 </p:notes>
 </file>
 
-<file path=ppt/notesSlides/notesSlide2.xml><?xml version="1.0" encoding="utf-8"?>
+<file path=ppt/notesSlides/notesSlide3.xml><?xml version="1.0" encoding="utf-8"?>
 <p:notes xmlns:a="http://schemas.openxmlformats.org/drawingml/2006/main" xmlns:r="http://schemas.openxmlformats.org/officeDocument/2006/relationships" xmlns:p="http://schemas.openxmlformats.org/presentationml/2006/main">
   <p:cSld>
     <p:spTree>
@@ -679,7 +765,7 @@
           <a:p>
             <a:fld id="{9D362653-C266-4B5C-9E5A-EA028D0F00AC}" type="slidenum">
               <a:rPr lang="zh-TW" altLang="en-US" smtClean="0"/>
-              <a:t>10</a:t>
+              <a:t>12</a:t>
             </a:fld>
             <a:endParaRPr lang="zh-TW" altLang="en-US"/>
           </a:p>
@@ -698,7 +784,7 @@
 </p:notes>
 </file>
 
-<file path=ppt/notesSlides/notesSlide3.xml><?xml version="1.0" encoding="utf-8"?>
+<file path=ppt/notesSlides/notesSlide4.xml><?xml version="1.0" encoding="utf-8"?>
 <p:notes xmlns:a="http://schemas.openxmlformats.org/drawingml/2006/main" xmlns:r="http://schemas.openxmlformats.org/officeDocument/2006/relationships" xmlns:p="http://schemas.openxmlformats.org/presentationml/2006/main">
   <p:cSld>
     <p:spTree>
@@ -782,7 +868,7 @@
           <a:p>
             <a:fld id="{9D362653-C266-4B5C-9E5A-EA028D0F00AC}" type="slidenum">
               <a:rPr lang="zh-TW" altLang="en-US" smtClean="0"/>
-              <a:t>12</a:t>
+              <a:t>14</a:t>
             </a:fld>
             <a:endParaRPr lang="zh-TW" altLang="en-US"/>
           </a:p>
@@ -9594,7 +9680,7 @@
           <a:p>
             <a:fld id="{A2B36E5F-F18F-475A-A238-0F2AC704FEDF}" type="datetimeFigureOut">
               <a:rPr lang="zh-TW" altLang="en-US" smtClean="0"/>
-              <a:t>2020/11/11</a:t>
+              <a:t>2020/11/12</a:t>
             </a:fld>
             <a:endParaRPr lang="zh-TW" altLang="en-US"/>
           </a:p>
@@ -9801,7 +9887,7 @@
           <a:p>
             <a:fld id="{A2B36E5F-F18F-475A-A238-0F2AC704FEDF}" type="datetimeFigureOut">
               <a:rPr lang="zh-TW" altLang="en-US" smtClean="0"/>
-              <a:t>2020/11/11</a:t>
+              <a:t>2020/11/12</a:t>
             </a:fld>
             <a:endParaRPr lang="zh-TW" altLang="en-US"/>
           </a:p>
@@ -9981,7 +10067,7 @@
           <a:p>
             <a:fld id="{A2B36E5F-F18F-475A-A238-0F2AC704FEDF}" type="datetimeFigureOut">
               <a:rPr lang="zh-TW" altLang="en-US" smtClean="0"/>
-              <a:t>2020/11/11</a:t>
+              <a:t>2020/11/12</a:t>
             </a:fld>
             <a:endParaRPr lang="zh-TW" altLang="en-US"/>
           </a:p>
@@ -10186,7 +10272,7 @@
           <a:p>
             <a:fld id="{A2B36E5F-F18F-475A-A238-0F2AC704FEDF}" type="datetimeFigureOut">
               <a:rPr lang="zh-TW" altLang="en-US" smtClean="0"/>
-              <a:t>2020/11/11</a:t>
+              <a:t>2020/11/12</a:t>
             </a:fld>
             <a:endParaRPr lang="zh-TW" altLang="en-US"/>
           </a:p>
@@ -19084,7 +19170,7 @@
           <a:p>
             <a:fld id="{A2B36E5F-F18F-475A-A238-0F2AC704FEDF}" type="datetimeFigureOut">
               <a:rPr lang="zh-TW" altLang="en-US" smtClean="0"/>
-              <a:t>2020/11/11</a:t>
+              <a:t>2020/11/12</a:t>
             </a:fld>
             <a:endParaRPr lang="zh-TW" altLang="en-US"/>
           </a:p>
@@ -19358,7 +19444,7 @@
           <a:p>
             <a:fld id="{A2B36E5F-F18F-475A-A238-0F2AC704FEDF}" type="datetimeFigureOut">
               <a:rPr lang="zh-TW" altLang="en-US" smtClean="0"/>
-              <a:t>2020/11/11</a:t>
+              <a:t>2020/11/12</a:t>
             </a:fld>
             <a:endParaRPr lang="zh-TW" altLang="en-US"/>
           </a:p>
@@ -19756,7 +19842,7 @@
           <a:p>
             <a:fld id="{A2B36E5F-F18F-475A-A238-0F2AC704FEDF}" type="datetimeFigureOut">
               <a:rPr lang="zh-TW" altLang="en-US" smtClean="0"/>
-              <a:t>2020/11/11</a:t>
+              <a:t>2020/11/12</a:t>
             </a:fld>
             <a:endParaRPr lang="zh-TW" altLang="en-US"/>
           </a:p>
@@ -19874,7 +19960,7 @@
           <a:p>
             <a:fld id="{A2B36E5F-F18F-475A-A238-0F2AC704FEDF}" type="datetimeFigureOut">
               <a:rPr lang="zh-TW" altLang="en-US" smtClean="0"/>
-              <a:t>2020/11/11</a:t>
+              <a:t>2020/11/12</a:t>
             </a:fld>
             <a:endParaRPr lang="zh-TW" altLang="en-US"/>
           </a:p>
@@ -19969,7 +20055,7 @@
           <a:p>
             <a:fld id="{A2B36E5F-F18F-475A-A238-0F2AC704FEDF}" type="datetimeFigureOut">
               <a:rPr lang="zh-TW" altLang="en-US" smtClean="0"/>
-              <a:t>2020/11/11</a:t>
+              <a:t>2020/11/12</a:t>
             </a:fld>
             <a:endParaRPr lang="zh-TW" altLang="en-US"/>
           </a:p>
@@ -20259,7 +20345,7 @@
           <a:p>
             <a:fld id="{A2B36E5F-F18F-475A-A238-0F2AC704FEDF}" type="datetimeFigureOut">
               <a:rPr lang="zh-TW" altLang="en-US" smtClean="0"/>
-              <a:t>2020/11/11</a:t>
+              <a:t>2020/11/12</a:t>
             </a:fld>
             <a:endParaRPr lang="zh-TW" altLang="en-US"/>
           </a:p>
@@ -20539,7 +20625,7 @@
           <a:p>
             <a:fld id="{A2B36E5F-F18F-475A-A238-0F2AC704FEDF}" type="datetimeFigureOut">
               <a:rPr lang="zh-TW" altLang="en-US" smtClean="0"/>
-              <a:t>2020/11/11</a:t>
+              <a:t>2020/11/12</a:t>
             </a:fld>
             <a:endParaRPr lang="zh-TW" altLang="en-US"/>
           </a:p>
@@ -20789,7 +20875,7 @@
           <a:p>
             <a:fld id="{A2B36E5F-F18F-475A-A238-0F2AC704FEDF}" type="datetimeFigureOut">
               <a:rPr lang="zh-TW" altLang="en-US" smtClean="0"/>
-              <a:t>2020/11/11</a:t>
+              <a:t>2020/11/12</a:t>
             </a:fld>
             <a:endParaRPr lang="zh-TW" altLang="en-US"/>
           </a:p>
@@ -21364,1532 +21450,6 @@
       </p:grpSpPr>
       <p:sp>
         <p:nvSpPr>
-          <p:cNvPr id="2" name="標題 1">
-            <a:extLst>
-              <a:ext uri="{FF2B5EF4-FFF2-40B4-BE49-F238E27FC236}">
-                <a16:creationId xmlns:a16="http://schemas.microsoft.com/office/drawing/2014/main" id="{2E658FA8-3BC4-4B20-BFA1-E4C2BD6C55E7}"/>
-              </a:ext>
-            </a:extLst>
-          </p:cNvPr>
-          <p:cNvSpPr>
-            <a:spLocks noGrp="1"/>
-          </p:cNvSpPr>
-          <p:nvPr>
-            <p:ph type="title"/>
-          </p:nvPr>
-        </p:nvSpPr>
-        <p:spPr/>
-        <p:txBody>
-          <a:bodyPr/>
-          <a:lstStyle/>
-          <a:p>
-            <a:r>
-              <a:rPr lang="zh-TW" altLang="en-US" dirty="0"/>
-              <a:t>修改</a:t>
-            </a:r>
-            <a:r>
-              <a:rPr lang="en-US" altLang="zh-TW" dirty="0" err="1"/>
-              <a:t>Package.json</a:t>
-            </a:r>
-            <a:endParaRPr lang="zh-TW" altLang="en-US" dirty="0"/>
-          </a:p>
-        </p:txBody>
-      </p:sp>
-      <p:pic>
-        <p:nvPicPr>
-          <p:cNvPr id="5" name="圖片 4">
-            <a:extLst>
-              <a:ext uri="{FF2B5EF4-FFF2-40B4-BE49-F238E27FC236}">
-                <a16:creationId xmlns:a16="http://schemas.microsoft.com/office/drawing/2014/main" id="{AB798848-A9C9-445A-AFDF-8A0F7C628361}"/>
-              </a:ext>
-            </a:extLst>
-          </p:cNvPr>
-          <p:cNvPicPr>
-            <a:picLocks noChangeAspect="1"/>
-          </p:cNvPicPr>
-          <p:nvPr/>
-        </p:nvPicPr>
-        <p:blipFill>
-          <a:blip r:embed="rId3"/>
-          <a:stretch>
-            <a:fillRect/>
-          </a:stretch>
-        </p:blipFill>
-        <p:spPr>
-          <a:xfrm>
-            <a:off x="2996352" y="4429328"/>
-            <a:ext cx="5116282" cy="1530248"/>
-          </a:xfrm>
-          <a:prstGeom prst="rect">
-            <a:avLst/>
-          </a:prstGeom>
-        </p:spPr>
-      </p:pic>
-      <p:pic>
-        <p:nvPicPr>
-          <p:cNvPr id="7" name="圖片 6">
-            <a:extLst>
-              <a:ext uri="{FF2B5EF4-FFF2-40B4-BE49-F238E27FC236}">
-                <a16:creationId xmlns:a16="http://schemas.microsoft.com/office/drawing/2014/main" id="{1CB63CA9-3D9A-4D58-A05F-62A9D61C9583}"/>
-              </a:ext>
-            </a:extLst>
-          </p:cNvPr>
-          <p:cNvPicPr>
-            <a:picLocks noChangeAspect="1"/>
-          </p:cNvPicPr>
-          <p:nvPr/>
-        </p:nvPicPr>
-        <p:blipFill>
-          <a:blip r:embed="rId4"/>
-          <a:stretch>
-            <a:fillRect/>
-          </a:stretch>
-        </p:blipFill>
-        <p:spPr>
-          <a:xfrm>
-            <a:off x="2988907" y="2286000"/>
-            <a:ext cx="5106876" cy="1228928"/>
-          </a:xfrm>
-          <a:prstGeom prst="rect">
-            <a:avLst/>
-          </a:prstGeom>
-        </p:spPr>
-      </p:pic>
-      <p:sp>
-        <p:nvSpPr>
-          <p:cNvPr id="8" name="箭號: 向下 7">
-            <a:extLst>
-              <a:ext uri="{FF2B5EF4-FFF2-40B4-BE49-F238E27FC236}">
-                <a16:creationId xmlns:a16="http://schemas.microsoft.com/office/drawing/2014/main" id="{65F0611E-4BF6-4747-82D4-D1E4811C268A}"/>
-              </a:ext>
-            </a:extLst>
-          </p:cNvPr>
-          <p:cNvSpPr/>
-          <p:nvPr/>
-        </p:nvSpPr>
-        <p:spPr>
-          <a:xfrm>
-            <a:off x="5181600" y="3638145"/>
-            <a:ext cx="745787" cy="667966"/>
-          </a:xfrm>
-          <a:prstGeom prst="downArrow">
-            <a:avLst/>
-          </a:prstGeom>
-        </p:spPr>
-        <p:style>
-          <a:lnRef idx="2">
-            <a:schemeClr val="accent1">
-              <a:shade val="50000"/>
-            </a:schemeClr>
-          </a:lnRef>
-          <a:fillRef idx="1">
-            <a:schemeClr val="accent1"/>
-          </a:fillRef>
-          <a:effectRef idx="0">
-            <a:schemeClr val="accent1"/>
-          </a:effectRef>
-          <a:fontRef idx="minor">
-            <a:schemeClr val="lt1"/>
-          </a:fontRef>
-        </p:style>
-        <p:txBody>
-          <a:bodyPr rtlCol="0" anchor="ctr"/>
-          <a:lstStyle/>
-          <a:p>
-            <a:pPr algn="ctr"/>
-            <a:endParaRPr lang="zh-TW" altLang="en-US"/>
-          </a:p>
-        </p:txBody>
-      </p:sp>
-    </p:spTree>
-    <p:extLst>
-      <p:ext uri="{BB962C8B-B14F-4D97-AF65-F5344CB8AC3E}">
-        <p14:creationId xmlns:p14="http://schemas.microsoft.com/office/powerpoint/2010/main" val="3159476945"/>
-      </p:ext>
-    </p:extLst>
-  </p:cSld>
-  <p:clrMapOvr>
-    <a:masterClrMapping/>
-  </p:clrMapOvr>
-</p:sld>
-</file>
-
-<file path=ppt/slides/slide11.xml><?xml version="1.0" encoding="utf-8"?>
-<p:sld xmlns:a="http://schemas.openxmlformats.org/drawingml/2006/main" xmlns:r="http://schemas.openxmlformats.org/officeDocument/2006/relationships" xmlns:p="http://schemas.openxmlformats.org/presentationml/2006/main">
-  <p:cSld>
-    <p:spTree>
-      <p:nvGrpSpPr>
-        <p:cNvPr id="1" name=""/>
-        <p:cNvGrpSpPr/>
-        <p:nvPr/>
-      </p:nvGrpSpPr>
-      <p:grpSpPr>
-        <a:xfrm>
-          <a:off x="0" y="0"/>
-          <a:ext cx="0" cy="0"/>
-          <a:chOff x="0" y="0"/>
-          <a:chExt cx="0" cy="0"/>
-        </a:xfrm>
-      </p:grpSpPr>
-      <p:sp>
-        <p:nvSpPr>
-          <p:cNvPr id="2" name="標題 1"/>
-          <p:cNvSpPr>
-            <a:spLocks noGrp="1"/>
-          </p:cNvSpPr>
-          <p:nvPr>
-            <p:ph type="title"/>
-          </p:nvPr>
-        </p:nvSpPr>
-        <p:spPr/>
-        <p:txBody>
-          <a:bodyPr/>
-          <a:lstStyle/>
-          <a:p>
-            <a:r>
-              <a:rPr lang="zh-TW" altLang="en-US" dirty="0"/>
-              <a:t>建立</a:t>
-            </a:r>
-            <a:r>
-              <a:rPr lang="en-US" altLang="zh-TW" dirty="0" err="1"/>
-              <a:t>Heroku</a:t>
-            </a:r>
-            <a:r>
-              <a:rPr lang="zh-TW" altLang="en-US" dirty="0"/>
-              <a:t> </a:t>
-            </a:r>
-            <a:r>
-              <a:rPr lang="en-US" altLang="zh-TW" dirty="0"/>
-              <a:t>App</a:t>
-            </a:r>
-            <a:endParaRPr lang="zh-TW" altLang="en-US" dirty="0"/>
-          </a:p>
-        </p:txBody>
-      </p:sp>
-      <p:sp>
-        <p:nvSpPr>
-          <p:cNvPr id="3" name="內容版面配置區 2"/>
-          <p:cNvSpPr>
-            <a:spLocks noGrp="1"/>
-          </p:cNvSpPr>
-          <p:nvPr>
-            <p:ph idx="1"/>
-          </p:nvPr>
-        </p:nvSpPr>
-        <p:spPr>
-          <a:xfrm>
-            <a:off x="838200" y="1825625"/>
-            <a:ext cx="4413738" cy="4351338"/>
-          </a:xfrm>
-        </p:spPr>
-        <p:txBody>
-          <a:bodyPr/>
-          <a:lstStyle/>
-          <a:p>
-            <a:r>
-              <a:rPr lang="en-US" altLang="zh-TW" dirty="0"/>
-              <a:t>This name should only contain lowercase letters, numbers, and dashes.</a:t>
-            </a:r>
-            <a:endParaRPr lang="zh-TW" altLang="en-US" dirty="0"/>
-          </a:p>
-        </p:txBody>
-      </p:sp>
-      <p:pic>
-        <p:nvPicPr>
-          <p:cNvPr id="5" name="圖片 4"/>
-          <p:cNvPicPr>
-            <a:picLocks noChangeAspect="1"/>
-          </p:cNvPicPr>
-          <p:nvPr/>
-        </p:nvPicPr>
-        <p:blipFill>
-          <a:blip r:embed="rId2"/>
-          <a:stretch>
-            <a:fillRect/>
-          </a:stretch>
-        </p:blipFill>
-        <p:spPr>
-          <a:xfrm>
-            <a:off x="5629454" y="1825625"/>
-            <a:ext cx="5997460" cy="3650296"/>
-          </a:xfrm>
-          <a:prstGeom prst="rect">
-            <a:avLst/>
-          </a:prstGeom>
-        </p:spPr>
-      </p:pic>
-    </p:spTree>
-    <p:extLst>
-      <p:ext uri="{BB962C8B-B14F-4D97-AF65-F5344CB8AC3E}">
-        <p14:creationId xmlns:p14="http://schemas.microsoft.com/office/powerpoint/2010/main" val="1783651677"/>
-      </p:ext>
-    </p:extLst>
-  </p:cSld>
-  <p:clrMapOvr>
-    <a:masterClrMapping/>
-  </p:clrMapOvr>
-</p:sld>
-</file>
-
-<file path=ppt/slides/slide12.xml><?xml version="1.0" encoding="utf-8"?>
-<p:sld xmlns:a="http://schemas.openxmlformats.org/drawingml/2006/main" xmlns:r="http://schemas.openxmlformats.org/officeDocument/2006/relationships" xmlns:p="http://schemas.openxmlformats.org/presentationml/2006/main">
-  <p:cSld>
-    <p:spTree>
-      <p:nvGrpSpPr>
-        <p:cNvPr id="1" name=""/>
-        <p:cNvGrpSpPr/>
-        <p:nvPr/>
-      </p:nvGrpSpPr>
-      <p:grpSpPr>
-        <a:xfrm>
-          <a:off x="0" y="0"/>
-          <a:ext cx="0" cy="0"/>
-          <a:chOff x="0" y="0"/>
-          <a:chExt cx="0" cy="0"/>
-        </a:xfrm>
-      </p:grpSpPr>
-      <p:sp>
-        <p:nvSpPr>
-          <p:cNvPr id="2" name="標題 1"/>
-          <p:cNvSpPr>
-            <a:spLocks noGrp="1"/>
-          </p:cNvSpPr>
-          <p:nvPr>
-            <p:ph type="title"/>
-          </p:nvPr>
-        </p:nvSpPr>
-        <p:spPr/>
-        <p:txBody>
-          <a:bodyPr/>
-          <a:lstStyle/>
-          <a:p>
-            <a:r>
-              <a:rPr lang="zh-TW" altLang="en-US" dirty="0"/>
-              <a:t>下載</a:t>
-            </a:r>
-            <a:r>
-              <a:rPr lang="en-US" altLang="zh-TW" dirty="0" err="1"/>
-              <a:t>Heroku</a:t>
-            </a:r>
-            <a:r>
-              <a:rPr lang="en-US" altLang="zh-TW" dirty="0"/>
-              <a:t>-cli</a:t>
-            </a:r>
-            <a:endParaRPr lang="zh-TW" altLang="en-US" dirty="0"/>
-          </a:p>
-        </p:txBody>
-      </p:sp>
-      <p:sp>
-        <p:nvSpPr>
-          <p:cNvPr id="3" name="內容版面配置區 2"/>
-          <p:cNvSpPr>
-            <a:spLocks noGrp="1"/>
-          </p:cNvSpPr>
-          <p:nvPr>
-            <p:ph idx="1"/>
-          </p:nvPr>
-        </p:nvSpPr>
-        <p:spPr/>
-        <p:txBody>
-          <a:bodyPr/>
-          <a:lstStyle/>
-          <a:p>
-            <a:r>
-              <a:rPr lang="en-US" altLang="zh-TW" dirty="0">
-                <a:hlinkClick r:id="rId3"/>
-              </a:rPr>
-              <a:t>https://devcenter.heroku.com/articles/heroku-cli</a:t>
-            </a:r>
-            <a:endParaRPr lang="en-US" altLang="zh-TW" dirty="0"/>
-          </a:p>
-          <a:p>
-            <a:endParaRPr lang="zh-TW" altLang="en-US" dirty="0"/>
-          </a:p>
-        </p:txBody>
-      </p:sp>
-      <p:pic>
-        <p:nvPicPr>
-          <p:cNvPr id="4" name="圖片 3"/>
-          <p:cNvPicPr>
-            <a:picLocks noChangeAspect="1"/>
-          </p:cNvPicPr>
-          <p:nvPr/>
-        </p:nvPicPr>
-        <p:blipFill>
-          <a:blip r:embed="rId4"/>
-          <a:stretch>
-            <a:fillRect/>
-          </a:stretch>
-        </p:blipFill>
-        <p:spPr>
-          <a:xfrm>
-            <a:off x="838200" y="2395961"/>
-            <a:ext cx="4626278" cy="3210666"/>
-          </a:xfrm>
-          <a:prstGeom prst="rect">
-            <a:avLst/>
-          </a:prstGeom>
-        </p:spPr>
-      </p:pic>
-      <p:pic>
-        <p:nvPicPr>
-          <p:cNvPr id="5" name="圖片 4"/>
-          <p:cNvPicPr>
-            <a:picLocks noChangeAspect="1"/>
-          </p:cNvPicPr>
-          <p:nvPr/>
-        </p:nvPicPr>
-        <p:blipFill>
-          <a:blip r:embed="rId5"/>
-          <a:stretch>
-            <a:fillRect/>
-          </a:stretch>
-        </p:blipFill>
-        <p:spPr>
-          <a:xfrm>
-            <a:off x="5244746" y="3303244"/>
-            <a:ext cx="6947254" cy="1396099"/>
-          </a:xfrm>
-          <a:prstGeom prst="rect">
-            <a:avLst/>
-          </a:prstGeom>
-        </p:spPr>
-      </p:pic>
-    </p:spTree>
-    <p:extLst>
-      <p:ext uri="{BB962C8B-B14F-4D97-AF65-F5344CB8AC3E}">
-        <p14:creationId xmlns:p14="http://schemas.microsoft.com/office/powerpoint/2010/main" val="2662892143"/>
-      </p:ext>
-    </p:extLst>
-  </p:cSld>
-  <p:clrMapOvr>
-    <a:masterClrMapping/>
-  </p:clrMapOvr>
-</p:sld>
-</file>
-
-<file path=ppt/slides/slide13.xml><?xml version="1.0" encoding="utf-8"?>
-<p:sld xmlns:a="http://schemas.openxmlformats.org/drawingml/2006/main" xmlns:r="http://schemas.openxmlformats.org/officeDocument/2006/relationships" xmlns:p="http://schemas.openxmlformats.org/presentationml/2006/main">
-  <p:cSld>
-    <p:spTree>
-      <p:nvGrpSpPr>
-        <p:cNvPr id="1" name=""/>
-        <p:cNvGrpSpPr/>
-        <p:nvPr/>
-      </p:nvGrpSpPr>
-      <p:grpSpPr>
-        <a:xfrm>
-          <a:off x="0" y="0"/>
-          <a:ext cx="0" cy="0"/>
-          <a:chOff x="0" y="0"/>
-          <a:chExt cx="0" cy="0"/>
-        </a:xfrm>
-      </p:grpSpPr>
-      <p:sp>
-        <p:nvSpPr>
-          <p:cNvPr id="2" name="標題 1"/>
-          <p:cNvSpPr>
-            <a:spLocks noGrp="1"/>
-          </p:cNvSpPr>
-          <p:nvPr>
-            <p:ph type="title"/>
-          </p:nvPr>
-        </p:nvSpPr>
-        <p:spPr/>
-        <p:txBody>
-          <a:bodyPr/>
-          <a:lstStyle/>
-          <a:p>
-            <a:r>
-              <a:rPr lang="zh-TW" altLang="en-US" dirty="0"/>
-              <a:t>上傳專案至</a:t>
-            </a:r>
-            <a:r>
-              <a:rPr lang="en-US" altLang="zh-TW" dirty="0" err="1"/>
-              <a:t>Heroku</a:t>
-            </a:r>
-            <a:r>
-              <a:rPr lang="zh-TW" altLang="en-US" dirty="0"/>
-              <a:t> </a:t>
-            </a:r>
-          </a:p>
-        </p:txBody>
-      </p:sp>
-      <p:sp>
-        <p:nvSpPr>
-          <p:cNvPr id="3" name="內容版面配置區 2"/>
-          <p:cNvSpPr>
-            <a:spLocks noGrp="1"/>
-          </p:cNvSpPr>
-          <p:nvPr>
-            <p:ph idx="1"/>
-          </p:nvPr>
-        </p:nvSpPr>
-        <p:spPr/>
-        <p:txBody>
-          <a:bodyPr/>
-          <a:lstStyle/>
-          <a:p>
-            <a:r>
-              <a:rPr lang="en-US" altLang="zh-TW" dirty="0" err="1"/>
-              <a:t>heroku</a:t>
-            </a:r>
-            <a:r>
-              <a:rPr lang="en-US" altLang="zh-TW" dirty="0"/>
-              <a:t> login</a:t>
-            </a:r>
-          </a:p>
-          <a:p>
-            <a:pPr lvl="1"/>
-            <a:r>
-              <a:rPr lang="zh-TW" altLang="en-US" dirty="0"/>
-              <a:t>登入</a:t>
-            </a:r>
-            <a:r>
-              <a:rPr lang="en-US" altLang="zh-TW" dirty="0" err="1"/>
-              <a:t>heroku</a:t>
-            </a:r>
-            <a:r>
-              <a:rPr lang="zh-TW" altLang="en-US" dirty="0"/>
-              <a:t> </a:t>
-            </a:r>
-            <a:r>
-              <a:rPr lang="en-US" altLang="zh-TW" dirty="0"/>
-              <a:t>(</a:t>
-            </a:r>
-            <a:r>
-              <a:rPr lang="zh-TW" altLang="en-US" dirty="0"/>
-              <a:t>每次重開機</a:t>
-            </a:r>
-            <a:r>
-              <a:rPr lang="en-US" altLang="zh-TW" dirty="0"/>
-              <a:t>)</a:t>
-            </a:r>
-          </a:p>
-          <a:p>
-            <a:pPr lvl="1"/>
-            <a:endParaRPr lang="en-US" altLang="zh-TW" dirty="0"/>
-          </a:p>
-          <a:p>
-            <a:r>
-              <a:rPr lang="en-US" altLang="zh-TW" dirty="0" err="1"/>
-              <a:t>heroku</a:t>
-            </a:r>
-            <a:r>
-              <a:rPr lang="en-US" altLang="zh-TW" dirty="0"/>
-              <a:t> </a:t>
-            </a:r>
-            <a:r>
-              <a:rPr lang="en-US" altLang="zh-TW" dirty="0" err="1"/>
-              <a:t>git:remote</a:t>
-            </a:r>
-            <a:r>
-              <a:rPr lang="en-US" altLang="zh-TW" dirty="0"/>
-              <a:t> -a </a:t>
-            </a:r>
-            <a:r>
-              <a:rPr lang="en-US" altLang="zh-TW" dirty="0" err="1"/>
-              <a:t>herokuApp</a:t>
-            </a:r>
-            <a:r>
-              <a:rPr lang="zh-TW" altLang="en-US" dirty="0"/>
-              <a:t>名稱</a:t>
-            </a:r>
-            <a:endParaRPr lang="en-US" altLang="zh-TW" dirty="0"/>
-          </a:p>
-          <a:p>
-            <a:pPr lvl="1"/>
-            <a:r>
-              <a:rPr lang="zh-TW" altLang="en-US" dirty="0"/>
-              <a:t>連接</a:t>
-            </a:r>
-            <a:r>
-              <a:rPr lang="en-US" altLang="zh-TW" dirty="0" err="1"/>
-              <a:t>Heroku</a:t>
-            </a:r>
-            <a:r>
-              <a:rPr lang="zh-TW" altLang="en-US" dirty="0"/>
-              <a:t>專案與</a:t>
-            </a:r>
-            <a:r>
-              <a:rPr lang="en-US" altLang="zh-TW" dirty="0" err="1"/>
-              <a:t>Git</a:t>
-            </a:r>
-            <a:r>
-              <a:rPr lang="zh-TW" altLang="en-US" dirty="0"/>
-              <a:t> </a:t>
-            </a:r>
-            <a:r>
-              <a:rPr lang="en-US" altLang="zh-TW" dirty="0"/>
-              <a:t>(1</a:t>
-            </a:r>
-            <a:r>
-              <a:rPr lang="zh-TW" altLang="en-US" dirty="0"/>
-              <a:t>次</a:t>
-            </a:r>
-            <a:r>
-              <a:rPr lang="en-US" altLang="zh-TW" dirty="0"/>
-              <a:t>)</a:t>
-            </a:r>
-          </a:p>
-          <a:p>
-            <a:pPr lvl="1"/>
-            <a:endParaRPr lang="en-US" altLang="zh-TW" dirty="0"/>
-          </a:p>
-          <a:p>
-            <a:r>
-              <a:rPr lang="en-US" altLang="zh-TW" dirty="0"/>
-              <a:t>git push </a:t>
-            </a:r>
-            <a:r>
-              <a:rPr lang="en-US" altLang="zh-TW" dirty="0" err="1"/>
-              <a:t>heroku</a:t>
-            </a:r>
-            <a:r>
-              <a:rPr lang="en-US" altLang="zh-TW" dirty="0"/>
-              <a:t> </a:t>
-            </a:r>
-            <a:r>
-              <a:rPr lang="en-US" altLang="zh-TW" dirty="0" err="1"/>
-              <a:t>HEAD:master</a:t>
-            </a:r>
-            <a:endParaRPr lang="en-US" altLang="zh-TW" dirty="0"/>
-          </a:p>
-          <a:p>
-            <a:pPr lvl="1"/>
-            <a:r>
-              <a:rPr lang="en-US" altLang="zh-TW" dirty="0"/>
-              <a:t>push</a:t>
-            </a:r>
-            <a:r>
-              <a:rPr lang="zh-TW" altLang="en-US" dirty="0"/>
-              <a:t> </a:t>
-            </a:r>
-            <a:r>
-              <a:rPr lang="en-US" altLang="zh-TW" dirty="0"/>
-              <a:t>master</a:t>
-            </a:r>
-            <a:r>
-              <a:rPr lang="zh-TW" altLang="en-US" dirty="0"/>
-              <a:t>到</a:t>
-            </a:r>
-            <a:r>
-              <a:rPr lang="en-US" altLang="zh-TW" dirty="0" err="1"/>
-              <a:t>heroku</a:t>
-            </a:r>
-            <a:r>
-              <a:rPr lang="zh-TW" altLang="en-US" dirty="0"/>
-              <a:t> </a:t>
-            </a:r>
-            <a:r>
-              <a:rPr lang="en-US" altLang="zh-TW" dirty="0"/>
-              <a:t>(push</a:t>
-            </a:r>
-            <a:r>
-              <a:rPr lang="zh-TW" altLang="en-US" dirty="0"/>
-              <a:t>新專案</a:t>
-            </a:r>
-            <a:r>
-              <a:rPr lang="en-US" altLang="zh-TW" dirty="0"/>
-              <a:t>)</a:t>
-            </a:r>
-          </a:p>
-        </p:txBody>
-      </p:sp>
-    </p:spTree>
-    <p:extLst>
-      <p:ext uri="{BB962C8B-B14F-4D97-AF65-F5344CB8AC3E}">
-        <p14:creationId xmlns:p14="http://schemas.microsoft.com/office/powerpoint/2010/main" val="2918132142"/>
-      </p:ext>
-    </p:extLst>
-  </p:cSld>
-  <p:clrMapOvr>
-    <a:masterClrMapping/>
-  </p:clrMapOvr>
-</p:sld>
-</file>
-
-<file path=ppt/slides/slide14.xml><?xml version="1.0" encoding="utf-8"?>
-<p:sld xmlns:a="http://schemas.openxmlformats.org/drawingml/2006/main" xmlns:r="http://schemas.openxmlformats.org/officeDocument/2006/relationships" xmlns:p="http://schemas.openxmlformats.org/presentationml/2006/main">
-  <p:cSld>
-    <p:spTree>
-      <p:nvGrpSpPr>
-        <p:cNvPr id="1" name=""/>
-        <p:cNvGrpSpPr/>
-        <p:nvPr/>
-      </p:nvGrpSpPr>
-      <p:grpSpPr>
-        <a:xfrm>
-          <a:off x="0" y="0"/>
-          <a:ext cx="0" cy="0"/>
-          <a:chOff x="0" y="0"/>
-          <a:chExt cx="0" cy="0"/>
-        </a:xfrm>
-      </p:grpSpPr>
-      <p:sp>
-        <p:nvSpPr>
-          <p:cNvPr id="2" name="標題 1"/>
-          <p:cNvSpPr>
-            <a:spLocks noGrp="1"/>
-          </p:cNvSpPr>
-          <p:nvPr>
-            <p:ph type="title"/>
-          </p:nvPr>
-        </p:nvSpPr>
-        <p:spPr/>
-        <p:txBody>
-          <a:bodyPr/>
-          <a:lstStyle/>
-          <a:p>
-            <a:r>
-              <a:rPr lang="zh-TW" altLang="en-US" dirty="0"/>
-              <a:t>上傳專案至</a:t>
-            </a:r>
-            <a:r>
-              <a:rPr lang="en-US" altLang="zh-TW" dirty="0"/>
-              <a:t>Heroku</a:t>
-            </a:r>
-            <a:r>
-              <a:rPr lang="zh-TW" altLang="en-US" dirty="0"/>
-              <a:t> </a:t>
-            </a:r>
-          </a:p>
-        </p:txBody>
-      </p:sp>
-      <p:sp>
-        <p:nvSpPr>
-          <p:cNvPr id="3" name="內容版面配置區 2"/>
-          <p:cNvSpPr>
-            <a:spLocks noGrp="1"/>
-          </p:cNvSpPr>
-          <p:nvPr>
-            <p:ph idx="1"/>
-          </p:nvPr>
-        </p:nvSpPr>
-        <p:spPr/>
-        <p:txBody>
-          <a:bodyPr/>
-          <a:lstStyle/>
-          <a:p>
-            <a:r>
-              <a:rPr lang="en-US" altLang="zh-TW" dirty="0"/>
-              <a:t>1. </a:t>
-            </a:r>
-            <a:r>
-              <a:rPr lang="en-US" altLang="zh-TW" dirty="0" err="1"/>
-              <a:t>heroku</a:t>
-            </a:r>
-            <a:r>
-              <a:rPr lang="en-US" altLang="zh-TW" dirty="0"/>
-              <a:t> open</a:t>
-            </a:r>
-          </a:p>
-          <a:p>
-            <a:r>
-              <a:rPr lang="en-US" altLang="zh-TW" dirty="0"/>
-              <a:t>2. </a:t>
-            </a:r>
-            <a:r>
-              <a:rPr lang="en-US" altLang="zh-TW" dirty="0" err="1"/>
-              <a:t>Heroku</a:t>
-            </a:r>
-            <a:r>
-              <a:rPr lang="zh-TW" altLang="en-US" dirty="0"/>
-              <a:t>網頁</a:t>
-            </a:r>
-            <a:r>
-              <a:rPr lang="en-US" altLang="zh-TW" dirty="0"/>
-              <a:t>, App&gt;setting&gt;domain</a:t>
-            </a:r>
-          </a:p>
-          <a:p>
-            <a:endParaRPr lang="zh-TW" altLang="en-US" dirty="0"/>
-          </a:p>
-        </p:txBody>
-      </p:sp>
-      <p:pic>
-        <p:nvPicPr>
-          <p:cNvPr id="4" name="圖片 3"/>
-          <p:cNvPicPr>
-            <a:picLocks noChangeAspect="1"/>
-          </p:cNvPicPr>
-          <p:nvPr/>
-        </p:nvPicPr>
-        <p:blipFill>
-          <a:blip r:embed="rId2"/>
-          <a:stretch>
-            <a:fillRect/>
-          </a:stretch>
-        </p:blipFill>
-        <p:spPr>
-          <a:xfrm>
-            <a:off x="1621137" y="3238457"/>
-            <a:ext cx="7932278" cy="1337479"/>
-          </a:xfrm>
-          <a:prstGeom prst="rect">
-            <a:avLst/>
-          </a:prstGeom>
-        </p:spPr>
-      </p:pic>
-      <p:pic>
-        <p:nvPicPr>
-          <p:cNvPr id="5" name="圖片 4"/>
-          <p:cNvPicPr>
-            <a:picLocks noChangeAspect="1"/>
-          </p:cNvPicPr>
-          <p:nvPr/>
-        </p:nvPicPr>
-        <p:blipFill>
-          <a:blip r:embed="rId3"/>
-          <a:stretch>
-            <a:fillRect/>
-          </a:stretch>
-        </p:blipFill>
-        <p:spPr>
-          <a:xfrm>
-            <a:off x="0" y="4575936"/>
-            <a:ext cx="12192000" cy="1252603"/>
-          </a:xfrm>
-          <a:prstGeom prst="rect">
-            <a:avLst/>
-          </a:prstGeom>
-        </p:spPr>
-      </p:pic>
-    </p:spTree>
-    <p:extLst>
-      <p:ext uri="{BB962C8B-B14F-4D97-AF65-F5344CB8AC3E}">
-        <p14:creationId xmlns:p14="http://schemas.microsoft.com/office/powerpoint/2010/main" val="3506411360"/>
-      </p:ext>
-    </p:extLst>
-  </p:cSld>
-  <p:clrMapOvr>
-    <a:masterClrMapping/>
-  </p:clrMapOvr>
-</p:sld>
-</file>
-
-<file path=ppt/slides/slide15.xml><?xml version="1.0" encoding="utf-8"?>
-<p:sld xmlns:a="http://schemas.openxmlformats.org/drawingml/2006/main" xmlns:r="http://schemas.openxmlformats.org/officeDocument/2006/relationships" xmlns:p="http://schemas.openxmlformats.org/presentationml/2006/main">
-  <p:cSld>
-    <p:spTree>
-      <p:nvGrpSpPr>
-        <p:cNvPr id="1" name=""/>
-        <p:cNvGrpSpPr/>
-        <p:nvPr/>
-      </p:nvGrpSpPr>
-      <p:grpSpPr>
-        <a:xfrm>
-          <a:off x="0" y="0"/>
-          <a:ext cx="0" cy="0"/>
-          <a:chOff x="0" y="0"/>
-          <a:chExt cx="0" cy="0"/>
-        </a:xfrm>
-      </p:grpSpPr>
-      <p:sp>
-        <p:nvSpPr>
-          <p:cNvPr id="2" name="標題 1"/>
-          <p:cNvSpPr>
-            <a:spLocks noGrp="1"/>
-          </p:cNvSpPr>
-          <p:nvPr>
-            <p:ph type="title"/>
-          </p:nvPr>
-        </p:nvSpPr>
-        <p:spPr/>
-        <p:txBody>
-          <a:bodyPr/>
-          <a:lstStyle/>
-          <a:p>
-            <a:r>
-              <a:rPr lang="zh-TW" altLang="en-US" dirty="0"/>
-              <a:t>參考資料</a:t>
-            </a:r>
-          </a:p>
-        </p:txBody>
-      </p:sp>
-      <p:sp>
-        <p:nvSpPr>
-          <p:cNvPr id="3" name="內容版面配置區 2"/>
-          <p:cNvSpPr>
-            <a:spLocks noGrp="1"/>
-          </p:cNvSpPr>
-          <p:nvPr>
-            <p:ph idx="1"/>
-          </p:nvPr>
-        </p:nvSpPr>
-        <p:spPr/>
-        <p:txBody>
-          <a:bodyPr>
-            <a:normAutofit/>
-          </a:bodyPr>
-          <a:lstStyle/>
-          <a:p>
-            <a:r>
-              <a:rPr lang="en-US" altLang="zh-TW" dirty="0">
-                <a:hlinkClick r:id="rId2"/>
-              </a:rPr>
-              <a:t>https://jasonwatmore.com/post/2017/09/16/react-redux-user-registration-and-login-tutorial-example#projectstructure</a:t>
-            </a:r>
-            <a:endParaRPr lang="en-US" altLang="zh-TW" dirty="0"/>
-          </a:p>
-          <a:p>
-            <a:endParaRPr lang="en-US" altLang="zh-TW" dirty="0"/>
-          </a:p>
-          <a:p>
-            <a:r>
-              <a:rPr lang="en-US" altLang="zh-TW" dirty="0">
-                <a:hlinkClick r:id="rId3"/>
-              </a:rPr>
-              <a:t>https://codeburst.io/deploy-your-webpack-apps-to-heroku-in-3-simple-steps-4ae072af93a8</a:t>
-            </a:r>
-            <a:endParaRPr lang="en-US" altLang="zh-TW" dirty="0"/>
-          </a:p>
-          <a:p>
-            <a:endParaRPr lang="en-US" altLang="zh-TW" dirty="0"/>
-          </a:p>
-          <a:p>
-            <a:endParaRPr lang="en-US" altLang="zh-TW" dirty="0"/>
-          </a:p>
-          <a:p>
-            <a:endParaRPr lang="zh-TW" altLang="en-US" dirty="0"/>
-          </a:p>
-        </p:txBody>
-      </p:sp>
-    </p:spTree>
-    <p:extLst>
-      <p:ext uri="{BB962C8B-B14F-4D97-AF65-F5344CB8AC3E}">
-        <p14:creationId xmlns:p14="http://schemas.microsoft.com/office/powerpoint/2010/main" val="2205693101"/>
-      </p:ext>
-    </p:extLst>
-  </p:cSld>
-  <p:clrMapOvr>
-    <a:masterClrMapping/>
-  </p:clrMapOvr>
-</p:sld>
-</file>
-
-<file path=ppt/slides/slide2.xml><?xml version="1.0" encoding="utf-8"?>
-<p:sld xmlns:a="http://schemas.openxmlformats.org/drawingml/2006/main" xmlns:r="http://schemas.openxmlformats.org/officeDocument/2006/relationships" xmlns:p="http://schemas.openxmlformats.org/presentationml/2006/main">
-  <p:cSld>
-    <p:spTree>
-      <p:nvGrpSpPr>
-        <p:cNvPr id="1" name=""/>
-        <p:cNvGrpSpPr/>
-        <p:nvPr/>
-      </p:nvGrpSpPr>
-      <p:grpSpPr>
-        <a:xfrm>
-          <a:off x="0" y="0"/>
-          <a:ext cx="0" cy="0"/>
-          <a:chOff x="0" y="0"/>
-          <a:chExt cx="0" cy="0"/>
-        </a:xfrm>
-      </p:grpSpPr>
-      <p:sp>
-        <p:nvSpPr>
-          <p:cNvPr id="2" name="標題 1">
-            <a:extLst>
-              <a:ext uri="{FF2B5EF4-FFF2-40B4-BE49-F238E27FC236}">
-                <a16:creationId xmlns:a16="http://schemas.microsoft.com/office/drawing/2014/main" id="{5C6FA6FE-E592-4A1C-96F4-386B2B91ADBB}"/>
-              </a:ext>
-            </a:extLst>
-          </p:cNvPr>
-          <p:cNvSpPr>
-            <a:spLocks noGrp="1"/>
-          </p:cNvSpPr>
-          <p:nvPr>
-            <p:ph type="title"/>
-          </p:nvPr>
-        </p:nvSpPr>
-        <p:spPr/>
-        <p:txBody>
-          <a:bodyPr/>
-          <a:lstStyle/>
-          <a:p>
-            <a:r>
-              <a:rPr lang="en-US" altLang="zh-TW" dirty="0"/>
-              <a:t>Action – </a:t>
-            </a:r>
-            <a:r>
-              <a:rPr lang="zh-TW" altLang="en-US" dirty="0"/>
-              <a:t>登入</a:t>
-            </a:r>
-          </a:p>
-        </p:txBody>
-      </p:sp>
-      <p:pic>
-        <p:nvPicPr>
-          <p:cNvPr id="11" name="內容版面配置區 10">
-            <a:extLst>
-              <a:ext uri="{FF2B5EF4-FFF2-40B4-BE49-F238E27FC236}">
-                <a16:creationId xmlns:a16="http://schemas.microsoft.com/office/drawing/2014/main" id="{7B165529-B458-4040-8D18-78336EFA165F}"/>
-              </a:ext>
-            </a:extLst>
-          </p:cNvPr>
-          <p:cNvPicPr>
-            <a:picLocks noGrp="1" noChangeAspect="1"/>
-          </p:cNvPicPr>
-          <p:nvPr>
-            <p:ph idx="1"/>
-          </p:nvPr>
-        </p:nvPicPr>
-        <p:blipFill>
-          <a:blip r:embed="rId2"/>
-          <a:stretch>
-            <a:fillRect/>
-          </a:stretch>
-        </p:blipFill>
-        <p:spPr>
-          <a:xfrm>
-            <a:off x="2992828" y="2592149"/>
-            <a:ext cx="5782482" cy="3410426"/>
-          </a:xfrm>
-          <a:prstGeom prst="rect">
-            <a:avLst/>
-          </a:prstGeom>
-        </p:spPr>
-      </p:pic>
-    </p:spTree>
-    <p:extLst>
-      <p:ext uri="{BB962C8B-B14F-4D97-AF65-F5344CB8AC3E}">
-        <p14:creationId xmlns:p14="http://schemas.microsoft.com/office/powerpoint/2010/main" val="2500194397"/>
-      </p:ext>
-    </p:extLst>
-  </p:cSld>
-  <p:clrMapOvr>
-    <a:masterClrMapping/>
-  </p:clrMapOvr>
-</p:sld>
-</file>
-
-<file path=ppt/slides/slide3.xml><?xml version="1.0" encoding="utf-8"?>
-<p:sld xmlns:a="http://schemas.openxmlformats.org/drawingml/2006/main" xmlns:r="http://schemas.openxmlformats.org/officeDocument/2006/relationships" xmlns:p="http://schemas.openxmlformats.org/presentationml/2006/main">
-  <p:cSld>
-    <p:spTree>
-      <p:nvGrpSpPr>
-        <p:cNvPr id="1" name=""/>
-        <p:cNvGrpSpPr/>
-        <p:nvPr/>
-      </p:nvGrpSpPr>
-      <p:grpSpPr>
-        <a:xfrm>
-          <a:off x="0" y="0"/>
-          <a:ext cx="0" cy="0"/>
-          <a:chOff x="0" y="0"/>
-          <a:chExt cx="0" cy="0"/>
-        </a:xfrm>
-      </p:grpSpPr>
-      <p:sp>
-        <p:nvSpPr>
-          <p:cNvPr id="2" name="標題 1">
-            <a:extLst>
-              <a:ext uri="{FF2B5EF4-FFF2-40B4-BE49-F238E27FC236}">
-                <a16:creationId xmlns:a16="http://schemas.microsoft.com/office/drawing/2014/main" id="{67542D18-9B98-4C25-A3E9-1F8DF9EA2DF5}"/>
-              </a:ext>
-            </a:extLst>
-          </p:cNvPr>
-          <p:cNvSpPr>
-            <a:spLocks noGrp="1"/>
-          </p:cNvSpPr>
-          <p:nvPr>
-            <p:ph type="title"/>
-          </p:nvPr>
-        </p:nvSpPr>
-        <p:spPr/>
-        <p:txBody>
-          <a:bodyPr/>
-          <a:lstStyle/>
-          <a:p>
-            <a:r>
-              <a:rPr lang="en-US" altLang="zh-TW" dirty="0"/>
-              <a:t>Action – </a:t>
-            </a:r>
-            <a:r>
-              <a:rPr lang="zh-TW" altLang="en-US" dirty="0"/>
-              <a:t>登入</a:t>
-            </a:r>
-          </a:p>
-        </p:txBody>
-      </p:sp>
-      <p:pic>
-        <p:nvPicPr>
-          <p:cNvPr id="5" name="內容版面配置區 4">
-            <a:extLst>
-              <a:ext uri="{FF2B5EF4-FFF2-40B4-BE49-F238E27FC236}">
-                <a16:creationId xmlns:a16="http://schemas.microsoft.com/office/drawing/2014/main" id="{47F75431-BD73-4D74-A7EB-6F93C58A1E98}"/>
-              </a:ext>
-            </a:extLst>
-          </p:cNvPr>
-          <p:cNvPicPr>
-            <a:picLocks noGrp="1" noChangeAspect="1"/>
-          </p:cNvPicPr>
-          <p:nvPr>
-            <p:ph idx="1"/>
-          </p:nvPr>
-        </p:nvPicPr>
-        <p:blipFill>
-          <a:blip r:embed="rId2"/>
-          <a:stretch>
-            <a:fillRect/>
-          </a:stretch>
-        </p:blipFill>
-        <p:spPr>
-          <a:xfrm>
-            <a:off x="1116141" y="2577860"/>
-            <a:ext cx="9535856" cy="3439005"/>
-          </a:xfrm>
-        </p:spPr>
-      </p:pic>
-    </p:spTree>
-    <p:extLst>
-      <p:ext uri="{BB962C8B-B14F-4D97-AF65-F5344CB8AC3E}">
-        <p14:creationId xmlns:p14="http://schemas.microsoft.com/office/powerpoint/2010/main" val="3337409269"/>
-      </p:ext>
-    </p:extLst>
-  </p:cSld>
-  <p:clrMapOvr>
-    <a:masterClrMapping/>
-  </p:clrMapOvr>
-</p:sld>
-</file>
-
-<file path=ppt/slides/slide4.xml><?xml version="1.0" encoding="utf-8"?>
-<p:sld xmlns:a="http://schemas.openxmlformats.org/drawingml/2006/main" xmlns:r="http://schemas.openxmlformats.org/officeDocument/2006/relationships" xmlns:p="http://schemas.openxmlformats.org/presentationml/2006/main">
-  <p:cSld>
-    <p:spTree>
-      <p:nvGrpSpPr>
-        <p:cNvPr id="1" name=""/>
-        <p:cNvGrpSpPr/>
-        <p:nvPr/>
-      </p:nvGrpSpPr>
-      <p:grpSpPr>
-        <a:xfrm>
-          <a:off x="0" y="0"/>
-          <a:ext cx="0" cy="0"/>
-          <a:chOff x="0" y="0"/>
-          <a:chExt cx="0" cy="0"/>
-        </a:xfrm>
-      </p:grpSpPr>
-      <p:sp>
-        <p:nvSpPr>
-          <p:cNvPr id="2" name="標題 1"/>
-          <p:cNvSpPr>
-            <a:spLocks noGrp="1"/>
-          </p:cNvSpPr>
-          <p:nvPr>
-            <p:ph type="title"/>
-          </p:nvPr>
-        </p:nvSpPr>
-        <p:spPr/>
-        <p:txBody>
-          <a:bodyPr/>
-          <a:lstStyle/>
-          <a:p>
-            <a:r>
-              <a:rPr lang="en-US" altLang="zh-TW" dirty="0"/>
-              <a:t>Action – </a:t>
-            </a:r>
-            <a:r>
-              <a:rPr lang="zh-TW" altLang="en-US" dirty="0"/>
-              <a:t>登出</a:t>
-            </a:r>
-          </a:p>
-        </p:txBody>
-      </p:sp>
-      <p:pic>
-        <p:nvPicPr>
-          <p:cNvPr id="7" name="圖片 6">
-            <a:extLst>
-              <a:ext uri="{FF2B5EF4-FFF2-40B4-BE49-F238E27FC236}">
-                <a16:creationId xmlns:a16="http://schemas.microsoft.com/office/drawing/2014/main" id="{DCA51FE1-391E-4238-A12E-F4FDF63E8551}"/>
-              </a:ext>
-            </a:extLst>
-          </p:cNvPr>
-          <p:cNvPicPr>
-            <a:picLocks noChangeAspect="1"/>
-          </p:cNvPicPr>
-          <p:nvPr/>
-        </p:nvPicPr>
-        <p:blipFill>
-          <a:blip r:embed="rId2"/>
-          <a:stretch>
-            <a:fillRect/>
-          </a:stretch>
-        </p:blipFill>
-        <p:spPr>
-          <a:xfrm>
-            <a:off x="2698181" y="3954319"/>
-            <a:ext cx="5788666" cy="1066032"/>
-          </a:xfrm>
-          <a:prstGeom prst="rect">
-            <a:avLst/>
-          </a:prstGeom>
-        </p:spPr>
-      </p:pic>
-      <p:pic>
-        <p:nvPicPr>
-          <p:cNvPr id="10" name="圖片 9">
-            <a:extLst>
-              <a:ext uri="{FF2B5EF4-FFF2-40B4-BE49-F238E27FC236}">
-                <a16:creationId xmlns:a16="http://schemas.microsoft.com/office/drawing/2014/main" id="{59E49AA9-169E-40F0-A337-DD662B485D2B}"/>
-              </a:ext>
-            </a:extLst>
-          </p:cNvPr>
-          <p:cNvPicPr>
-            <a:picLocks noChangeAspect="1"/>
-          </p:cNvPicPr>
-          <p:nvPr/>
-        </p:nvPicPr>
-        <p:blipFill>
-          <a:blip r:embed="rId3"/>
-          <a:stretch>
-            <a:fillRect/>
-          </a:stretch>
-        </p:blipFill>
-        <p:spPr>
-          <a:xfrm>
-            <a:off x="3012666" y="2084832"/>
-            <a:ext cx="5171626" cy="1313214"/>
-          </a:xfrm>
-          <a:prstGeom prst="rect">
-            <a:avLst/>
-          </a:prstGeom>
-        </p:spPr>
-      </p:pic>
-    </p:spTree>
-    <p:extLst>
-      <p:ext uri="{BB962C8B-B14F-4D97-AF65-F5344CB8AC3E}">
-        <p14:creationId xmlns:p14="http://schemas.microsoft.com/office/powerpoint/2010/main" val="3904368050"/>
-      </p:ext>
-    </p:extLst>
-  </p:cSld>
-  <p:clrMapOvr>
-    <a:masterClrMapping/>
-  </p:clrMapOvr>
-</p:sld>
-</file>
-
-<file path=ppt/slides/slide5.xml><?xml version="1.0" encoding="utf-8"?>
-<p:sld xmlns:a="http://schemas.openxmlformats.org/drawingml/2006/main" xmlns:r="http://schemas.openxmlformats.org/officeDocument/2006/relationships" xmlns:p="http://schemas.openxmlformats.org/presentationml/2006/main">
-  <p:cSld>
-    <p:spTree>
-      <p:nvGrpSpPr>
-        <p:cNvPr id="1" name=""/>
-        <p:cNvGrpSpPr/>
-        <p:nvPr/>
-      </p:nvGrpSpPr>
-      <p:grpSpPr>
-        <a:xfrm>
-          <a:off x="0" y="0"/>
-          <a:ext cx="0" cy="0"/>
-          <a:chOff x="0" y="0"/>
-          <a:chExt cx="0" cy="0"/>
-        </a:xfrm>
-      </p:grpSpPr>
-      <p:sp>
-        <p:nvSpPr>
-          <p:cNvPr id="2" name="標題 1">
-            <a:extLst>
-              <a:ext uri="{FF2B5EF4-FFF2-40B4-BE49-F238E27FC236}">
-                <a16:creationId xmlns:a16="http://schemas.microsoft.com/office/drawing/2014/main" id="{01AEF083-F826-49AD-84FE-588C2A71754A}"/>
-              </a:ext>
-            </a:extLst>
-          </p:cNvPr>
-          <p:cNvSpPr>
-            <a:spLocks noGrp="1"/>
-          </p:cNvSpPr>
-          <p:nvPr>
-            <p:ph type="title"/>
-          </p:nvPr>
-        </p:nvSpPr>
-        <p:spPr/>
-        <p:txBody>
-          <a:bodyPr/>
-          <a:lstStyle/>
-          <a:p>
-            <a:r>
-              <a:rPr lang="en-US" altLang="zh-TW" dirty="0"/>
-              <a:t>Reducer</a:t>
-            </a:r>
-            <a:endParaRPr lang="zh-TW" altLang="en-US" dirty="0"/>
-          </a:p>
-        </p:txBody>
-      </p:sp>
-      <p:pic>
-        <p:nvPicPr>
-          <p:cNvPr id="4" name="內容版面配置區 6">
-            <a:extLst>
-              <a:ext uri="{FF2B5EF4-FFF2-40B4-BE49-F238E27FC236}">
-                <a16:creationId xmlns:a16="http://schemas.microsoft.com/office/drawing/2014/main" id="{31E76842-BB87-4349-9C68-0FB96C2CB6E2}"/>
-              </a:ext>
-            </a:extLst>
-          </p:cNvPr>
-          <p:cNvPicPr>
-            <a:picLocks noGrp="1" noChangeAspect="1"/>
-          </p:cNvPicPr>
-          <p:nvPr>
-            <p:ph idx="1"/>
-          </p:nvPr>
-        </p:nvPicPr>
-        <p:blipFill>
-          <a:blip r:embed="rId2"/>
-          <a:stretch>
-            <a:fillRect/>
-          </a:stretch>
-        </p:blipFill>
-        <p:spPr>
-          <a:xfrm>
-            <a:off x="3033498" y="2286000"/>
-            <a:ext cx="5701141" cy="4022725"/>
-          </a:xfrm>
-        </p:spPr>
-      </p:pic>
-    </p:spTree>
-    <p:extLst>
-      <p:ext uri="{BB962C8B-B14F-4D97-AF65-F5344CB8AC3E}">
-        <p14:creationId xmlns:p14="http://schemas.microsoft.com/office/powerpoint/2010/main" val="3611343787"/>
-      </p:ext>
-    </p:extLst>
-  </p:cSld>
-  <p:clrMapOvr>
-    <a:masterClrMapping/>
-  </p:clrMapOvr>
-</p:sld>
-</file>
-
-<file path=ppt/slides/slide6.xml><?xml version="1.0" encoding="utf-8"?>
-<p:sld xmlns:a="http://schemas.openxmlformats.org/drawingml/2006/main" xmlns:r="http://schemas.openxmlformats.org/officeDocument/2006/relationships" xmlns:p="http://schemas.openxmlformats.org/presentationml/2006/main">
-  <p:cSld>
-    <p:spTree>
-      <p:nvGrpSpPr>
-        <p:cNvPr id="1" name=""/>
-        <p:cNvGrpSpPr/>
-        <p:nvPr/>
-      </p:nvGrpSpPr>
-      <p:grpSpPr>
-        <a:xfrm>
-          <a:off x="0" y="0"/>
-          <a:ext cx="0" cy="0"/>
-          <a:chOff x="0" y="0"/>
-          <a:chExt cx="0" cy="0"/>
-        </a:xfrm>
-      </p:grpSpPr>
-      <p:sp>
-        <p:nvSpPr>
-          <p:cNvPr id="2" name="標題 1">
-            <a:extLst>
-              <a:ext uri="{FF2B5EF4-FFF2-40B4-BE49-F238E27FC236}">
-                <a16:creationId xmlns:a16="http://schemas.microsoft.com/office/drawing/2014/main" id="{ACA09B04-EFB7-437A-AE20-BAA7A0DC18DF}"/>
-              </a:ext>
-            </a:extLst>
-          </p:cNvPr>
-          <p:cNvSpPr>
-            <a:spLocks noGrp="1"/>
-          </p:cNvSpPr>
-          <p:nvPr>
-            <p:ph type="title"/>
-          </p:nvPr>
-        </p:nvSpPr>
-        <p:spPr/>
-        <p:txBody>
-          <a:bodyPr/>
-          <a:lstStyle/>
-          <a:p>
-            <a:r>
-              <a:rPr lang="en-US" altLang="zh-TW" dirty="0"/>
-              <a:t>Router</a:t>
-            </a:r>
-            <a:endParaRPr lang="zh-TW" altLang="en-US" dirty="0"/>
-          </a:p>
-        </p:txBody>
-      </p:sp>
-      <p:sp>
-        <p:nvSpPr>
-          <p:cNvPr id="9" name="內容版面配置區 8">
-            <a:extLst>
-              <a:ext uri="{FF2B5EF4-FFF2-40B4-BE49-F238E27FC236}">
-                <a16:creationId xmlns:a16="http://schemas.microsoft.com/office/drawing/2014/main" id="{4AA70FDF-E2CB-4814-A91E-53EB91F581C8}"/>
-              </a:ext>
-            </a:extLst>
-          </p:cNvPr>
-          <p:cNvSpPr>
-            <a:spLocks noGrp="1"/>
-          </p:cNvSpPr>
-          <p:nvPr>
-            <p:ph idx="1"/>
-          </p:nvPr>
-        </p:nvSpPr>
-        <p:spPr/>
-        <p:txBody>
-          <a:bodyPr/>
-          <a:lstStyle/>
-          <a:p>
-            <a:r>
-              <a:rPr lang="zh-TW" altLang="en-US" dirty="0"/>
-              <a:t>檢查</a:t>
-            </a:r>
-            <a:r>
-              <a:rPr lang="en-US" altLang="zh-TW" dirty="0" err="1"/>
-              <a:t>LocalStorage</a:t>
-            </a:r>
-            <a:r>
-              <a:rPr lang="zh-TW" altLang="en-US" dirty="0"/>
-              <a:t>中是否有存在</a:t>
-            </a:r>
-            <a:r>
-              <a:rPr lang="en-US" altLang="zh-TW" dirty="0"/>
-              <a:t>User token</a:t>
-            </a:r>
-          </a:p>
-          <a:p>
-            <a:r>
-              <a:rPr lang="zh-TW" altLang="en-US" dirty="0"/>
-              <a:t>沒有的話就導向</a:t>
-            </a:r>
-            <a:r>
-              <a:rPr lang="en-US" altLang="zh-TW" dirty="0"/>
-              <a:t>Login</a:t>
-            </a:r>
-            <a:r>
-              <a:rPr lang="zh-TW" altLang="en-US" dirty="0"/>
-              <a:t>頁面</a:t>
-            </a:r>
-          </a:p>
-        </p:txBody>
-      </p:sp>
-      <p:pic>
-        <p:nvPicPr>
-          <p:cNvPr id="11" name="圖片 10">
-            <a:extLst>
-              <a:ext uri="{FF2B5EF4-FFF2-40B4-BE49-F238E27FC236}">
-                <a16:creationId xmlns:a16="http://schemas.microsoft.com/office/drawing/2014/main" id="{3C04F571-2529-4A43-96B4-BB6D94032AF0}"/>
-              </a:ext>
-            </a:extLst>
-          </p:cNvPr>
-          <p:cNvPicPr>
-            <a:picLocks noChangeAspect="1"/>
-          </p:cNvPicPr>
-          <p:nvPr/>
-        </p:nvPicPr>
-        <p:blipFill>
-          <a:blip r:embed="rId3"/>
-          <a:stretch>
-            <a:fillRect/>
-          </a:stretch>
-        </p:blipFill>
-        <p:spPr>
-          <a:xfrm>
-            <a:off x="1385273" y="3277865"/>
-            <a:ext cx="9358927" cy="2727727"/>
-          </a:xfrm>
-          <a:prstGeom prst="rect">
-            <a:avLst/>
-          </a:prstGeom>
-        </p:spPr>
-      </p:pic>
-    </p:spTree>
-    <p:extLst>
-      <p:ext uri="{BB962C8B-B14F-4D97-AF65-F5344CB8AC3E}">
-        <p14:creationId xmlns:p14="http://schemas.microsoft.com/office/powerpoint/2010/main" val="3574845363"/>
-      </p:ext>
-    </p:extLst>
-  </p:cSld>
-  <p:clrMapOvr>
-    <a:masterClrMapping/>
-  </p:clrMapOvr>
-</p:sld>
-</file>
-
-<file path=ppt/slides/slide7.xml><?xml version="1.0" encoding="utf-8"?>
-<p:sld xmlns:a="http://schemas.openxmlformats.org/drawingml/2006/main" xmlns:r="http://schemas.openxmlformats.org/officeDocument/2006/relationships" xmlns:p="http://schemas.openxmlformats.org/presentationml/2006/main">
-  <p:cSld>
-    <p:spTree>
-      <p:nvGrpSpPr>
-        <p:cNvPr id="1" name=""/>
-        <p:cNvGrpSpPr/>
-        <p:nvPr/>
-      </p:nvGrpSpPr>
-      <p:grpSpPr>
-        <a:xfrm>
-          <a:off x="0" y="0"/>
-          <a:ext cx="0" cy="0"/>
-          <a:chOff x="0" y="0"/>
-          <a:chExt cx="0" cy="0"/>
-        </a:xfrm>
-      </p:grpSpPr>
-      <p:sp>
-        <p:nvSpPr>
-          <p:cNvPr id="2" name="標題 1"/>
-          <p:cNvSpPr>
-            <a:spLocks noGrp="1"/>
-          </p:cNvSpPr>
-          <p:nvPr>
-            <p:ph type="ctrTitle"/>
-          </p:nvPr>
-        </p:nvSpPr>
-        <p:spPr/>
-        <p:txBody>
-          <a:bodyPr/>
-          <a:lstStyle/>
-          <a:p>
-            <a:r>
-              <a:rPr lang="zh-TW" altLang="en-US" dirty="0"/>
-              <a:t>部屬</a:t>
-            </a:r>
-          </a:p>
-        </p:txBody>
-      </p:sp>
-      <p:sp>
-        <p:nvSpPr>
-          <p:cNvPr id="3" name="副標題 2"/>
-          <p:cNvSpPr>
-            <a:spLocks noGrp="1"/>
-          </p:cNvSpPr>
-          <p:nvPr>
-            <p:ph type="subTitle" idx="1"/>
-          </p:nvPr>
-        </p:nvSpPr>
-        <p:spPr/>
-        <p:txBody>
-          <a:bodyPr/>
-          <a:lstStyle/>
-          <a:p>
-            <a:endParaRPr lang="zh-TW" altLang="en-US"/>
-          </a:p>
-        </p:txBody>
-      </p:sp>
-    </p:spTree>
-    <p:extLst>
-      <p:ext uri="{BB962C8B-B14F-4D97-AF65-F5344CB8AC3E}">
-        <p14:creationId xmlns:p14="http://schemas.microsoft.com/office/powerpoint/2010/main" val="2248987333"/>
-      </p:ext>
-    </p:extLst>
-  </p:cSld>
-  <p:clrMapOvr>
-    <a:masterClrMapping/>
-  </p:clrMapOvr>
-</p:sld>
-</file>
-
-<file path=ppt/slides/slide8.xml><?xml version="1.0" encoding="utf-8"?>
-<p:sld xmlns:a="http://schemas.openxmlformats.org/drawingml/2006/main" xmlns:r="http://schemas.openxmlformats.org/officeDocument/2006/relationships" xmlns:p="http://schemas.openxmlformats.org/presentationml/2006/main">
-  <p:cSld>
-    <p:spTree>
-      <p:nvGrpSpPr>
-        <p:cNvPr id="1" name=""/>
-        <p:cNvGrpSpPr/>
-        <p:nvPr/>
-      </p:nvGrpSpPr>
-      <p:grpSpPr>
-        <a:xfrm>
-          <a:off x="0" y="0"/>
-          <a:ext cx="0" cy="0"/>
-          <a:chOff x="0" y="0"/>
-          <a:chExt cx="0" cy="0"/>
-        </a:xfrm>
-      </p:grpSpPr>
-      <p:sp>
-        <p:nvSpPr>
           <p:cNvPr id="2" name="標題 1"/>
           <p:cNvSpPr>
             <a:spLocks noGrp="1"/>
@@ -23151,7 +21711,7 @@
 </p:sld>
 </file>
 
-<file path=ppt/slides/slide9.xml><?xml version="1.0" encoding="utf-8"?>
+<file path=ppt/slides/slide11.xml><?xml version="1.0" encoding="utf-8"?>
 <p:sld xmlns:a="http://schemas.openxmlformats.org/drawingml/2006/main" xmlns:r="http://schemas.openxmlformats.org/officeDocument/2006/relationships" xmlns:p="http://schemas.openxmlformats.org/presentationml/2006/main">
   <p:cSld>
     <p:spTree>
@@ -23200,7 +21760,7 @@
           <p:cNvPr id="7" name="圖片 6">
             <a:extLst>
               <a:ext uri="{FF2B5EF4-FFF2-40B4-BE49-F238E27FC236}">
-                <a16:creationId xmlns:a16="http://schemas.microsoft.com/office/drawing/2014/main" id="{2005B5F8-125A-4345-A710-9858BFD105D4}"/>
+                <a16:creationId xmlns:a16="http://schemas.microsoft.com/office/drawing/2014/main" xmlns="" id="{2005B5F8-125A-4345-A710-9858BFD105D4}"/>
               </a:ext>
             </a:extLst>
           </p:cNvPr>
@@ -23229,6 +21789,1832 @@
     <p:extLst>
       <p:ext uri="{BB962C8B-B14F-4D97-AF65-F5344CB8AC3E}">
         <p14:creationId xmlns:p14="http://schemas.microsoft.com/office/powerpoint/2010/main" val="3626421679"/>
+      </p:ext>
+    </p:extLst>
+  </p:cSld>
+  <p:clrMapOvr>
+    <a:masterClrMapping/>
+  </p:clrMapOvr>
+</p:sld>
+</file>
+
+<file path=ppt/slides/slide12.xml><?xml version="1.0" encoding="utf-8"?>
+<p:sld xmlns:a="http://schemas.openxmlformats.org/drawingml/2006/main" xmlns:r="http://schemas.openxmlformats.org/officeDocument/2006/relationships" xmlns:p="http://schemas.openxmlformats.org/presentationml/2006/main">
+  <p:cSld>
+    <p:spTree>
+      <p:nvGrpSpPr>
+        <p:cNvPr id="1" name=""/>
+        <p:cNvGrpSpPr/>
+        <p:nvPr/>
+      </p:nvGrpSpPr>
+      <p:grpSpPr>
+        <a:xfrm>
+          <a:off x="0" y="0"/>
+          <a:ext cx="0" cy="0"/>
+          <a:chOff x="0" y="0"/>
+          <a:chExt cx="0" cy="0"/>
+        </a:xfrm>
+      </p:grpSpPr>
+      <p:sp>
+        <p:nvSpPr>
+          <p:cNvPr id="2" name="標題 1">
+            <a:extLst>
+              <a:ext uri="{FF2B5EF4-FFF2-40B4-BE49-F238E27FC236}">
+                <a16:creationId xmlns:a16="http://schemas.microsoft.com/office/drawing/2014/main" xmlns="" id="{2E658FA8-3BC4-4B20-BFA1-E4C2BD6C55E7}"/>
+              </a:ext>
+            </a:extLst>
+          </p:cNvPr>
+          <p:cNvSpPr>
+            <a:spLocks noGrp="1"/>
+          </p:cNvSpPr>
+          <p:nvPr>
+            <p:ph type="title"/>
+          </p:nvPr>
+        </p:nvSpPr>
+        <p:spPr/>
+        <p:txBody>
+          <a:bodyPr/>
+          <a:lstStyle/>
+          <a:p>
+            <a:r>
+              <a:rPr lang="zh-TW" altLang="en-US" dirty="0"/>
+              <a:t>修改</a:t>
+            </a:r>
+            <a:r>
+              <a:rPr lang="en-US" altLang="zh-TW" dirty="0" err="1"/>
+              <a:t>Package.json</a:t>
+            </a:r>
+            <a:endParaRPr lang="zh-TW" altLang="en-US" dirty="0"/>
+          </a:p>
+        </p:txBody>
+      </p:sp>
+      <p:pic>
+        <p:nvPicPr>
+          <p:cNvPr id="5" name="圖片 4">
+            <a:extLst>
+              <a:ext uri="{FF2B5EF4-FFF2-40B4-BE49-F238E27FC236}">
+                <a16:creationId xmlns:a16="http://schemas.microsoft.com/office/drawing/2014/main" xmlns="" id="{AB798848-A9C9-445A-AFDF-8A0F7C628361}"/>
+              </a:ext>
+            </a:extLst>
+          </p:cNvPr>
+          <p:cNvPicPr>
+            <a:picLocks noChangeAspect="1"/>
+          </p:cNvPicPr>
+          <p:nvPr/>
+        </p:nvPicPr>
+        <p:blipFill>
+          <a:blip r:embed="rId3"/>
+          <a:stretch>
+            <a:fillRect/>
+          </a:stretch>
+        </p:blipFill>
+        <p:spPr>
+          <a:xfrm>
+            <a:off x="2996352" y="4429328"/>
+            <a:ext cx="5116282" cy="1530248"/>
+          </a:xfrm>
+          <a:prstGeom prst="rect">
+            <a:avLst/>
+          </a:prstGeom>
+        </p:spPr>
+      </p:pic>
+      <p:pic>
+        <p:nvPicPr>
+          <p:cNvPr id="7" name="圖片 6">
+            <a:extLst>
+              <a:ext uri="{FF2B5EF4-FFF2-40B4-BE49-F238E27FC236}">
+                <a16:creationId xmlns:a16="http://schemas.microsoft.com/office/drawing/2014/main" xmlns="" id="{1CB63CA9-3D9A-4D58-A05F-62A9D61C9583}"/>
+              </a:ext>
+            </a:extLst>
+          </p:cNvPr>
+          <p:cNvPicPr>
+            <a:picLocks noChangeAspect="1"/>
+          </p:cNvPicPr>
+          <p:nvPr/>
+        </p:nvPicPr>
+        <p:blipFill>
+          <a:blip r:embed="rId4"/>
+          <a:stretch>
+            <a:fillRect/>
+          </a:stretch>
+        </p:blipFill>
+        <p:spPr>
+          <a:xfrm>
+            <a:off x="2988907" y="2286000"/>
+            <a:ext cx="5106876" cy="1228928"/>
+          </a:xfrm>
+          <a:prstGeom prst="rect">
+            <a:avLst/>
+          </a:prstGeom>
+        </p:spPr>
+      </p:pic>
+      <p:sp>
+        <p:nvSpPr>
+          <p:cNvPr id="8" name="箭號: 向下 7">
+            <a:extLst>
+              <a:ext uri="{FF2B5EF4-FFF2-40B4-BE49-F238E27FC236}">
+                <a16:creationId xmlns:a16="http://schemas.microsoft.com/office/drawing/2014/main" xmlns="" id="{65F0611E-4BF6-4747-82D4-D1E4811C268A}"/>
+              </a:ext>
+            </a:extLst>
+          </p:cNvPr>
+          <p:cNvSpPr/>
+          <p:nvPr/>
+        </p:nvSpPr>
+        <p:spPr>
+          <a:xfrm>
+            <a:off x="5181600" y="3638145"/>
+            <a:ext cx="745787" cy="667966"/>
+          </a:xfrm>
+          <a:prstGeom prst="downArrow">
+            <a:avLst/>
+          </a:prstGeom>
+        </p:spPr>
+        <p:style>
+          <a:lnRef idx="2">
+            <a:schemeClr val="accent1">
+              <a:shade val="50000"/>
+            </a:schemeClr>
+          </a:lnRef>
+          <a:fillRef idx="1">
+            <a:schemeClr val="accent1"/>
+          </a:fillRef>
+          <a:effectRef idx="0">
+            <a:schemeClr val="accent1"/>
+          </a:effectRef>
+          <a:fontRef idx="minor">
+            <a:schemeClr val="lt1"/>
+          </a:fontRef>
+        </p:style>
+        <p:txBody>
+          <a:bodyPr rtlCol="0" anchor="ctr"/>
+          <a:lstStyle/>
+          <a:p>
+            <a:pPr algn="ctr"/>
+            <a:endParaRPr lang="zh-TW" altLang="en-US"/>
+          </a:p>
+        </p:txBody>
+      </p:sp>
+    </p:spTree>
+    <p:extLst>
+      <p:ext uri="{BB962C8B-B14F-4D97-AF65-F5344CB8AC3E}">
+        <p14:creationId xmlns:p14="http://schemas.microsoft.com/office/powerpoint/2010/main" val="3159476945"/>
+      </p:ext>
+    </p:extLst>
+  </p:cSld>
+  <p:clrMapOvr>
+    <a:masterClrMapping/>
+  </p:clrMapOvr>
+</p:sld>
+</file>
+
+<file path=ppt/slides/slide13.xml><?xml version="1.0" encoding="utf-8"?>
+<p:sld xmlns:a="http://schemas.openxmlformats.org/drawingml/2006/main" xmlns:r="http://schemas.openxmlformats.org/officeDocument/2006/relationships" xmlns:p="http://schemas.openxmlformats.org/presentationml/2006/main">
+  <p:cSld>
+    <p:spTree>
+      <p:nvGrpSpPr>
+        <p:cNvPr id="1" name=""/>
+        <p:cNvGrpSpPr/>
+        <p:nvPr/>
+      </p:nvGrpSpPr>
+      <p:grpSpPr>
+        <a:xfrm>
+          <a:off x="0" y="0"/>
+          <a:ext cx="0" cy="0"/>
+          <a:chOff x="0" y="0"/>
+          <a:chExt cx="0" cy="0"/>
+        </a:xfrm>
+      </p:grpSpPr>
+      <p:sp>
+        <p:nvSpPr>
+          <p:cNvPr id="2" name="標題 1"/>
+          <p:cNvSpPr>
+            <a:spLocks noGrp="1"/>
+          </p:cNvSpPr>
+          <p:nvPr>
+            <p:ph type="title"/>
+          </p:nvPr>
+        </p:nvSpPr>
+        <p:spPr/>
+        <p:txBody>
+          <a:bodyPr/>
+          <a:lstStyle/>
+          <a:p>
+            <a:r>
+              <a:rPr lang="zh-TW" altLang="en-US" dirty="0"/>
+              <a:t>建立</a:t>
+            </a:r>
+            <a:r>
+              <a:rPr lang="en-US" altLang="zh-TW" dirty="0" err="1"/>
+              <a:t>Heroku</a:t>
+            </a:r>
+            <a:r>
+              <a:rPr lang="zh-TW" altLang="en-US" dirty="0"/>
+              <a:t> </a:t>
+            </a:r>
+            <a:r>
+              <a:rPr lang="en-US" altLang="zh-TW" dirty="0"/>
+              <a:t>App</a:t>
+            </a:r>
+            <a:endParaRPr lang="zh-TW" altLang="en-US" dirty="0"/>
+          </a:p>
+        </p:txBody>
+      </p:sp>
+      <p:sp>
+        <p:nvSpPr>
+          <p:cNvPr id="3" name="內容版面配置區 2"/>
+          <p:cNvSpPr>
+            <a:spLocks noGrp="1"/>
+          </p:cNvSpPr>
+          <p:nvPr>
+            <p:ph idx="1"/>
+          </p:nvPr>
+        </p:nvSpPr>
+        <p:spPr>
+          <a:xfrm>
+            <a:off x="838200" y="1825625"/>
+            <a:ext cx="4413738" cy="4351338"/>
+          </a:xfrm>
+        </p:spPr>
+        <p:txBody>
+          <a:bodyPr/>
+          <a:lstStyle/>
+          <a:p>
+            <a:r>
+              <a:rPr lang="en-US" altLang="zh-TW" dirty="0"/>
+              <a:t>This name should only contain lowercase letters, numbers, and dashes.</a:t>
+            </a:r>
+            <a:endParaRPr lang="zh-TW" altLang="en-US" dirty="0"/>
+          </a:p>
+        </p:txBody>
+      </p:sp>
+      <p:pic>
+        <p:nvPicPr>
+          <p:cNvPr id="5" name="圖片 4"/>
+          <p:cNvPicPr>
+            <a:picLocks noChangeAspect="1"/>
+          </p:cNvPicPr>
+          <p:nvPr/>
+        </p:nvPicPr>
+        <p:blipFill>
+          <a:blip r:embed="rId2"/>
+          <a:stretch>
+            <a:fillRect/>
+          </a:stretch>
+        </p:blipFill>
+        <p:spPr>
+          <a:xfrm>
+            <a:off x="5629454" y="1825625"/>
+            <a:ext cx="5997460" cy="3650296"/>
+          </a:xfrm>
+          <a:prstGeom prst="rect">
+            <a:avLst/>
+          </a:prstGeom>
+        </p:spPr>
+      </p:pic>
+    </p:spTree>
+    <p:extLst>
+      <p:ext uri="{BB962C8B-B14F-4D97-AF65-F5344CB8AC3E}">
+        <p14:creationId xmlns:p14="http://schemas.microsoft.com/office/powerpoint/2010/main" val="1783651677"/>
+      </p:ext>
+    </p:extLst>
+  </p:cSld>
+  <p:clrMapOvr>
+    <a:masterClrMapping/>
+  </p:clrMapOvr>
+</p:sld>
+</file>
+
+<file path=ppt/slides/slide14.xml><?xml version="1.0" encoding="utf-8"?>
+<p:sld xmlns:a="http://schemas.openxmlformats.org/drawingml/2006/main" xmlns:r="http://schemas.openxmlformats.org/officeDocument/2006/relationships" xmlns:p="http://schemas.openxmlformats.org/presentationml/2006/main">
+  <p:cSld>
+    <p:spTree>
+      <p:nvGrpSpPr>
+        <p:cNvPr id="1" name=""/>
+        <p:cNvGrpSpPr/>
+        <p:nvPr/>
+      </p:nvGrpSpPr>
+      <p:grpSpPr>
+        <a:xfrm>
+          <a:off x="0" y="0"/>
+          <a:ext cx="0" cy="0"/>
+          <a:chOff x="0" y="0"/>
+          <a:chExt cx="0" cy="0"/>
+        </a:xfrm>
+      </p:grpSpPr>
+      <p:sp>
+        <p:nvSpPr>
+          <p:cNvPr id="2" name="標題 1"/>
+          <p:cNvSpPr>
+            <a:spLocks noGrp="1"/>
+          </p:cNvSpPr>
+          <p:nvPr>
+            <p:ph type="title"/>
+          </p:nvPr>
+        </p:nvSpPr>
+        <p:spPr/>
+        <p:txBody>
+          <a:bodyPr/>
+          <a:lstStyle/>
+          <a:p>
+            <a:r>
+              <a:rPr lang="zh-TW" altLang="en-US" dirty="0"/>
+              <a:t>下載</a:t>
+            </a:r>
+            <a:r>
+              <a:rPr lang="en-US" altLang="zh-TW" dirty="0" err="1"/>
+              <a:t>Heroku</a:t>
+            </a:r>
+            <a:r>
+              <a:rPr lang="en-US" altLang="zh-TW" dirty="0"/>
+              <a:t>-cli</a:t>
+            </a:r>
+            <a:endParaRPr lang="zh-TW" altLang="en-US" dirty="0"/>
+          </a:p>
+        </p:txBody>
+      </p:sp>
+      <p:sp>
+        <p:nvSpPr>
+          <p:cNvPr id="3" name="內容版面配置區 2"/>
+          <p:cNvSpPr>
+            <a:spLocks noGrp="1"/>
+          </p:cNvSpPr>
+          <p:nvPr>
+            <p:ph idx="1"/>
+          </p:nvPr>
+        </p:nvSpPr>
+        <p:spPr/>
+        <p:txBody>
+          <a:bodyPr/>
+          <a:lstStyle/>
+          <a:p>
+            <a:r>
+              <a:rPr lang="en-US" altLang="zh-TW" dirty="0">
+                <a:hlinkClick r:id="rId3"/>
+              </a:rPr>
+              <a:t>https://devcenter.heroku.com/articles/heroku-cli</a:t>
+            </a:r>
+            <a:endParaRPr lang="en-US" altLang="zh-TW" dirty="0"/>
+          </a:p>
+          <a:p>
+            <a:endParaRPr lang="zh-TW" altLang="en-US" dirty="0"/>
+          </a:p>
+        </p:txBody>
+      </p:sp>
+      <p:pic>
+        <p:nvPicPr>
+          <p:cNvPr id="4" name="圖片 3"/>
+          <p:cNvPicPr>
+            <a:picLocks noChangeAspect="1"/>
+          </p:cNvPicPr>
+          <p:nvPr/>
+        </p:nvPicPr>
+        <p:blipFill>
+          <a:blip r:embed="rId4"/>
+          <a:stretch>
+            <a:fillRect/>
+          </a:stretch>
+        </p:blipFill>
+        <p:spPr>
+          <a:xfrm>
+            <a:off x="838200" y="2395961"/>
+            <a:ext cx="4626278" cy="3210666"/>
+          </a:xfrm>
+          <a:prstGeom prst="rect">
+            <a:avLst/>
+          </a:prstGeom>
+        </p:spPr>
+      </p:pic>
+      <p:pic>
+        <p:nvPicPr>
+          <p:cNvPr id="5" name="圖片 4"/>
+          <p:cNvPicPr>
+            <a:picLocks noChangeAspect="1"/>
+          </p:cNvPicPr>
+          <p:nvPr/>
+        </p:nvPicPr>
+        <p:blipFill>
+          <a:blip r:embed="rId5"/>
+          <a:stretch>
+            <a:fillRect/>
+          </a:stretch>
+        </p:blipFill>
+        <p:spPr>
+          <a:xfrm>
+            <a:off x="5244746" y="3303244"/>
+            <a:ext cx="6947254" cy="1396099"/>
+          </a:xfrm>
+          <a:prstGeom prst="rect">
+            <a:avLst/>
+          </a:prstGeom>
+        </p:spPr>
+      </p:pic>
+    </p:spTree>
+    <p:extLst>
+      <p:ext uri="{BB962C8B-B14F-4D97-AF65-F5344CB8AC3E}">
+        <p14:creationId xmlns:p14="http://schemas.microsoft.com/office/powerpoint/2010/main" val="2662892143"/>
+      </p:ext>
+    </p:extLst>
+  </p:cSld>
+  <p:clrMapOvr>
+    <a:masterClrMapping/>
+  </p:clrMapOvr>
+</p:sld>
+</file>
+
+<file path=ppt/slides/slide15.xml><?xml version="1.0" encoding="utf-8"?>
+<p:sld xmlns:a="http://schemas.openxmlformats.org/drawingml/2006/main" xmlns:r="http://schemas.openxmlformats.org/officeDocument/2006/relationships" xmlns:p="http://schemas.openxmlformats.org/presentationml/2006/main">
+  <p:cSld>
+    <p:spTree>
+      <p:nvGrpSpPr>
+        <p:cNvPr id="1" name=""/>
+        <p:cNvGrpSpPr/>
+        <p:nvPr/>
+      </p:nvGrpSpPr>
+      <p:grpSpPr>
+        <a:xfrm>
+          <a:off x="0" y="0"/>
+          <a:ext cx="0" cy="0"/>
+          <a:chOff x="0" y="0"/>
+          <a:chExt cx="0" cy="0"/>
+        </a:xfrm>
+      </p:grpSpPr>
+      <p:sp>
+        <p:nvSpPr>
+          <p:cNvPr id="2" name="標題 1"/>
+          <p:cNvSpPr>
+            <a:spLocks noGrp="1"/>
+          </p:cNvSpPr>
+          <p:nvPr>
+            <p:ph type="title"/>
+          </p:nvPr>
+        </p:nvSpPr>
+        <p:spPr/>
+        <p:txBody>
+          <a:bodyPr/>
+          <a:lstStyle/>
+          <a:p>
+            <a:r>
+              <a:rPr lang="zh-TW" altLang="en-US" dirty="0"/>
+              <a:t>上傳專案至</a:t>
+            </a:r>
+            <a:r>
+              <a:rPr lang="en-US" altLang="zh-TW" dirty="0" err="1"/>
+              <a:t>Heroku</a:t>
+            </a:r>
+            <a:r>
+              <a:rPr lang="zh-TW" altLang="en-US" dirty="0"/>
+              <a:t> </a:t>
+            </a:r>
+          </a:p>
+        </p:txBody>
+      </p:sp>
+      <p:sp>
+        <p:nvSpPr>
+          <p:cNvPr id="3" name="內容版面配置區 2"/>
+          <p:cNvSpPr>
+            <a:spLocks noGrp="1"/>
+          </p:cNvSpPr>
+          <p:nvPr>
+            <p:ph idx="1"/>
+          </p:nvPr>
+        </p:nvSpPr>
+        <p:spPr/>
+        <p:txBody>
+          <a:bodyPr/>
+          <a:lstStyle/>
+          <a:p>
+            <a:r>
+              <a:rPr lang="en-US" altLang="zh-TW" dirty="0" err="1"/>
+              <a:t>heroku</a:t>
+            </a:r>
+            <a:r>
+              <a:rPr lang="en-US" altLang="zh-TW" dirty="0"/>
+              <a:t> login</a:t>
+            </a:r>
+          </a:p>
+          <a:p>
+            <a:pPr lvl="1"/>
+            <a:r>
+              <a:rPr lang="zh-TW" altLang="en-US" dirty="0"/>
+              <a:t>登入</a:t>
+            </a:r>
+            <a:r>
+              <a:rPr lang="en-US" altLang="zh-TW" dirty="0" err="1"/>
+              <a:t>heroku</a:t>
+            </a:r>
+            <a:r>
+              <a:rPr lang="zh-TW" altLang="en-US" dirty="0"/>
+              <a:t> </a:t>
+            </a:r>
+            <a:r>
+              <a:rPr lang="en-US" altLang="zh-TW" dirty="0"/>
+              <a:t>(</a:t>
+            </a:r>
+            <a:r>
+              <a:rPr lang="zh-TW" altLang="en-US" dirty="0"/>
+              <a:t>每次重開機</a:t>
+            </a:r>
+            <a:r>
+              <a:rPr lang="en-US" altLang="zh-TW" dirty="0"/>
+              <a:t>)</a:t>
+            </a:r>
+          </a:p>
+          <a:p>
+            <a:pPr lvl="1"/>
+            <a:endParaRPr lang="en-US" altLang="zh-TW" dirty="0"/>
+          </a:p>
+          <a:p>
+            <a:r>
+              <a:rPr lang="en-US" altLang="zh-TW" dirty="0" err="1"/>
+              <a:t>heroku</a:t>
+            </a:r>
+            <a:r>
+              <a:rPr lang="en-US" altLang="zh-TW" dirty="0"/>
+              <a:t> </a:t>
+            </a:r>
+            <a:r>
+              <a:rPr lang="en-US" altLang="zh-TW" dirty="0" err="1"/>
+              <a:t>git:remote</a:t>
+            </a:r>
+            <a:r>
+              <a:rPr lang="en-US" altLang="zh-TW" dirty="0"/>
+              <a:t> -a </a:t>
+            </a:r>
+            <a:r>
+              <a:rPr lang="en-US" altLang="zh-TW" dirty="0" err="1"/>
+              <a:t>herokuApp</a:t>
+            </a:r>
+            <a:r>
+              <a:rPr lang="zh-TW" altLang="en-US" dirty="0"/>
+              <a:t>名稱</a:t>
+            </a:r>
+            <a:endParaRPr lang="en-US" altLang="zh-TW" dirty="0"/>
+          </a:p>
+          <a:p>
+            <a:pPr lvl="1"/>
+            <a:r>
+              <a:rPr lang="zh-TW" altLang="en-US" dirty="0"/>
+              <a:t>連接</a:t>
+            </a:r>
+            <a:r>
+              <a:rPr lang="en-US" altLang="zh-TW" dirty="0" err="1"/>
+              <a:t>Heroku</a:t>
+            </a:r>
+            <a:r>
+              <a:rPr lang="zh-TW" altLang="en-US" dirty="0"/>
+              <a:t>專案與</a:t>
+            </a:r>
+            <a:r>
+              <a:rPr lang="en-US" altLang="zh-TW" dirty="0" err="1"/>
+              <a:t>Git</a:t>
+            </a:r>
+            <a:r>
+              <a:rPr lang="zh-TW" altLang="en-US" dirty="0"/>
+              <a:t> </a:t>
+            </a:r>
+            <a:r>
+              <a:rPr lang="en-US" altLang="zh-TW" dirty="0"/>
+              <a:t>(1</a:t>
+            </a:r>
+            <a:r>
+              <a:rPr lang="zh-TW" altLang="en-US" dirty="0"/>
+              <a:t>次</a:t>
+            </a:r>
+            <a:r>
+              <a:rPr lang="en-US" altLang="zh-TW" dirty="0"/>
+              <a:t>)</a:t>
+            </a:r>
+          </a:p>
+          <a:p>
+            <a:pPr lvl="1"/>
+            <a:endParaRPr lang="en-US" altLang="zh-TW" dirty="0"/>
+          </a:p>
+          <a:p>
+            <a:r>
+              <a:rPr lang="en-US" altLang="zh-TW" dirty="0"/>
+              <a:t>git push </a:t>
+            </a:r>
+            <a:r>
+              <a:rPr lang="en-US" altLang="zh-TW" dirty="0" err="1"/>
+              <a:t>heroku</a:t>
+            </a:r>
+            <a:r>
+              <a:rPr lang="en-US" altLang="zh-TW" dirty="0"/>
+              <a:t> </a:t>
+            </a:r>
+            <a:r>
+              <a:rPr lang="en-US" altLang="zh-TW" dirty="0" err="1"/>
+              <a:t>HEAD:master</a:t>
+            </a:r>
+            <a:endParaRPr lang="en-US" altLang="zh-TW" dirty="0"/>
+          </a:p>
+          <a:p>
+            <a:pPr lvl="1"/>
+            <a:r>
+              <a:rPr lang="en-US" altLang="zh-TW" dirty="0"/>
+              <a:t>push</a:t>
+            </a:r>
+            <a:r>
+              <a:rPr lang="zh-TW" altLang="en-US" dirty="0"/>
+              <a:t> </a:t>
+            </a:r>
+            <a:r>
+              <a:rPr lang="en-US" altLang="zh-TW" dirty="0"/>
+              <a:t>master</a:t>
+            </a:r>
+            <a:r>
+              <a:rPr lang="zh-TW" altLang="en-US" dirty="0"/>
+              <a:t>到</a:t>
+            </a:r>
+            <a:r>
+              <a:rPr lang="en-US" altLang="zh-TW" dirty="0" err="1"/>
+              <a:t>heroku</a:t>
+            </a:r>
+            <a:r>
+              <a:rPr lang="zh-TW" altLang="en-US" dirty="0"/>
+              <a:t> </a:t>
+            </a:r>
+            <a:r>
+              <a:rPr lang="en-US" altLang="zh-TW" dirty="0"/>
+              <a:t>(push</a:t>
+            </a:r>
+            <a:r>
+              <a:rPr lang="zh-TW" altLang="en-US" dirty="0"/>
+              <a:t>新專案</a:t>
+            </a:r>
+            <a:r>
+              <a:rPr lang="en-US" altLang="zh-TW" dirty="0"/>
+              <a:t>)</a:t>
+            </a:r>
+          </a:p>
+        </p:txBody>
+      </p:sp>
+    </p:spTree>
+    <p:extLst>
+      <p:ext uri="{BB962C8B-B14F-4D97-AF65-F5344CB8AC3E}">
+        <p14:creationId xmlns:p14="http://schemas.microsoft.com/office/powerpoint/2010/main" val="2918132142"/>
+      </p:ext>
+    </p:extLst>
+  </p:cSld>
+  <p:clrMapOvr>
+    <a:masterClrMapping/>
+  </p:clrMapOvr>
+</p:sld>
+</file>
+
+<file path=ppt/slides/slide16.xml><?xml version="1.0" encoding="utf-8"?>
+<p:sld xmlns:a="http://schemas.openxmlformats.org/drawingml/2006/main" xmlns:r="http://schemas.openxmlformats.org/officeDocument/2006/relationships" xmlns:p="http://schemas.openxmlformats.org/presentationml/2006/main">
+  <p:cSld>
+    <p:spTree>
+      <p:nvGrpSpPr>
+        <p:cNvPr id="1" name=""/>
+        <p:cNvGrpSpPr/>
+        <p:nvPr/>
+      </p:nvGrpSpPr>
+      <p:grpSpPr>
+        <a:xfrm>
+          <a:off x="0" y="0"/>
+          <a:ext cx="0" cy="0"/>
+          <a:chOff x="0" y="0"/>
+          <a:chExt cx="0" cy="0"/>
+        </a:xfrm>
+      </p:grpSpPr>
+      <p:sp>
+        <p:nvSpPr>
+          <p:cNvPr id="2" name="標題 1"/>
+          <p:cNvSpPr>
+            <a:spLocks noGrp="1"/>
+          </p:cNvSpPr>
+          <p:nvPr>
+            <p:ph type="title"/>
+          </p:nvPr>
+        </p:nvSpPr>
+        <p:spPr/>
+        <p:txBody>
+          <a:bodyPr/>
+          <a:lstStyle/>
+          <a:p>
+            <a:r>
+              <a:rPr lang="zh-TW" altLang="en-US" dirty="0"/>
+              <a:t>上傳專案至</a:t>
+            </a:r>
+            <a:r>
+              <a:rPr lang="en-US" altLang="zh-TW" dirty="0"/>
+              <a:t>Heroku</a:t>
+            </a:r>
+            <a:r>
+              <a:rPr lang="zh-TW" altLang="en-US" dirty="0"/>
+              <a:t> </a:t>
+            </a:r>
+          </a:p>
+        </p:txBody>
+      </p:sp>
+      <p:sp>
+        <p:nvSpPr>
+          <p:cNvPr id="3" name="內容版面配置區 2"/>
+          <p:cNvSpPr>
+            <a:spLocks noGrp="1"/>
+          </p:cNvSpPr>
+          <p:nvPr>
+            <p:ph idx="1"/>
+          </p:nvPr>
+        </p:nvSpPr>
+        <p:spPr/>
+        <p:txBody>
+          <a:bodyPr/>
+          <a:lstStyle/>
+          <a:p>
+            <a:r>
+              <a:rPr lang="en-US" altLang="zh-TW" dirty="0"/>
+              <a:t>1. </a:t>
+            </a:r>
+            <a:r>
+              <a:rPr lang="en-US" altLang="zh-TW" dirty="0" err="1"/>
+              <a:t>heroku</a:t>
+            </a:r>
+            <a:r>
+              <a:rPr lang="en-US" altLang="zh-TW" dirty="0"/>
+              <a:t> open</a:t>
+            </a:r>
+          </a:p>
+          <a:p>
+            <a:r>
+              <a:rPr lang="en-US" altLang="zh-TW" dirty="0"/>
+              <a:t>2. </a:t>
+            </a:r>
+            <a:r>
+              <a:rPr lang="en-US" altLang="zh-TW" dirty="0" err="1"/>
+              <a:t>Heroku</a:t>
+            </a:r>
+            <a:r>
+              <a:rPr lang="zh-TW" altLang="en-US" dirty="0"/>
+              <a:t>網頁</a:t>
+            </a:r>
+            <a:r>
+              <a:rPr lang="en-US" altLang="zh-TW" dirty="0"/>
+              <a:t>, App&gt;setting&gt;domain</a:t>
+            </a:r>
+          </a:p>
+          <a:p>
+            <a:endParaRPr lang="zh-TW" altLang="en-US" dirty="0"/>
+          </a:p>
+        </p:txBody>
+      </p:sp>
+      <p:pic>
+        <p:nvPicPr>
+          <p:cNvPr id="4" name="圖片 3"/>
+          <p:cNvPicPr>
+            <a:picLocks noChangeAspect="1"/>
+          </p:cNvPicPr>
+          <p:nvPr/>
+        </p:nvPicPr>
+        <p:blipFill>
+          <a:blip r:embed="rId2"/>
+          <a:stretch>
+            <a:fillRect/>
+          </a:stretch>
+        </p:blipFill>
+        <p:spPr>
+          <a:xfrm>
+            <a:off x="1621137" y="3238457"/>
+            <a:ext cx="7932278" cy="1337479"/>
+          </a:xfrm>
+          <a:prstGeom prst="rect">
+            <a:avLst/>
+          </a:prstGeom>
+        </p:spPr>
+      </p:pic>
+      <p:pic>
+        <p:nvPicPr>
+          <p:cNvPr id="5" name="圖片 4"/>
+          <p:cNvPicPr>
+            <a:picLocks noChangeAspect="1"/>
+          </p:cNvPicPr>
+          <p:nvPr/>
+        </p:nvPicPr>
+        <p:blipFill>
+          <a:blip r:embed="rId3"/>
+          <a:stretch>
+            <a:fillRect/>
+          </a:stretch>
+        </p:blipFill>
+        <p:spPr>
+          <a:xfrm>
+            <a:off x="0" y="4575936"/>
+            <a:ext cx="12192000" cy="1252603"/>
+          </a:xfrm>
+          <a:prstGeom prst="rect">
+            <a:avLst/>
+          </a:prstGeom>
+        </p:spPr>
+      </p:pic>
+    </p:spTree>
+    <p:extLst>
+      <p:ext uri="{BB962C8B-B14F-4D97-AF65-F5344CB8AC3E}">
+        <p14:creationId xmlns:p14="http://schemas.microsoft.com/office/powerpoint/2010/main" val="3506411360"/>
+      </p:ext>
+    </p:extLst>
+  </p:cSld>
+  <p:clrMapOvr>
+    <a:masterClrMapping/>
+  </p:clrMapOvr>
+</p:sld>
+</file>
+
+<file path=ppt/slides/slide17.xml><?xml version="1.0" encoding="utf-8"?>
+<p:sld xmlns:a="http://schemas.openxmlformats.org/drawingml/2006/main" xmlns:r="http://schemas.openxmlformats.org/officeDocument/2006/relationships" xmlns:p="http://schemas.openxmlformats.org/presentationml/2006/main">
+  <p:cSld>
+    <p:spTree>
+      <p:nvGrpSpPr>
+        <p:cNvPr id="1" name=""/>
+        <p:cNvGrpSpPr/>
+        <p:nvPr/>
+      </p:nvGrpSpPr>
+      <p:grpSpPr>
+        <a:xfrm>
+          <a:off x="0" y="0"/>
+          <a:ext cx="0" cy="0"/>
+          <a:chOff x="0" y="0"/>
+          <a:chExt cx="0" cy="0"/>
+        </a:xfrm>
+      </p:grpSpPr>
+      <p:sp>
+        <p:nvSpPr>
+          <p:cNvPr id="2" name="標題 1"/>
+          <p:cNvSpPr>
+            <a:spLocks noGrp="1"/>
+          </p:cNvSpPr>
+          <p:nvPr>
+            <p:ph type="title"/>
+          </p:nvPr>
+        </p:nvSpPr>
+        <p:spPr/>
+        <p:txBody>
+          <a:bodyPr/>
+          <a:lstStyle/>
+          <a:p>
+            <a:r>
+              <a:rPr lang="zh-TW" altLang="en-US" dirty="0"/>
+              <a:t>參考資料</a:t>
+            </a:r>
+          </a:p>
+        </p:txBody>
+      </p:sp>
+      <p:sp>
+        <p:nvSpPr>
+          <p:cNvPr id="3" name="內容版面配置區 2"/>
+          <p:cNvSpPr>
+            <a:spLocks noGrp="1"/>
+          </p:cNvSpPr>
+          <p:nvPr>
+            <p:ph idx="1"/>
+          </p:nvPr>
+        </p:nvSpPr>
+        <p:spPr/>
+        <p:txBody>
+          <a:bodyPr>
+            <a:normAutofit/>
+          </a:bodyPr>
+          <a:lstStyle/>
+          <a:p>
+            <a:r>
+              <a:rPr lang="en-US" altLang="zh-TW" dirty="0">
+                <a:hlinkClick r:id="rId2"/>
+              </a:rPr>
+              <a:t>https://jasonwatmore.com/post/2017/09/16/react-redux-user-registration-and-login-tutorial-example#projectstructure</a:t>
+            </a:r>
+            <a:endParaRPr lang="en-US" altLang="zh-TW" dirty="0"/>
+          </a:p>
+          <a:p>
+            <a:endParaRPr lang="en-US" altLang="zh-TW" dirty="0"/>
+          </a:p>
+          <a:p>
+            <a:r>
+              <a:rPr lang="en-US" altLang="zh-TW" dirty="0">
+                <a:hlinkClick r:id="rId3"/>
+              </a:rPr>
+              <a:t>https://</a:t>
+            </a:r>
+            <a:r>
+              <a:rPr lang="en-US" altLang="zh-TW" dirty="0" smtClean="0">
+                <a:hlinkClick r:id="rId3"/>
+              </a:rPr>
+              <a:t>codeburst.io/deploy-your-webpack-apps-to-heroku-in-3-simple-steps-4ae072af93a8</a:t>
+            </a:r>
+            <a:endParaRPr lang="en-US" altLang="zh-TW" dirty="0" smtClean="0"/>
+          </a:p>
+          <a:p>
+            <a:endParaRPr lang="en-US" altLang="zh-TW" dirty="0"/>
+          </a:p>
+          <a:p>
+            <a:r>
+              <a:rPr lang="en-US" altLang="zh-TW" dirty="0">
+                <a:hlinkClick r:id="rId4"/>
+              </a:rPr>
+              <a:t>https://</a:t>
+            </a:r>
+            <a:r>
+              <a:rPr lang="en-US" altLang="zh-TW" dirty="0" smtClean="0">
+                <a:hlinkClick r:id="rId4"/>
+              </a:rPr>
+              <a:t>codepen.io/abachuk/pen/dXYrpr</a:t>
+            </a:r>
+            <a:endParaRPr lang="en-US" altLang="zh-TW" dirty="0" smtClean="0"/>
+          </a:p>
+          <a:p>
+            <a:endParaRPr lang="en-US" altLang="zh-TW" dirty="0"/>
+          </a:p>
+          <a:p>
+            <a:endParaRPr lang="en-US" altLang="zh-TW" dirty="0"/>
+          </a:p>
+          <a:p>
+            <a:endParaRPr lang="en-US" altLang="zh-TW" dirty="0"/>
+          </a:p>
+          <a:p>
+            <a:endParaRPr lang="zh-TW" altLang="en-US" dirty="0"/>
+          </a:p>
+        </p:txBody>
+      </p:sp>
+    </p:spTree>
+    <p:extLst>
+      <p:ext uri="{BB962C8B-B14F-4D97-AF65-F5344CB8AC3E}">
+        <p14:creationId xmlns:p14="http://schemas.microsoft.com/office/powerpoint/2010/main" val="2205693101"/>
+      </p:ext>
+    </p:extLst>
+  </p:cSld>
+  <p:clrMapOvr>
+    <a:masterClrMapping/>
+  </p:clrMapOvr>
+</p:sld>
+</file>
+
+<file path=ppt/slides/slide2.xml><?xml version="1.0" encoding="utf-8"?>
+<p:sld xmlns:a="http://schemas.openxmlformats.org/drawingml/2006/main" xmlns:r="http://schemas.openxmlformats.org/officeDocument/2006/relationships" xmlns:p="http://schemas.openxmlformats.org/presentationml/2006/main">
+  <p:cSld>
+    <p:spTree>
+      <p:nvGrpSpPr>
+        <p:cNvPr id="1" name=""/>
+        <p:cNvGrpSpPr/>
+        <p:nvPr/>
+      </p:nvGrpSpPr>
+      <p:grpSpPr>
+        <a:xfrm>
+          <a:off x="0" y="0"/>
+          <a:ext cx="0" cy="0"/>
+          <a:chOff x="0" y="0"/>
+          <a:chExt cx="0" cy="0"/>
+        </a:xfrm>
+      </p:grpSpPr>
+      <p:sp>
+        <p:nvSpPr>
+          <p:cNvPr id="2" name="標題 1"/>
+          <p:cNvSpPr>
+            <a:spLocks noGrp="1"/>
+          </p:cNvSpPr>
+          <p:nvPr>
+            <p:ph type="title"/>
+          </p:nvPr>
+        </p:nvSpPr>
+        <p:spPr/>
+        <p:txBody>
+          <a:bodyPr/>
+          <a:lstStyle/>
+          <a:p>
+            <a:r>
+              <a:rPr lang="en-US" altLang="zh-TW" dirty="0" err="1" smtClean="0"/>
+              <a:t>Loginpage</a:t>
+            </a:r>
+            <a:endParaRPr lang="zh-TW" altLang="en-US" dirty="0"/>
+          </a:p>
+        </p:txBody>
+      </p:sp>
+      <p:pic>
+        <p:nvPicPr>
+          <p:cNvPr id="4" name="內容版面配置區 3"/>
+          <p:cNvPicPr>
+            <a:picLocks noGrp="1" noChangeAspect="1"/>
+          </p:cNvPicPr>
+          <p:nvPr>
+            <p:ph idx="1"/>
+          </p:nvPr>
+        </p:nvPicPr>
+        <p:blipFill>
+          <a:blip r:embed="rId3"/>
+          <a:stretch>
+            <a:fillRect/>
+          </a:stretch>
+        </p:blipFill>
+        <p:spPr>
+          <a:xfrm>
+            <a:off x="1513620" y="2396007"/>
+            <a:ext cx="8740897" cy="3802710"/>
+          </a:xfrm>
+          <a:prstGeom prst="rect">
+            <a:avLst/>
+          </a:prstGeom>
+        </p:spPr>
+      </p:pic>
+    </p:spTree>
+    <p:extLst>
+      <p:ext uri="{BB962C8B-B14F-4D97-AF65-F5344CB8AC3E}">
+        <p14:creationId xmlns:p14="http://schemas.microsoft.com/office/powerpoint/2010/main" val="2931387714"/>
+      </p:ext>
+    </p:extLst>
+  </p:cSld>
+  <p:clrMapOvr>
+    <a:masterClrMapping/>
+  </p:clrMapOvr>
+  <p:timing>
+    <p:tnLst>
+      <p:par>
+        <p:cTn id="1" dur="indefinite" restart="never" nodeType="tmRoot"/>
+      </p:par>
+    </p:tnLst>
+  </p:timing>
+</p:sld>
+</file>
+
+<file path=ppt/slides/slide3.xml><?xml version="1.0" encoding="utf-8"?>
+<p:sld xmlns:a="http://schemas.openxmlformats.org/drawingml/2006/main" xmlns:r="http://schemas.openxmlformats.org/officeDocument/2006/relationships" xmlns:p="http://schemas.openxmlformats.org/presentationml/2006/main">
+  <p:cSld>
+    <p:spTree>
+      <p:nvGrpSpPr>
+        <p:cNvPr id="1" name=""/>
+        <p:cNvGrpSpPr/>
+        <p:nvPr/>
+      </p:nvGrpSpPr>
+      <p:grpSpPr>
+        <a:xfrm>
+          <a:off x="0" y="0"/>
+          <a:ext cx="0" cy="0"/>
+          <a:chOff x="0" y="0"/>
+          <a:chExt cx="0" cy="0"/>
+        </a:xfrm>
+      </p:grpSpPr>
+      <p:sp>
+        <p:nvSpPr>
+          <p:cNvPr id="2" name="標題 1">
+            <a:extLst>
+              <a:ext uri="{FF2B5EF4-FFF2-40B4-BE49-F238E27FC236}">
+                <a16:creationId xmlns:a16="http://schemas.microsoft.com/office/drawing/2014/main" xmlns="" id="{5C6FA6FE-E592-4A1C-96F4-386B2B91ADBB}"/>
+              </a:ext>
+            </a:extLst>
+          </p:cNvPr>
+          <p:cNvSpPr>
+            <a:spLocks noGrp="1"/>
+          </p:cNvSpPr>
+          <p:nvPr>
+            <p:ph type="title"/>
+          </p:nvPr>
+        </p:nvSpPr>
+        <p:spPr/>
+        <p:txBody>
+          <a:bodyPr/>
+          <a:lstStyle/>
+          <a:p>
+            <a:r>
+              <a:rPr lang="en-US" altLang="zh-TW" dirty="0"/>
+              <a:t>Action – </a:t>
+            </a:r>
+            <a:r>
+              <a:rPr lang="zh-TW" altLang="en-US" dirty="0"/>
+              <a:t>登入</a:t>
+            </a:r>
+          </a:p>
+        </p:txBody>
+      </p:sp>
+      <p:pic>
+        <p:nvPicPr>
+          <p:cNvPr id="11" name="內容版面配置區 10">
+            <a:extLst>
+              <a:ext uri="{FF2B5EF4-FFF2-40B4-BE49-F238E27FC236}">
+                <a16:creationId xmlns:a16="http://schemas.microsoft.com/office/drawing/2014/main" xmlns="" id="{7B165529-B458-4040-8D18-78336EFA165F}"/>
+              </a:ext>
+            </a:extLst>
+          </p:cNvPr>
+          <p:cNvPicPr>
+            <a:picLocks noGrp="1" noChangeAspect="1"/>
+          </p:cNvPicPr>
+          <p:nvPr>
+            <p:ph idx="1"/>
+          </p:nvPr>
+        </p:nvPicPr>
+        <p:blipFill>
+          <a:blip r:embed="rId2"/>
+          <a:stretch>
+            <a:fillRect/>
+          </a:stretch>
+        </p:blipFill>
+        <p:spPr>
+          <a:xfrm>
+            <a:off x="3097001" y="2655814"/>
+            <a:ext cx="5782482" cy="3410426"/>
+          </a:xfrm>
+          <a:prstGeom prst="rect">
+            <a:avLst/>
+          </a:prstGeom>
+        </p:spPr>
+      </p:pic>
+      <p:pic>
+        <p:nvPicPr>
+          <p:cNvPr id="3" name="圖片 2"/>
+          <p:cNvPicPr>
+            <a:picLocks noChangeAspect="1"/>
+          </p:cNvPicPr>
+          <p:nvPr/>
+        </p:nvPicPr>
+        <p:blipFill>
+          <a:blip r:embed="rId3"/>
+          <a:stretch>
+            <a:fillRect/>
+          </a:stretch>
+        </p:blipFill>
+        <p:spPr>
+          <a:xfrm>
+            <a:off x="6651905" y="585216"/>
+            <a:ext cx="4092295" cy="1943268"/>
+          </a:xfrm>
+          <a:prstGeom prst="rect">
+            <a:avLst/>
+          </a:prstGeom>
+        </p:spPr>
+      </p:pic>
+    </p:spTree>
+    <p:extLst>
+      <p:ext uri="{BB962C8B-B14F-4D97-AF65-F5344CB8AC3E}">
+        <p14:creationId xmlns:p14="http://schemas.microsoft.com/office/powerpoint/2010/main" val="2500194397"/>
+      </p:ext>
+    </p:extLst>
+  </p:cSld>
+  <p:clrMapOvr>
+    <a:masterClrMapping/>
+  </p:clrMapOvr>
+  <p:timing>
+    <p:tnLst>
+      <p:par>
+        <p:cTn id="1" dur="indefinite" restart="never" nodeType="tmRoot"/>
+      </p:par>
+    </p:tnLst>
+  </p:timing>
+</p:sld>
+</file>
+
+<file path=ppt/slides/slide4.xml><?xml version="1.0" encoding="utf-8"?>
+<p:sld xmlns:a="http://schemas.openxmlformats.org/drawingml/2006/main" xmlns:r="http://schemas.openxmlformats.org/officeDocument/2006/relationships" xmlns:p="http://schemas.openxmlformats.org/presentationml/2006/main">
+  <p:cSld>
+    <p:spTree>
+      <p:nvGrpSpPr>
+        <p:cNvPr id="1" name=""/>
+        <p:cNvGrpSpPr/>
+        <p:nvPr/>
+      </p:nvGrpSpPr>
+      <p:grpSpPr>
+        <a:xfrm>
+          <a:off x="0" y="0"/>
+          <a:ext cx="0" cy="0"/>
+          <a:chOff x="0" y="0"/>
+          <a:chExt cx="0" cy="0"/>
+        </a:xfrm>
+      </p:grpSpPr>
+      <p:sp>
+        <p:nvSpPr>
+          <p:cNvPr id="2" name="標題 1">
+            <a:extLst>
+              <a:ext uri="{FF2B5EF4-FFF2-40B4-BE49-F238E27FC236}">
+                <a16:creationId xmlns:a16="http://schemas.microsoft.com/office/drawing/2014/main" xmlns="" id="{67542D18-9B98-4C25-A3E9-1F8DF9EA2DF5}"/>
+              </a:ext>
+            </a:extLst>
+          </p:cNvPr>
+          <p:cNvSpPr>
+            <a:spLocks noGrp="1"/>
+          </p:cNvSpPr>
+          <p:nvPr>
+            <p:ph type="title"/>
+          </p:nvPr>
+        </p:nvSpPr>
+        <p:spPr/>
+        <p:txBody>
+          <a:bodyPr/>
+          <a:lstStyle/>
+          <a:p>
+            <a:r>
+              <a:rPr lang="en-US" altLang="zh-TW" dirty="0"/>
+              <a:t>Action – </a:t>
+            </a:r>
+            <a:r>
+              <a:rPr lang="zh-TW" altLang="en-US" dirty="0"/>
+              <a:t>登入</a:t>
+            </a:r>
+          </a:p>
+        </p:txBody>
+      </p:sp>
+      <p:pic>
+        <p:nvPicPr>
+          <p:cNvPr id="5" name="內容版面配置區 4">
+            <a:extLst>
+              <a:ext uri="{FF2B5EF4-FFF2-40B4-BE49-F238E27FC236}">
+                <a16:creationId xmlns:a16="http://schemas.microsoft.com/office/drawing/2014/main" xmlns="" id="{47F75431-BD73-4D74-A7EB-6F93C58A1E98}"/>
+              </a:ext>
+            </a:extLst>
+          </p:cNvPr>
+          <p:cNvPicPr>
+            <a:picLocks noGrp="1" noChangeAspect="1"/>
+          </p:cNvPicPr>
+          <p:nvPr>
+            <p:ph idx="1"/>
+          </p:nvPr>
+        </p:nvPicPr>
+        <p:blipFill>
+          <a:blip r:embed="rId2"/>
+          <a:stretch>
+            <a:fillRect/>
+          </a:stretch>
+        </p:blipFill>
+        <p:spPr>
+          <a:xfrm>
+            <a:off x="1116141" y="2577860"/>
+            <a:ext cx="9535856" cy="3439005"/>
+          </a:xfrm>
+        </p:spPr>
+      </p:pic>
+    </p:spTree>
+    <p:extLst>
+      <p:ext uri="{BB962C8B-B14F-4D97-AF65-F5344CB8AC3E}">
+        <p14:creationId xmlns:p14="http://schemas.microsoft.com/office/powerpoint/2010/main" val="3337409269"/>
+      </p:ext>
+    </p:extLst>
+  </p:cSld>
+  <p:clrMapOvr>
+    <a:masterClrMapping/>
+  </p:clrMapOvr>
+  <p:timing>
+    <p:tnLst>
+      <p:par>
+        <p:cTn id="1" dur="indefinite" restart="never" nodeType="tmRoot"/>
+      </p:par>
+    </p:tnLst>
+  </p:timing>
+</p:sld>
+</file>
+
+<file path=ppt/slides/slide5.xml><?xml version="1.0" encoding="utf-8"?>
+<p:sld xmlns:a="http://schemas.openxmlformats.org/drawingml/2006/main" xmlns:r="http://schemas.openxmlformats.org/officeDocument/2006/relationships" xmlns:p="http://schemas.openxmlformats.org/presentationml/2006/main">
+  <p:cSld>
+    <p:spTree>
+      <p:nvGrpSpPr>
+        <p:cNvPr id="1" name=""/>
+        <p:cNvGrpSpPr/>
+        <p:nvPr/>
+      </p:nvGrpSpPr>
+      <p:grpSpPr>
+        <a:xfrm>
+          <a:off x="0" y="0"/>
+          <a:ext cx="0" cy="0"/>
+          <a:chOff x="0" y="0"/>
+          <a:chExt cx="0" cy="0"/>
+        </a:xfrm>
+      </p:grpSpPr>
+      <p:sp>
+        <p:nvSpPr>
+          <p:cNvPr id="2" name="標題 1"/>
+          <p:cNvSpPr>
+            <a:spLocks noGrp="1"/>
+          </p:cNvSpPr>
+          <p:nvPr>
+            <p:ph type="title"/>
+          </p:nvPr>
+        </p:nvSpPr>
+        <p:spPr/>
+        <p:txBody>
+          <a:bodyPr/>
+          <a:lstStyle/>
+          <a:p>
+            <a:r>
+              <a:rPr lang="en-US" altLang="zh-TW" dirty="0" smtClean="0"/>
+              <a:t>Homepage</a:t>
+            </a:r>
+            <a:endParaRPr lang="zh-TW" altLang="en-US" dirty="0"/>
+          </a:p>
+        </p:txBody>
+      </p:sp>
+      <p:pic>
+        <p:nvPicPr>
+          <p:cNvPr id="4" name="圖片 3"/>
+          <p:cNvPicPr>
+            <a:picLocks noChangeAspect="1"/>
+          </p:cNvPicPr>
+          <p:nvPr/>
+        </p:nvPicPr>
+        <p:blipFill>
+          <a:blip r:embed="rId2"/>
+          <a:stretch>
+            <a:fillRect/>
+          </a:stretch>
+        </p:blipFill>
+        <p:spPr>
+          <a:xfrm>
+            <a:off x="876133" y="2286000"/>
+            <a:ext cx="3840813" cy="1135478"/>
+          </a:xfrm>
+          <a:prstGeom prst="rect">
+            <a:avLst/>
+          </a:prstGeom>
+        </p:spPr>
+      </p:pic>
+      <p:pic>
+        <p:nvPicPr>
+          <p:cNvPr id="5" name="圖片 4"/>
+          <p:cNvPicPr>
+            <a:picLocks noChangeAspect="1"/>
+          </p:cNvPicPr>
+          <p:nvPr/>
+        </p:nvPicPr>
+        <p:blipFill>
+          <a:blip r:embed="rId3"/>
+          <a:stretch>
+            <a:fillRect/>
+          </a:stretch>
+        </p:blipFill>
+        <p:spPr>
+          <a:xfrm>
+            <a:off x="4827102" y="2286000"/>
+            <a:ext cx="5806943" cy="1745131"/>
+          </a:xfrm>
+          <a:prstGeom prst="rect">
+            <a:avLst/>
+          </a:prstGeom>
+        </p:spPr>
+      </p:pic>
+      <p:pic>
+        <p:nvPicPr>
+          <p:cNvPr id="6" name="圖片 5"/>
+          <p:cNvPicPr>
+            <a:picLocks noChangeAspect="1"/>
+          </p:cNvPicPr>
+          <p:nvPr/>
+        </p:nvPicPr>
+        <p:blipFill>
+          <a:blip r:embed="rId4"/>
+          <a:stretch>
+            <a:fillRect/>
+          </a:stretch>
+        </p:blipFill>
+        <p:spPr>
+          <a:xfrm>
+            <a:off x="3063098" y="4232299"/>
+            <a:ext cx="4812809" cy="1089692"/>
+          </a:xfrm>
+          <a:prstGeom prst="rect">
+            <a:avLst/>
+          </a:prstGeom>
+        </p:spPr>
+      </p:pic>
+    </p:spTree>
+    <p:extLst>
+      <p:ext uri="{BB962C8B-B14F-4D97-AF65-F5344CB8AC3E}">
+        <p14:creationId xmlns:p14="http://schemas.microsoft.com/office/powerpoint/2010/main" val="2674575265"/>
+      </p:ext>
+    </p:extLst>
+  </p:cSld>
+  <p:clrMapOvr>
+    <a:masterClrMapping/>
+  </p:clrMapOvr>
+</p:sld>
+</file>
+
+<file path=ppt/slides/slide6.xml><?xml version="1.0" encoding="utf-8"?>
+<p:sld xmlns:a="http://schemas.openxmlformats.org/drawingml/2006/main" xmlns:r="http://schemas.openxmlformats.org/officeDocument/2006/relationships" xmlns:p="http://schemas.openxmlformats.org/presentationml/2006/main">
+  <p:cSld>
+    <p:spTree>
+      <p:nvGrpSpPr>
+        <p:cNvPr id="1" name=""/>
+        <p:cNvGrpSpPr/>
+        <p:nvPr/>
+      </p:nvGrpSpPr>
+      <p:grpSpPr>
+        <a:xfrm>
+          <a:off x="0" y="0"/>
+          <a:ext cx="0" cy="0"/>
+          <a:chOff x="0" y="0"/>
+          <a:chExt cx="0" cy="0"/>
+        </a:xfrm>
+      </p:grpSpPr>
+      <p:sp>
+        <p:nvSpPr>
+          <p:cNvPr id="2" name="標題 1"/>
+          <p:cNvSpPr>
+            <a:spLocks noGrp="1"/>
+          </p:cNvSpPr>
+          <p:nvPr>
+            <p:ph type="title"/>
+          </p:nvPr>
+        </p:nvSpPr>
+        <p:spPr/>
+        <p:txBody>
+          <a:bodyPr/>
+          <a:lstStyle/>
+          <a:p>
+            <a:r>
+              <a:rPr lang="en-US" altLang="zh-TW" dirty="0"/>
+              <a:t>Action – </a:t>
+            </a:r>
+            <a:r>
+              <a:rPr lang="zh-TW" altLang="en-US" dirty="0"/>
+              <a:t>登出</a:t>
+            </a:r>
+          </a:p>
+        </p:txBody>
+      </p:sp>
+      <p:pic>
+        <p:nvPicPr>
+          <p:cNvPr id="7" name="圖片 6">
+            <a:extLst>
+              <a:ext uri="{FF2B5EF4-FFF2-40B4-BE49-F238E27FC236}">
+                <a16:creationId xmlns:a16="http://schemas.microsoft.com/office/drawing/2014/main" xmlns="" id="{DCA51FE1-391E-4238-A12E-F4FDF63E8551}"/>
+              </a:ext>
+            </a:extLst>
+          </p:cNvPr>
+          <p:cNvPicPr>
+            <a:picLocks noChangeAspect="1"/>
+          </p:cNvPicPr>
+          <p:nvPr/>
+        </p:nvPicPr>
+        <p:blipFill>
+          <a:blip r:embed="rId2"/>
+          <a:stretch>
+            <a:fillRect/>
+          </a:stretch>
+        </p:blipFill>
+        <p:spPr>
+          <a:xfrm>
+            <a:off x="3012666" y="5230240"/>
+            <a:ext cx="5788666" cy="1066032"/>
+          </a:xfrm>
+          <a:prstGeom prst="rect">
+            <a:avLst/>
+          </a:prstGeom>
+        </p:spPr>
+      </p:pic>
+      <p:pic>
+        <p:nvPicPr>
+          <p:cNvPr id="10" name="圖片 9">
+            <a:extLst>
+              <a:ext uri="{FF2B5EF4-FFF2-40B4-BE49-F238E27FC236}">
+                <a16:creationId xmlns:a16="http://schemas.microsoft.com/office/drawing/2014/main" xmlns="" id="{59E49AA9-169E-40F0-A337-DD662B485D2B}"/>
+              </a:ext>
+            </a:extLst>
+          </p:cNvPr>
+          <p:cNvPicPr>
+            <a:picLocks noChangeAspect="1"/>
+          </p:cNvPicPr>
+          <p:nvPr/>
+        </p:nvPicPr>
+        <p:blipFill>
+          <a:blip r:embed="rId3"/>
+          <a:stretch>
+            <a:fillRect/>
+          </a:stretch>
+        </p:blipFill>
+        <p:spPr>
+          <a:xfrm>
+            <a:off x="3298351" y="3917026"/>
+            <a:ext cx="5171626" cy="1313214"/>
+          </a:xfrm>
+          <a:prstGeom prst="rect">
+            <a:avLst/>
+          </a:prstGeom>
+        </p:spPr>
+      </p:pic>
+      <p:pic>
+        <p:nvPicPr>
+          <p:cNvPr id="3" name="圖片 2"/>
+          <p:cNvPicPr>
+            <a:picLocks noChangeAspect="1"/>
+          </p:cNvPicPr>
+          <p:nvPr/>
+        </p:nvPicPr>
+        <p:blipFill>
+          <a:blip r:embed="rId4"/>
+          <a:stretch>
+            <a:fillRect/>
+          </a:stretch>
+        </p:blipFill>
+        <p:spPr>
+          <a:xfrm>
+            <a:off x="5054034" y="387564"/>
+            <a:ext cx="5258366" cy="3583795"/>
+          </a:xfrm>
+          <a:prstGeom prst="rect">
+            <a:avLst/>
+          </a:prstGeom>
+        </p:spPr>
+      </p:pic>
+    </p:spTree>
+    <p:extLst>
+      <p:ext uri="{BB962C8B-B14F-4D97-AF65-F5344CB8AC3E}">
+        <p14:creationId xmlns:p14="http://schemas.microsoft.com/office/powerpoint/2010/main" val="3904368050"/>
+      </p:ext>
+    </p:extLst>
+  </p:cSld>
+  <p:clrMapOvr>
+    <a:masterClrMapping/>
+  </p:clrMapOvr>
+</p:sld>
+</file>
+
+<file path=ppt/slides/slide7.xml><?xml version="1.0" encoding="utf-8"?>
+<p:sld xmlns:a="http://schemas.openxmlformats.org/drawingml/2006/main" xmlns:r="http://schemas.openxmlformats.org/officeDocument/2006/relationships" xmlns:p="http://schemas.openxmlformats.org/presentationml/2006/main">
+  <p:cSld>
+    <p:spTree>
+      <p:nvGrpSpPr>
+        <p:cNvPr id="1" name=""/>
+        <p:cNvGrpSpPr/>
+        <p:nvPr/>
+      </p:nvGrpSpPr>
+      <p:grpSpPr>
+        <a:xfrm>
+          <a:off x="0" y="0"/>
+          <a:ext cx="0" cy="0"/>
+          <a:chOff x="0" y="0"/>
+          <a:chExt cx="0" cy="0"/>
+        </a:xfrm>
+      </p:grpSpPr>
+      <p:sp>
+        <p:nvSpPr>
+          <p:cNvPr id="2" name="標題 1">
+            <a:extLst>
+              <a:ext uri="{FF2B5EF4-FFF2-40B4-BE49-F238E27FC236}">
+                <a16:creationId xmlns:a16="http://schemas.microsoft.com/office/drawing/2014/main" xmlns="" id="{01AEF083-F826-49AD-84FE-588C2A71754A}"/>
+              </a:ext>
+            </a:extLst>
+          </p:cNvPr>
+          <p:cNvSpPr>
+            <a:spLocks noGrp="1"/>
+          </p:cNvSpPr>
+          <p:nvPr>
+            <p:ph type="title"/>
+          </p:nvPr>
+        </p:nvSpPr>
+        <p:spPr/>
+        <p:txBody>
+          <a:bodyPr/>
+          <a:lstStyle/>
+          <a:p>
+            <a:r>
+              <a:rPr lang="en-US" altLang="zh-TW" dirty="0"/>
+              <a:t>Reducer</a:t>
+            </a:r>
+            <a:endParaRPr lang="zh-TW" altLang="en-US" dirty="0"/>
+          </a:p>
+        </p:txBody>
+      </p:sp>
+      <p:pic>
+        <p:nvPicPr>
+          <p:cNvPr id="4" name="內容版面配置區 6">
+            <a:extLst>
+              <a:ext uri="{FF2B5EF4-FFF2-40B4-BE49-F238E27FC236}">
+                <a16:creationId xmlns:a16="http://schemas.microsoft.com/office/drawing/2014/main" xmlns="" id="{31E76842-BB87-4349-9C68-0FB96C2CB6E2}"/>
+              </a:ext>
+            </a:extLst>
+          </p:cNvPr>
+          <p:cNvPicPr>
+            <a:picLocks noGrp="1" noChangeAspect="1"/>
+          </p:cNvPicPr>
+          <p:nvPr>
+            <p:ph idx="1"/>
+          </p:nvPr>
+        </p:nvPicPr>
+        <p:blipFill>
+          <a:blip r:embed="rId2"/>
+          <a:stretch>
+            <a:fillRect/>
+          </a:stretch>
+        </p:blipFill>
+        <p:spPr>
+          <a:xfrm>
+            <a:off x="3033498" y="2286000"/>
+            <a:ext cx="5701141" cy="4022725"/>
+          </a:xfrm>
+        </p:spPr>
+      </p:pic>
+    </p:spTree>
+    <p:extLst>
+      <p:ext uri="{BB962C8B-B14F-4D97-AF65-F5344CB8AC3E}">
+        <p14:creationId xmlns:p14="http://schemas.microsoft.com/office/powerpoint/2010/main" val="3611343787"/>
+      </p:ext>
+    </p:extLst>
+  </p:cSld>
+  <p:clrMapOvr>
+    <a:masterClrMapping/>
+  </p:clrMapOvr>
+</p:sld>
+</file>
+
+<file path=ppt/slides/slide8.xml><?xml version="1.0" encoding="utf-8"?>
+<p:sld xmlns:a="http://schemas.openxmlformats.org/drawingml/2006/main" xmlns:r="http://schemas.openxmlformats.org/officeDocument/2006/relationships" xmlns:p="http://schemas.openxmlformats.org/presentationml/2006/main">
+  <p:cSld>
+    <p:spTree>
+      <p:nvGrpSpPr>
+        <p:cNvPr id="1" name=""/>
+        <p:cNvGrpSpPr/>
+        <p:nvPr/>
+      </p:nvGrpSpPr>
+      <p:grpSpPr>
+        <a:xfrm>
+          <a:off x="0" y="0"/>
+          <a:ext cx="0" cy="0"/>
+          <a:chOff x="0" y="0"/>
+          <a:chExt cx="0" cy="0"/>
+        </a:xfrm>
+      </p:grpSpPr>
+      <p:sp>
+        <p:nvSpPr>
+          <p:cNvPr id="2" name="標題 1">
+            <a:extLst>
+              <a:ext uri="{FF2B5EF4-FFF2-40B4-BE49-F238E27FC236}">
+                <a16:creationId xmlns:a16="http://schemas.microsoft.com/office/drawing/2014/main" xmlns="" id="{ACA09B04-EFB7-437A-AE20-BAA7A0DC18DF}"/>
+              </a:ext>
+            </a:extLst>
+          </p:cNvPr>
+          <p:cNvSpPr>
+            <a:spLocks noGrp="1"/>
+          </p:cNvSpPr>
+          <p:nvPr>
+            <p:ph type="title"/>
+          </p:nvPr>
+        </p:nvSpPr>
+        <p:spPr/>
+        <p:txBody>
+          <a:bodyPr/>
+          <a:lstStyle/>
+          <a:p>
+            <a:r>
+              <a:rPr lang="en-US" altLang="zh-TW" dirty="0"/>
+              <a:t>Router</a:t>
+            </a:r>
+            <a:endParaRPr lang="zh-TW" altLang="en-US" dirty="0"/>
+          </a:p>
+        </p:txBody>
+      </p:sp>
+      <p:sp>
+        <p:nvSpPr>
+          <p:cNvPr id="9" name="內容版面配置區 8">
+            <a:extLst>
+              <a:ext uri="{FF2B5EF4-FFF2-40B4-BE49-F238E27FC236}">
+                <a16:creationId xmlns:a16="http://schemas.microsoft.com/office/drawing/2014/main" xmlns="" id="{4AA70FDF-E2CB-4814-A91E-53EB91F581C8}"/>
+              </a:ext>
+            </a:extLst>
+          </p:cNvPr>
+          <p:cNvSpPr>
+            <a:spLocks noGrp="1"/>
+          </p:cNvSpPr>
+          <p:nvPr>
+            <p:ph idx="1"/>
+          </p:nvPr>
+        </p:nvSpPr>
+        <p:spPr/>
+        <p:txBody>
+          <a:bodyPr/>
+          <a:lstStyle/>
+          <a:p>
+            <a:r>
+              <a:rPr lang="zh-TW" altLang="en-US" dirty="0"/>
+              <a:t>檢查</a:t>
+            </a:r>
+            <a:r>
+              <a:rPr lang="en-US" altLang="zh-TW" dirty="0" err="1"/>
+              <a:t>LocalStorage</a:t>
+            </a:r>
+            <a:r>
+              <a:rPr lang="zh-TW" altLang="en-US" dirty="0"/>
+              <a:t>中是否有存在</a:t>
+            </a:r>
+            <a:r>
+              <a:rPr lang="en-US" altLang="zh-TW" dirty="0"/>
+              <a:t>User token</a:t>
+            </a:r>
+          </a:p>
+          <a:p>
+            <a:r>
+              <a:rPr lang="zh-TW" altLang="en-US" dirty="0"/>
+              <a:t>沒有的話就導向</a:t>
+            </a:r>
+            <a:r>
+              <a:rPr lang="en-US" altLang="zh-TW" dirty="0"/>
+              <a:t>Login</a:t>
+            </a:r>
+            <a:r>
+              <a:rPr lang="zh-TW" altLang="en-US" dirty="0"/>
+              <a:t>頁面</a:t>
+            </a:r>
+          </a:p>
+        </p:txBody>
+      </p:sp>
+      <p:pic>
+        <p:nvPicPr>
+          <p:cNvPr id="11" name="圖片 10">
+            <a:extLst>
+              <a:ext uri="{FF2B5EF4-FFF2-40B4-BE49-F238E27FC236}">
+                <a16:creationId xmlns:a16="http://schemas.microsoft.com/office/drawing/2014/main" xmlns="" id="{3C04F571-2529-4A43-96B4-BB6D94032AF0}"/>
+              </a:ext>
+            </a:extLst>
+          </p:cNvPr>
+          <p:cNvPicPr>
+            <a:picLocks noChangeAspect="1"/>
+          </p:cNvPicPr>
+          <p:nvPr/>
+        </p:nvPicPr>
+        <p:blipFill>
+          <a:blip r:embed="rId3"/>
+          <a:stretch>
+            <a:fillRect/>
+          </a:stretch>
+        </p:blipFill>
+        <p:spPr>
+          <a:xfrm>
+            <a:off x="1385273" y="3277865"/>
+            <a:ext cx="9358927" cy="2727727"/>
+          </a:xfrm>
+          <a:prstGeom prst="rect">
+            <a:avLst/>
+          </a:prstGeom>
+        </p:spPr>
+      </p:pic>
+    </p:spTree>
+    <p:extLst>
+      <p:ext uri="{BB962C8B-B14F-4D97-AF65-F5344CB8AC3E}">
+        <p14:creationId xmlns:p14="http://schemas.microsoft.com/office/powerpoint/2010/main" val="3574845363"/>
+      </p:ext>
+    </p:extLst>
+  </p:cSld>
+  <p:clrMapOvr>
+    <a:masterClrMapping/>
+  </p:clrMapOvr>
+</p:sld>
+</file>
+
+<file path=ppt/slides/slide9.xml><?xml version="1.0" encoding="utf-8"?>
+<p:sld xmlns:a="http://schemas.openxmlformats.org/drawingml/2006/main" xmlns:r="http://schemas.openxmlformats.org/officeDocument/2006/relationships" xmlns:p="http://schemas.openxmlformats.org/presentationml/2006/main">
+  <p:cSld>
+    <p:spTree>
+      <p:nvGrpSpPr>
+        <p:cNvPr id="1" name=""/>
+        <p:cNvGrpSpPr/>
+        <p:nvPr/>
+      </p:nvGrpSpPr>
+      <p:grpSpPr>
+        <a:xfrm>
+          <a:off x="0" y="0"/>
+          <a:ext cx="0" cy="0"/>
+          <a:chOff x="0" y="0"/>
+          <a:chExt cx="0" cy="0"/>
+        </a:xfrm>
+      </p:grpSpPr>
+      <p:sp>
+        <p:nvSpPr>
+          <p:cNvPr id="2" name="標題 1"/>
+          <p:cNvSpPr>
+            <a:spLocks noGrp="1"/>
+          </p:cNvSpPr>
+          <p:nvPr>
+            <p:ph type="ctrTitle"/>
+          </p:nvPr>
+        </p:nvSpPr>
+        <p:spPr/>
+        <p:txBody>
+          <a:bodyPr/>
+          <a:lstStyle/>
+          <a:p>
+            <a:r>
+              <a:rPr lang="zh-TW" altLang="en-US" dirty="0"/>
+              <a:t>部屬</a:t>
+            </a:r>
+          </a:p>
+        </p:txBody>
+      </p:sp>
+      <p:sp>
+        <p:nvSpPr>
+          <p:cNvPr id="3" name="副標題 2"/>
+          <p:cNvSpPr>
+            <a:spLocks noGrp="1"/>
+          </p:cNvSpPr>
+          <p:nvPr>
+            <p:ph type="subTitle" idx="1"/>
+          </p:nvPr>
+        </p:nvSpPr>
+        <p:spPr/>
+        <p:txBody>
+          <a:bodyPr/>
+          <a:lstStyle/>
+          <a:p>
+            <a:endParaRPr lang="zh-TW" altLang="en-US"/>
+          </a:p>
+        </p:txBody>
+      </p:sp>
+    </p:spTree>
+    <p:extLst>
+      <p:ext uri="{BB962C8B-B14F-4D97-AF65-F5344CB8AC3E}">
+        <p14:creationId xmlns:p14="http://schemas.microsoft.com/office/powerpoint/2010/main" val="2248987333"/>
       </p:ext>
     </p:extLst>
   </p:cSld>
